--- a/ppt/Chapter 10.pptx
+++ b/ppt/Chapter 10.pptx
@@ -5,10 +5,10 @@
     <p:sldMasterId id="2147483649" r:id="rId1"/>
   </p:sldMasterIdLst>
   <p:notesMasterIdLst>
-    <p:notesMasterId r:id="rId91"/>
+    <p:notesMasterId r:id="rId92"/>
   </p:notesMasterIdLst>
   <p:handoutMasterIdLst>
-    <p:handoutMasterId r:id="rId92"/>
+    <p:handoutMasterId r:id="rId93"/>
   </p:handoutMasterIdLst>
   <p:sldIdLst>
     <p:sldId id="389" r:id="rId2"/>
@@ -82,24 +82,25 @@
     <p:sldId id="361" r:id="rId70"/>
     <p:sldId id="362" r:id="rId71"/>
     <p:sldId id="399" r:id="rId72"/>
-    <p:sldId id="363" r:id="rId73"/>
-    <p:sldId id="364" r:id="rId74"/>
-    <p:sldId id="365" r:id="rId75"/>
-    <p:sldId id="366" r:id="rId76"/>
-    <p:sldId id="367" r:id="rId77"/>
-    <p:sldId id="368" r:id="rId78"/>
-    <p:sldId id="369" r:id="rId79"/>
-    <p:sldId id="370" r:id="rId80"/>
-    <p:sldId id="372" r:id="rId81"/>
-    <p:sldId id="373" r:id="rId82"/>
-    <p:sldId id="374" r:id="rId83"/>
-    <p:sldId id="375" r:id="rId84"/>
-    <p:sldId id="387" r:id="rId85"/>
-    <p:sldId id="376" r:id="rId86"/>
-    <p:sldId id="378" r:id="rId87"/>
-    <p:sldId id="379" r:id="rId88"/>
-    <p:sldId id="380" r:id="rId89"/>
-    <p:sldId id="388" r:id="rId90"/>
+    <p:sldId id="400" r:id="rId73"/>
+    <p:sldId id="363" r:id="rId74"/>
+    <p:sldId id="364" r:id="rId75"/>
+    <p:sldId id="365" r:id="rId76"/>
+    <p:sldId id="366" r:id="rId77"/>
+    <p:sldId id="367" r:id="rId78"/>
+    <p:sldId id="368" r:id="rId79"/>
+    <p:sldId id="369" r:id="rId80"/>
+    <p:sldId id="370" r:id="rId81"/>
+    <p:sldId id="372" r:id="rId82"/>
+    <p:sldId id="373" r:id="rId83"/>
+    <p:sldId id="374" r:id="rId84"/>
+    <p:sldId id="375" r:id="rId85"/>
+    <p:sldId id="387" r:id="rId86"/>
+    <p:sldId id="376" r:id="rId87"/>
+    <p:sldId id="378" r:id="rId88"/>
+    <p:sldId id="379" r:id="rId89"/>
+    <p:sldId id="380" r:id="rId90"/>
+    <p:sldId id="388" r:id="rId91"/>
   </p:sldIdLst>
   <p:sldSz cx="9144000" cy="6858000" type="letter"/>
   <p:notesSz cx="6858000" cy="9144000"/>
@@ -1238,6 +1239,90 @@
     <p:extLst>
       <p:ext uri="{BB962C8B-B14F-4D97-AF65-F5344CB8AC3E}">
         <p14:creationId xmlns:p14="http://schemas.microsoft.com/office/powerpoint/2010/main" val="2465224626"/>
+      </p:ext>
+    </p:extLst>
+  </p:cSld>
+  <p:clrMapOvr>
+    <a:masterClrMapping/>
+  </p:clrMapOvr>
+</p:notes>
+</file>
+
+<file path=ppt/notesSlides/notesSlide2.xml><?xml version="1.0" encoding="utf-8"?>
+<p:notes xmlns:a="http://schemas.openxmlformats.org/drawingml/2006/main" xmlns:r="http://schemas.openxmlformats.org/officeDocument/2006/relationships" xmlns:p="http://schemas.openxmlformats.org/presentationml/2006/main">
+  <p:cSld>
+    <p:spTree>
+      <p:nvGrpSpPr>
+        <p:cNvPr id="1" name=""/>
+        <p:cNvGrpSpPr/>
+        <p:nvPr/>
+      </p:nvGrpSpPr>
+      <p:grpSpPr>
+        <a:xfrm>
+          <a:off x="0" y="0"/>
+          <a:ext cx="0" cy="0"/>
+          <a:chOff x="0" y="0"/>
+          <a:chExt cx="0" cy="0"/>
+        </a:xfrm>
+      </p:grpSpPr>
+      <p:sp>
+        <p:nvSpPr>
+          <p:cNvPr id="2" name="幻灯片图像占位符 1"/>
+          <p:cNvSpPr>
+            <a:spLocks noGrp="1" noRot="1" noChangeAspect="1"/>
+          </p:cNvSpPr>
+          <p:nvPr>
+            <p:ph type="sldImg"/>
+          </p:nvPr>
+        </p:nvSpPr>
+        <p:spPr/>
+      </p:sp>
+      <p:sp>
+        <p:nvSpPr>
+          <p:cNvPr id="3" name="备注占位符 2"/>
+          <p:cNvSpPr>
+            <a:spLocks noGrp="1"/>
+          </p:cNvSpPr>
+          <p:nvPr>
+            <p:ph type="body" idx="1"/>
+          </p:nvPr>
+        </p:nvSpPr>
+        <p:spPr/>
+        <p:txBody>
+          <a:bodyPr/>
+          <a:lstStyle/>
+          <a:p>
+            <a:endParaRPr lang="zh-CN" altLang="en-US" dirty="0"/>
+          </a:p>
+        </p:txBody>
+      </p:sp>
+      <p:sp>
+        <p:nvSpPr>
+          <p:cNvPr id="4" name="灯片编号占位符 3"/>
+          <p:cNvSpPr>
+            <a:spLocks noGrp="1"/>
+          </p:cNvSpPr>
+          <p:nvPr>
+            <p:ph type="sldNum" sz="quarter" idx="10"/>
+          </p:nvPr>
+        </p:nvSpPr>
+        <p:spPr/>
+        <p:txBody>
+          <a:bodyPr/>
+          <a:lstStyle/>
+          <a:p>
+            <a:fld id="{EAAA54E0-E54F-4192-A255-6BED4914879F}" type="slidenum">
+              <a:rPr lang="zh-CN" altLang="en-US" smtClean="0"/>
+              <a:t>72</a:t>
+            </a:fld>
+            <a:endParaRPr lang="zh-CN" altLang="en-US"/>
+          </a:p>
+        </p:txBody>
+      </p:sp>
+    </p:spTree>
+    <p:extLst>
+      <p:ext uri="{BB962C8B-B14F-4D97-AF65-F5344CB8AC3E}">
+        <p14:creationId xmlns:p14="http://schemas.microsoft.com/office/powerpoint/2010/main" val="1333041288"/>
       </p:ext>
     </p:extLst>
   </p:cSld>
@@ -26531,6 +26616,151 @@
       </p:grpSpPr>
       <p:sp>
         <p:nvSpPr>
+          <p:cNvPr id="2" name="标题 1"/>
+          <p:cNvSpPr>
+            <a:spLocks noGrp="1"/>
+          </p:cNvSpPr>
+          <p:nvPr>
+            <p:ph type="title"/>
+          </p:nvPr>
+        </p:nvSpPr>
+        <p:spPr/>
+        <p:txBody>
+          <a:bodyPr/>
+          <a:lstStyle/>
+          <a:p>
+            <a:r>
+              <a:rPr lang="en-US" altLang="zh-CN" dirty="0" smtClean="0"/>
+              <a:t>Project submit</a:t>
+            </a:r>
+            <a:endParaRPr lang="zh-CN" altLang="en-US" dirty="0"/>
+          </a:p>
+        </p:txBody>
+      </p:sp>
+      <p:sp>
+        <p:nvSpPr>
+          <p:cNvPr id="3" name="内容占位符 2"/>
+          <p:cNvSpPr>
+            <a:spLocks noGrp="1"/>
+          </p:cNvSpPr>
+          <p:nvPr>
+            <p:ph idx="1"/>
+          </p:nvPr>
+        </p:nvSpPr>
+        <p:spPr>
+          <a:xfrm>
+            <a:off x="749250" y="1955561"/>
+            <a:ext cx="7886700" cy="3263504"/>
+          </a:xfrm>
+        </p:spPr>
+        <p:txBody>
+          <a:bodyPr>
+            <a:normAutofit/>
+          </a:bodyPr>
+          <a:lstStyle/>
+          <a:p>
+            <a:pPr marL="0" indent="0">
+              <a:buNone/>
+            </a:pPr>
+            <a:r>
+              <a:rPr lang="en-US" altLang="zh-CN" sz="2700" dirty="0"/>
+              <a:t>172.18.5.102</a:t>
+            </a:r>
+            <a:endParaRPr lang="en-US" altLang="zh-CN" sz="2700" dirty="0"/>
+          </a:p>
+          <a:p>
+            <a:pPr marL="0" indent="0">
+              <a:buNone/>
+            </a:pPr>
+            <a:r>
+              <a:rPr lang="en-US" altLang="zh-CN" sz="2700" dirty="0"/>
+              <a:t>User:  </a:t>
+            </a:r>
+            <a:r>
+              <a:rPr lang="en-US" altLang="zh-CN" sz="2700" dirty="0" err="1"/>
+              <a:t>dailiyun</a:t>
+            </a:r>
+            <a:endParaRPr lang="en-US" altLang="zh-CN" sz="2700" dirty="0"/>
+          </a:p>
+          <a:p>
+            <a:pPr marL="0" indent="0">
+              <a:buNone/>
+            </a:pPr>
+            <a:r>
+              <a:rPr lang="en-US" altLang="zh-CN" sz="2700" dirty="0"/>
+              <a:t>Password: </a:t>
+            </a:r>
+            <a:r>
+              <a:rPr lang="en-US" altLang="zh-CN" sz="2700" dirty="0" err="1"/>
+              <a:t>dailiyun</a:t>
+            </a:r>
+            <a:endParaRPr lang="en-US" altLang="zh-CN" sz="2700" dirty="0"/>
+          </a:p>
+          <a:p>
+            <a:pPr marL="0" indent="0">
+              <a:buNone/>
+            </a:pPr>
+            <a:endParaRPr lang="zh-CN" altLang="en-US" sz="2700" dirty="0"/>
+          </a:p>
+        </p:txBody>
+      </p:sp>
+      <p:pic>
+        <p:nvPicPr>
+          <p:cNvPr id="4" name="图片 3"/>
+          <p:cNvPicPr>
+            <a:picLocks noChangeAspect="1"/>
+          </p:cNvPicPr>
+          <p:nvPr/>
+        </p:nvPicPr>
+        <p:blipFill>
+          <a:blip r:embed="rId3"/>
+          <a:stretch>
+            <a:fillRect/>
+          </a:stretch>
+        </p:blipFill>
+        <p:spPr>
+          <a:xfrm>
+            <a:off x="906746" y="3368405"/>
+            <a:ext cx="5887623" cy="2388426"/>
+          </a:xfrm>
+          <a:prstGeom prst="rect">
+            <a:avLst/>
+          </a:prstGeom>
+        </p:spPr>
+      </p:pic>
+    </p:spTree>
+    <p:extLst>
+      <p:ext uri="{BB962C8B-B14F-4D97-AF65-F5344CB8AC3E}">
+        <p14:creationId xmlns:p14="http://schemas.microsoft.com/office/powerpoint/2010/main" val="1623593869"/>
+      </p:ext>
+    </p:extLst>
+  </p:cSld>
+  <p:clrMapOvr>
+    <a:masterClrMapping/>
+  </p:clrMapOvr>
+  <p:transition spd="med"/>
+</p:sld>
+</file>
+
+<file path=ppt/slides/slide73.xml><?xml version="1.0" encoding="utf-8"?>
+<p:sld xmlns:a="http://schemas.openxmlformats.org/drawingml/2006/main" xmlns:r="http://schemas.openxmlformats.org/officeDocument/2006/relationships" xmlns:p="http://schemas.openxmlformats.org/presentationml/2006/main">
+  <p:cSld>
+    <p:spTree>
+      <p:nvGrpSpPr>
+        <p:cNvPr id="1" name=""/>
+        <p:cNvGrpSpPr/>
+        <p:nvPr/>
+      </p:nvGrpSpPr>
+      <p:grpSpPr>
+        <a:xfrm>
+          <a:off x="0" y="0"/>
+          <a:ext cx="0" cy="0"/>
+          <a:chOff x="0" y="0"/>
+          <a:chExt cx="0" cy="0"/>
+        </a:xfrm>
+      </p:grpSpPr>
+      <p:sp>
+        <p:nvSpPr>
           <p:cNvPr id="5" name="灯片编号占位符 2"/>
           <p:cNvSpPr>
             <a:spLocks noGrp="1"/>
@@ -26561,7 +26791,7 @@
             <a:fld id="{FD575487-5C37-439F-BB27-866566065EF2}" type="slidenum">
               <a:rPr lang="en-US" altLang="zh-CN"/>
               <a:pPr/>
-              <a:t>72</a:t>
+              <a:t>73</a:t>
             </a:fld>
             <a:endParaRPr lang="en-CA" altLang="zh-CN">
               <a:ea typeface="宋体" panose="02010600030101010101" pitchFamily="2" charset="-122"/>
@@ -26723,7 +26953,7 @@
 </p:sld>
 </file>
 
-<file path=ppt/slides/slide73.xml><?xml version="1.0" encoding="utf-8"?>
+<file path=ppt/slides/slide74.xml><?xml version="1.0" encoding="utf-8"?>
 <p:sld xmlns:a="http://schemas.openxmlformats.org/drawingml/2006/main" xmlns:r="http://schemas.openxmlformats.org/officeDocument/2006/relationships" xmlns:p="http://schemas.openxmlformats.org/presentationml/2006/main">
   <p:cSld>
     <p:spTree>
@@ -26772,7 +27002,7 @@
             <a:fld id="{6E15EE0E-E0FC-48DC-AF35-32A4C33431B4}" type="slidenum">
               <a:rPr lang="en-US" altLang="zh-CN"/>
               <a:pPr/>
-              <a:t>73</a:t>
+              <a:t>74</a:t>
             </a:fld>
             <a:endParaRPr lang="en-CA" altLang="zh-CN">
               <a:ea typeface="宋体" panose="02010600030101010101" pitchFamily="2" charset="-122"/>
@@ -27080,7 +27310,7 @@
 </p:sld>
 </file>
 
-<file path=ppt/slides/slide74.xml><?xml version="1.0" encoding="utf-8"?>
+<file path=ppt/slides/slide75.xml><?xml version="1.0" encoding="utf-8"?>
 <p:sld xmlns:a="http://schemas.openxmlformats.org/drawingml/2006/main" xmlns:r="http://schemas.openxmlformats.org/officeDocument/2006/relationships" xmlns:p="http://schemas.openxmlformats.org/presentationml/2006/main">
   <p:cSld>
     <p:spTree>
@@ -27129,7 +27359,7 @@
             <a:fld id="{19A98547-6B68-4635-86C9-77D5B0322639}" type="slidenum">
               <a:rPr lang="en-US" altLang="zh-CN"/>
               <a:pPr/>
-              <a:t>74</a:t>
+              <a:t>75</a:t>
             </a:fld>
             <a:endParaRPr lang="en-CA" altLang="zh-CN">
               <a:ea typeface="宋体" panose="02010600030101010101" pitchFamily="2" charset="-122"/>
@@ -27379,7 +27609,7 @@
 </p:sld>
 </file>
 
-<file path=ppt/slides/slide75.xml><?xml version="1.0" encoding="utf-8"?>
+<file path=ppt/slides/slide76.xml><?xml version="1.0" encoding="utf-8"?>
 <p:sld xmlns:a="http://schemas.openxmlformats.org/drawingml/2006/main" xmlns:r="http://schemas.openxmlformats.org/officeDocument/2006/relationships" xmlns:p="http://schemas.openxmlformats.org/presentationml/2006/main">
   <p:cSld>
     <p:spTree>
@@ -27428,7 +27658,7 @@
             <a:fld id="{AAF62C2B-DF1F-4A6C-BA89-5FB36A1CBAE5}" type="slidenum">
               <a:rPr lang="en-US" altLang="zh-CN"/>
               <a:pPr/>
-              <a:t>75</a:t>
+              <a:t>76</a:t>
             </a:fld>
             <a:endParaRPr lang="en-CA" altLang="zh-CN">
               <a:ea typeface="宋体" panose="02010600030101010101" pitchFamily="2" charset="-122"/>
@@ -27668,7 +27898,7 @@
 </p:sld>
 </file>
 
-<file path=ppt/slides/slide76.xml><?xml version="1.0" encoding="utf-8"?>
+<file path=ppt/slides/slide77.xml><?xml version="1.0" encoding="utf-8"?>
 <p:sld xmlns:a="http://schemas.openxmlformats.org/drawingml/2006/main" xmlns:r="http://schemas.openxmlformats.org/officeDocument/2006/relationships" xmlns:p="http://schemas.openxmlformats.org/presentationml/2006/main">
   <p:cSld>
     <p:spTree>
@@ -27717,7 +27947,7 @@
             <a:fld id="{D2EFFED3-E91C-473E-86CA-77261B5A2BE6}" type="slidenum">
               <a:rPr lang="en-US" altLang="zh-CN"/>
               <a:pPr/>
-              <a:t>76</a:t>
+              <a:t>77</a:t>
             </a:fld>
             <a:endParaRPr lang="en-CA" altLang="zh-CN">
               <a:ea typeface="宋体" panose="02010600030101010101" pitchFamily="2" charset="-122"/>
@@ -27988,305 +28218,6 @@
           <a:xfrm>
             <a:off x="0" y="434975"/>
             <a:ext cx="5181600" cy="6122988"/>
-          </a:xfrm>
-          <a:prstGeom prst="rect">
-            <a:avLst/>
-          </a:prstGeom>
-          <a:noFill/>
-          <a:extLst>
-            <a:ext uri="{909E8E84-426E-40DD-AFC4-6F175D3DCCD1}">
-              <a14:hiddenFill xmlns:a14="http://schemas.microsoft.com/office/drawing/2010/main">
-                <a:solidFill>
-                  <a:srgbClr val="FFFFFF"/>
-                </a:solidFill>
-              </a14:hiddenFill>
-            </a:ext>
-          </a:extLst>
-        </p:spPr>
-      </p:pic>
-    </p:spTree>
-  </p:cSld>
-  <p:clrMapOvr>
-    <a:masterClrMapping/>
-  </p:clrMapOvr>
-  <p:transition spd="med" advClick="0">
-    <p:wipe dir="r"/>
-  </p:transition>
-  <p:timing>
-    <p:tnLst>
-      <p:par>
-        <p:cTn id="1" dur="indefinite" restart="never" nodeType="tmRoot"/>
-      </p:par>
-    </p:tnLst>
-  </p:timing>
-</p:sld>
-</file>
-
-<file path=ppt/slides/slide77.xml><?xml version="1.0" encoding="utf-8"?>
-<p:sld xmlns:a="http://schemas.openxmlformats.org/drawingml/2006/main" xmlns:r="http://schemas.openxmlformats.org/officeDocument/2006/relationships" xmlns:p="http://schemas.openxmlformats.org/presentationml/2006/main">
-  <p:cSld>
-    <p:spTree>
-      <p:nvGrpSpPr>
-        <p:cNvPr id="1" name=""/>
-        <p:cNvGrpSpPr/>
-        <p:nvPr/>
-      </p:nvGrpSpPr>
-      <p:grpSpPr>
-        <a:xfrm>
-          <a:off x="0" y="0"/>
-          <a:ext cx="0" cy="0"/>
-          <a:chOff x="0" y="0"/>
-          <a:chExt cx="0" cy="0"/>
-        </a:xfrm>
-      </p:grpSpPr>
-      <p:sp>
-        <p:nvSpPr>
-          <p:cNvPr id="6" name="灯片编号占位符 2"/>
-          <p:cNvSpPr>
-            <a:spLocks noGrp="1"/>
-          </p:cNvSpPr>
-          <p:nvPr>
-            <p:ph type="sldNum" sz="quarter" idx="10"/>
-          </p:nvPr>
-        </p:nvSpPr>
-        <p:spPr/>
-        <p:txBody>
-          <a:bodyPr/>
-          <a:lstStyle/>
-          <a:p>
-            <a:r>
-              <a:rPr lang="en-US" altLang="zh-CN"/>
-              <a:t>Slide </a:t>
-            </a:r>
-            <a:r>
-              <a:rPr lang="en-US" altLang="zh-CN">
-                <a:ea typeface="宋体" panose="02010600030101010101" pitchFamily="2" charset="-122"/>
-              </a:rPr>
-              <a:t>7</a:t>
-            </a:r>
-            <a:r>
-              <a:rPr lang="en-US" altLang="zh-CN"/>
-              <a:t>- </a:t>
-            </a:r>
-            <a:fld id="{5DA49F65-70B1-486F-825B-705CDF762C49}" type="slidenum">
-              <a:rPr lang="en-US" altLang="zh-CN"/>
-              <a:pPr/>
-              <a:t>77</a:t>
-            </a:fld>
-            <a:endParaRPr lang="en-CA" altLang="zh-CN">
-              <a:ea typeface="宋体" panose="02010600030101010101" pitchFamily="2" charset="-122"/>
-            </a:endParaRPr>
-          </a:p>
-        </p:txBody>
-      </p:sp>
-      <p:sp>
-        <p:nvSpPr>
-          <p:cNvPr id="583682" name="AutoShape 2">
-            <a:hlinkClick r:id="rId2" action="ppaction://hlinksldjump"/>
-          </p:cNvPr>
-          <p:cNvSpPr>
-            <a:spLocks noChangeArrowheads="1"/>
-          </p:cNvSpPr>
-          <p:nvPr/>
-        </p:nvSpPr>
-        <p:spPr bwMode="auto">
-          <a:xfrm>
-            <a:off x="5613400" y="717550"/>
-            <a:ext cx="1270000" cy="584200"/>
-          </a:xfrm>
-          <a:prstGeom prst="leftArrow">
-            <a:avLst>
-              <a:gd name="adj1" fmla="val 63046"/>
-              <a:gd name="adj2" fmla="val 43478"/>
-            </a:avLst>
-          </a:prstGeom>
-          <a:solidFill>
-            <a:srgbClr val="F8BE1A"/>
-          </a:solidFill>
-          <a:ln w="9525">
-            <a:solidFill>
-              <a:schemeClr val="tx2"/>
-            </a:solidFill>
-            <a:miter lim="800000"/>
-            <a:headEnd/>
-            <a:tailEnd/>
-          </a:ln>
-          <a:effectLst/>
-          <a:extLst>
-            <a:ext uri="{AF507438-7753-43E0-B8FC-AC1667EBCBE1}">
-              <a14:hiddenEffects xmlns:a14="http://schemas.microsoft.com/office/drawing/2010/main">
-                <a:effectLst>
-                  <a:outerShdw dist="35921" dir="2700000" algn="ctr" rotWithShape="0">
-                    <a:schemeClr val="bg2"/>
-                  </a:outerShdw>
-                </a:effectLst>
-              </a14:hiddenEffects>
-            </a:ext>
-          </a:extLst>
-        </p:spPr>
-        <p:txBody>
-          <a:bodyPr wrap="none" anchor="ctr"/>
-          <a:lstStyle/>
-          <a:p>
-            <a:pPr algn="ctr">
-              <a:spcBef>
-                <a:spcPct val="20000"/>
-              </a:spcBef>
-              <a:buClr>
-                <a:srgbClr val="CC0000"/>
-              </a:buClr>
-              <a:buFont typeface="Wingdings" panose="05000000000000000000" pitchFamily="2" charset="2"/>
-              <a:buNone/>
-            </a:pPr>
-            <a:r>
-              <a:rPr lang="en-US" altLang="zh-CN" sz="2800">
-                <a:solidFill>
-                  <a:schemeClr val="tx2"/>
-                </a:solidFill>
-              </a:rPr>
-              <a:t>Back</a:t>
-            </a:r>
-          </a:p>
-        </p:txBody>
-      </p:sp>
-      <p:sp>
-        <p:nvSpPr>
-          <p:cNvPr id="583683" name="AutoShape 3">
-            <a:hlinkClick r:id="rId3" action="ppaction://hlinksldjump"/>
-          </p:cNvPr>
-          <p:cNvSpPr>
-            <a:spLocks noChangeArrowheads="1"/>
-          </p:cNvSpPr>
-          <p:nvPr/>
-        </p:nvSpPr>
-        <p:spPr bwMode="auto">
-          <a:xfrm>
-            <a:off x="7188200" y="685800"/>
-            <a:ext cx="1295400" cy="635000"/>
-          </a:xfrm>
-          <a:prstGeom prst="rightArrow">
-            <a:avLst>
-              <a:gd name="adj1" fmla="val 57843"/>
-              <a:gd name="adj2" fmla="val 53427"/>
-            </a:avLst>
-          </a:prstGeom>
-          <a:solidFill>
-            <a:srgbClr val="F8BE1A"/>
-          </a:solidFill>
-          <a:ln w="9525">
-            <a:solidFill>
-              <a:schemeClr val="tx2"/>
-            </a:solidFill>
-            <a:miter lim="800000"/>
-            <a:headEnd/>
-            <a:tailEnd/>
-          </a:ln>
-          <a:effectLst/>
-          <a:extLst>
-            <a:ext uri="{AF507438-7753-43E0-B8FC-AC1667EBCBE1}">
-              <a14:hiddenEffects xmlns:a14="http://schemas.microsoft.com/office/drawing/2010/main">
-                <a:effectLst>
-                  <a:outerShdw dist="35921" dir="2700000" algn="ctr" rotWithShape="0">
-                    <a:schemeClr val="bg2"/>
-                  </a:outerShdw>
-                </a:effectLst>
-              </a14:hiddenEffects>
-            </a:ext>
-          </a:extLst>
-        </p:spPr>
-        <p:txBody>
-          <a:bodyPr wrap="none" anchor="ctr"/>
-          <a:lstStyle/>
-          <a:p>
-            <a:pPr algn="ctr">
-              <a:spcBef>
-                <a:spcPct val="20000"/>
-              </a:spcBef>
-              <a:buClr>
-                <a:srgbClr val="CC0000"/>
-              </a:buClr>
-              <a:buFont typeface="Wingdings" panose="05000000000000000000" pitchFamily="2" charset="2"/>
-              <a:buNone/>
-            </a:pPr>
-            <a:r>
-              <a:rPr lang="en-US" altLang="zh-CN" sz="2800">
-                <a:solidFill>
-                  <a:schemeClr val="tx2"/>
-                </a:solidFill>
-              </a:rPr>
-              <a:t>Next</a:t>
-            </a:r>
-          </a:p>
-        </p:txBody>
-      </p:sp>
-      <p:sp>
-        <p:nvSpPr>
-          <p:cNvPr id="583685" name="Rectangle 5"/>
-          <p:cNvSpPr>
-            <a:spLocks noGrp="1" noChangeArrowheads="1"/>
-          </p:cNvSpPr>
-          <p:nvPr>
-            <p:ph type="title"/>
-          </p:nvPr>
-        </p:nvSpPr>
-        <p:spPr/>
-        <p:txBody>
-          <a:bodyPr/>
-          <a:lstStyle/>
-          <a:p>
-            <a:r>
-              <a:rPr lang="en-US" altLang="zh-CN" dirty="0"/>
-              <a:t>Display </a:t>
-            </a:r>
-            <a:r>
-              <a:rPr lang="en-US" altLang="zh-CN" dirty="0" smtClean="0">
-                <a:ea typeface="宋体" panose="02010600030101010101" pitchFamily="2" charset="-122"/>
-              </a:rPr>
-              <a:t>10</a:t>
-            </a:r>
-            <a:r>
-              <a:rPr lang="en-US" altLang="zh-CN" dirty="0" smtClean="0"/>
-              <a:t>.3</a:t>
-            </a:r>
-            <a:r>
-              <a:rPr lang="en-US" altLang="zh-CN" dirty="0"/>
-              <a:t/>
-            </a:r>
-            <a:br>
-              <a:rPr lang="en-US" altLang="zh-CN" dirty="0"/>
-            </a:br>
-            <a:r>
-              <a:rPr lang="en-US" altLang="zh-CN" dirty="0"/>
-              <a:t>(2/2)</a:t>
-            </a:r>
-          </a:p>
-        </p:txBody>
-      </p:sp>
-      <p:pic>
-        <p:nvPicPr>
-          <p:cNvPr id="583687" name="Picture 7" descr="未命名2"/>
-          <p:cNvPicPr>
-            <a:picLocks noChangeAspect="1" noChangeArrowheads="1"/>
-          </p:cNvPicPr>
-          <p:nvPr/>
-        </p:nvPicPr>
-        <p:blipFill>
-          <a:blip r:embed="rId4">
-            <a:extLst>
-              <a:ext uri="{28A0092B-C50C-407E-A947-70E740481C1C}">
-                <a14:useLocalDpi xmlns:a14="http://schemas.microsoft.com/office/drawing/2010/main" val="0"/>
-              </a:ext>
-            </a:extLst>
-          </a:blip>
-          <a:srcRect/>
-          <a:stretch>
-            <a:fillRect/>
-          </a:stretch>
-        </p:blipFill>
-        <p:spPr bwMode="auto">
-          <a:xfrm>
-            <a:off x="0" y="1444625"/>
-            <a:ext cx="9144000" cy="4960938"/>
           </a:xfrm>
           <a:prstGeom prst="rect">
             <a:avLst/>
@@ -28340,7 +28271,7 @@
       </p:grpSpPr>
       <p:sp>
         <p:nvSpPr>
-          <p:cNvPr id="7" name="灯片编号占位符 2"/>
+          <p:cNvPr id="6" name="灯片编号占位符 2"/>
           <p:cNvSpPr>
             <a:spLocks noGrp="1"/>
           </p:cNvSpPr>
@@ -28367,7 +28298,7 @@
               <a:rPr lang="en-US" altLang="zh-CN"/>
               <a:t>- </a:t>
             </a:r>
-            <a:fld id="{908067D8-3977-4C7C-9E6E-F19A954339F6}" type="slidenum">
+            <a:fld id="{5DA49F65-70B1-486F-825B-705CDF762C49}" type="slidenum">
               <a:rPr lang="en-US" altLang="zh-CN"/>
               <a:pPr/>
               <a:t>78</a:t>
@@ -28380,7 +28311,9 @@
       </p:sp>
       <p:sp>
         <p:nvSpPr>
-          <p:cNvPr id="584710" name="Rectangle 6"/>
+          <p:cNvPr id="583682" name="AutoShape 2">
+            <a:hlinkClick r:id="rId2" action="ppaction://hlinksldjump"/>
+          </p:cNvPr>
           <p:cNvSpPr>
             <a:spLocks noChangeArrowheads="1"/>
           </p:cNvSpPr>
@@ -28388,62 +28321,7 @@
         </p:nvSpPr>
         <p:spPr bwMode="auto">
           <a:xfrm>
-            <a:off x="0" y="385763"/>
-            <a:ext cx="5087938" cy="1519237"/>
-          </a:xfrm>
-          <a:prstGeom prst="rect">
-            <a:avLst/>
-          </a:prstGeom>
-          <a:solidFill>
-            <a:schemeClr val="bg1"/>
-          </a:solidFill>
-          <a:ln>
-            <a:noFill/>
-          </a:ln>
-          <a:effectLst/>
-          <a:extLst>
-            <a:ext uri="{91240B29-F687-4F45-9708-019B960494DF}">
-              <a14:hiddenLine xmlns:a14="http://schemas.microsoft.com/office/drawing/2010/main" w="9525">
-                <a:solidFill>
-                  <a:schemeClr val="tx1"/>
-                </a:solidFill>
-                <a:miter lim="800000"/>
-                <a:headEnd/>
-                <a:tailEnd/>
-              </a14:hiddenLine>
-            </a:ext>
-            <a:ext uri="{AF507438-7753-43E0-B8FC-AC1667EBCBE1}">
-              <a14:hiddenEffects xmlns:a14="http://schemas.microsoft.com/office/drawing/2010/main">
-                <a:effectLst>
-                  <a:outerShdw dist="35921" dir="2700000" algn="ctr" rotWithShape="0">
-                    <a:schemeClr val="bg2"/>
-                  </a:outerShdw>
-                </a:effectLst>
-              </a14:hiddenEffects>
-            </a:ext>
-          </a:extLst>
-        </p:spPr>
-        <p:txBody>
-          <a:bodyPr wrap="none" anchor="ctr"/>
-          <a:lstStyle/>
-          <a:p>
-            <a:endParaRPr lang="zh-CN" altLang="en-US"/>
-          </a:p>
-        </p:txBody>
-      </p:sp>
-      <p:sp>
-        <p:nvSpPr>
-          <p:cNvPr id="584706" name="AutoShape 2">
-            <a:hlinkClick r:id="rId2" action="ppaction://hlinksldjump"/>
-          </p:cNvPr>
-          <p:cNvSpPr>
-            <a:spLocks noChangeArrowheads="1"/>
-          </p:cNvSpPr>
-          <p:nvPr/>
-        </p:nvSpPr>
-        <p:spPr bwMode="auto">
-          <a:xfrm>
-            <a:off x="5435600" y="831850"/>
+            <a:off x="5613400" y="717550"/>
             <a:ext cx="1270000" cy="584200"/>
           </a:xfrm>
           <a:prstGeom prst="leftArrow">
@@ -28503,7 +28381,7 @@
       </p:sp>
       <p:sp>
         <p:nvSpPr>
-          <p:cNvPr id="584707" name="AutoShape 3">
+          <p:cNvPr id="583683" name="AutoShape 3">
             <a:hlinkClick r:id="rId3" action="ppaction://hlinksldjump"/>
           </p:cNvPr>
           <p:cNvSpPr>
@@ -28513,13 +28391,13 @@
         </p:nvSpPr>
         <p:spPr bwMode="auto">
           <a:xfrm>
-            <a:off x="7188200" y="812800"/>
-            <a:ext cx="1066800" cy="635000"/>
+            <a:off x="7188200" y="685800"/>
+            <a:ext cx="1295400" cy="635000"/>
           </a:xfrm>
           <a:prstGeom prst="rightArrow">
             <a:avLst>
               <a:gd name="adj1" fmla="val 57843"/>
-              <a:gd name="adj2" fmla="val 43999"/>
+              <a:gd name="adj2" fmla="val 53427"/>
             </a:avLst>
           </a:prstGeom>
           <a:solidFill>
@@ -28573,7 +28451,7 @@
       </p:sp>
       <p:sp>
         <p:nvSpPr>
-          <p:cNvPr id="584709" name="Rectangle 5"/>
+          <p:cNvPr id="583685" name="Rectangle 5"/>
           <p:cNvSpPr>
             <a:spLocks noGrp="1" noChangeArrowheads="1"/>
           </p:cNvSpPr>
@@ -28581,12 +28459,7 @@
             <p:ph type="title"/>
           </p:nvPr>
         </p:nvSpPr>
-        <p:spPr>
-          <a:xfrm>
-            <a:off x="5068888" y="228600"/>
-            <a:ext cx="3922712" cy="992188"/>
-          </a:xfrm>
-        </p:spPr>
+        <p:spPr/>
         <p:txBody>
           <a:bodyPr/>
           <a:lstStyle/>
@@ -28603,29 +28476,32 @@
             </a:r>
             <a:r>
               <a:rPr lang="en-US" altLang="zh-CN" dirty="0" smtClean="0"/>
-              <a:t>.4  </a:t>
+              <a:t>.3</a:t>
             </a:r>
             <a:r>
               <a:rPr lang="en-US" altLang="zh-CN" dirty="0"/>
-              <a:t>(1/2)</a:t>
+              <a:t/>
             </a:r>
             <a:br>
               <a:rPr lang="en-US" altLang="zh-CN" dirty="0"/>
             </a:br>
-            <a:endParaRPr lang="en-US" altLang="zh-CN" dirty="0"/>
+            <a:r>
+              <a:rPr lang="en-US" altLang="zh-CN" dirty="0"/>
+              <a:t>(2/2)</a:t>
+            </a:r>
           </a:p>
         </p:txBody>
       </p:sp>
       <p:pic>
         <p:nvPicPr>
-          <p:cNvPr id="584712" name="Picture 8" descr="未命名2"/>
+          <p:cNvPr id="583687" name="Picture 7" descr="未命名2"/>
           <p:cNvPicPr>
             <a:picLocks noChangeAspect="1" noChangeArrowheads="1"/>
           </p:cNvPicPr>
           <p:nvPr/>
         </p:nvPicPr>
         <p:blipFill>
-          <a:blip r:embed="rId4" cstate="print">
+          <a:blip r:embed="rId4">
             <a:extLst>
               <a:ext uri="{28A0092B-C50C-407E-A947-70E740481C1C}">
                 <a14:useLocalDpi xmlns:a14="http://schemas.microsoft.com/office/drawing/2010/main" val="0"/>
@@ -28639,8 +28515,8 @@
         </p:blipFill>
         <p:spPr bwMode="auto">
           <a:xfrm>
-            <a:off x="0" y="385763"/>
-            <a:ext cx="5087938" cy="6172200"/>
+            <a:off x="0" y="1444625"/>
+            <a:ext cx="9144000" cy="4960938"/>
           </a:xfrm>
           <a:prstGeom prst="rect">
             <a:avLst/>
@@ -28721,7 +28597,7 @@
               <a:rPr lang="en-US" altLang="zh-CN"/>
               <a:t>- </a:t>
             </a:r>
-            <a:fld id="{CED245AF-96BA-4CD4-9210-34DEB701448D}" type="slidenum">
+            <a:fld id="{908067D8-3977-4C7C-9E6E-F19A954339F6}" type="slidenum">
               <a:rPr lang="en-US" altLang="zh-CN"/>
               <a:pPr/>
               <a:t>79</a:t>
@@ -28734,7 +28610,7 @@
       </p:sp>
       <p:sp>
         <p:nvSpPr>
-          <p:cNvPr id="585734" name="Rectangle 6"/>
+          <p:cNvPr id="584710" name="Rectangle 6"/>
           <p:cNvSpPr>
             <a:spLocks noChangeArrowheads="1"/>
           </p:cNvSpPr>
@@ -28742,8 +28618,8 @@
         </p:nvSpPr>
         <p:spPr bwMode="auto">
           <a:xfrm>
-            <a:off x="0" y="141288"/>
-            <a:ext cx="5345113" cy="1458912"/>
+            <a:off x="0" y="385763"/>
+            <a:ext cx="5087938" cy="1519237"/>
           </a:xfrm>
           <a:prstGeom prst="rect">
             <a:avLst/>
@@ -28787,7 +28663,7 @@
       </p:sp>
       <p:sp>
         <p:nvSpPr>
-          <p:cNvPr id="585730" name="AutoShape 2">
+          <p:cNvPr id="584706" name="AutoShape 2">
             <a:hlinkClick r:id="rId2" action="ppaction://hlinksldjump"/>
           </p:cNvPr>
           <p:cNvSpPr>
@@ -28797,7 +28673,7 @@
         </p:nvSpPr>
         <p:spPr bwMode="auto">
           <a:xfrm>
-            <a:off x="5772150" y="850900"/>
+            <a:off x="5435600" y="831850"/>
             <a:ext cx="1270000" cy="584200"/>
           </a:xfrm>
           <a:prstGeom prst="leftArrow">
@@ -28857,7 +28733,7 @@
       </p:sp>
       <p:sp>
         <p:nvSpPr>
-          <p:cNvPr id="585731" name="AutoShape 3">
+          <p:cNvPr id="584707" name="AutoShape 3">
             <a:hlinkClick r:id="rId3" action="ppaction://hlinksldjump"/>
           </p:cNvPr>
           <p:cNvSpPr>
@@ -28867,13 +28743,13 @@
         </p:nvSpPr>
         <p:spPr bwMode="auto">
           <a:xfrm>
-            <a:off x="7524750" y="831850"/>
-            <a:ext cx="1162050" cy="615950"/>
+            <a:off x="7188200" y="812800"/>
+            <a:ext cx="1066800" cy="635000"/>
           </a:xfrm>
           <a:prstGeom prst="rightArrow">
             <a:avLst>
               <a:gd name="adj1" fmla="val 57843"/>
-              <a:gd name="adj2" fmla="val 49410"/>
+              <a:gd name="adj2" fmla="val 43999"/>
             </a:avLst>
           </a:prstGeom>
           <a:solidFill>
@@ -28927,7 +28803,7 @@
       </p:sp>
       <p:sp>
         <p:nvSpPr>
-          <p:cNvPr id="585733" name="Rectangle 5"/>
+          <p:cNvPr id="584709" name="Rectangle 5"/>
           <p:cNvSpPr>
             <a:spLocks noGrp="1" noChangeArrowheads="1"/>
           </p:cNvSpPr>
@@ -28937,8 +28813,8 @@
         </p:nvSpPr>
         <p:spPr>
           <a:xfrm>
-            <a:off x="5326063" y="228600"/>
-            <a:ext cx="3767137" cy="992188"/>
+            <a:off x="5068888" y="228600"/>
+            <a:ext cx="3922712" cy="992188"/>
           </a:xfrm>
         </p:spPr>
         <p:txBody>
@@ -28957,11 +28833,11 @@
             </a:r>
             <a:r>
               <a:rPr lang="en-US" altLang="zh-CN" dirty="0" smtClean="0"/>
-              <a:t>.4 </a:t>
+              <a:t>.4  </a:t>
             </a:r>
             <a:r>
               <a:rPr lang="en-US" altLang="zh-CN" dirty="0"/>
-              <a:t>(2/2)</a:t>
+              <a:t>(1/2)</a:t>
             </a:r>
             <a:br>
               <a:rPr lang="en-US" altLang="zh-CN" dirty="0"/>
@@ -28972,7 +28848,7 @@
       </p:sp>
       <p:pic>
         <p:nvPicPr>
-          <p:cNvPr id="585736" name="Picture 8" descr="未命名2"/>
+          <p:cNvPr id="584712" name="Picture 8" descr="未命名2"/>
           <p:cNvPicPr>
             <a:picLocks noChangeAspect="1" noChangeArrowheads="1"/>
           </p:cNvPicPr>
@@ -28993,8 +28869,8 @@
         </p:blipFill>
         <p:spPr bwMode="auto">
           <a:xfrm>
-            <a:off x="0" y="141288"/>
-            <a:ext cx="5345113" cy="6416675"/>
+            <a:off x="0" y="385763"/>
+            <a:ext cx="5087938" cy="6172200"/>
           </a:xfrm>
           <a:prstGeom prst="rect">
             <a:avLst/>
@@ -29540,10 +29416,364 @@
               <a:rPr lang="en-US" altLang="zh-CN"/>
               <a:t>- </a:t>
             </a:r>
-            <a:fld id="{A6EB9660-C7EF-4FF8-B0A2-932DA4CA7B77}" type="slidenum">
+            <a:fld id="{CED245AF-96BA-4CD4-9210-34DEB701448D}" type="slidenum">
               <a:rPr lang="en-US" altLang="zh-CN"/>
               <a:pPr/>
               <a:t>80</a:t>
+            </a:fld>
+            <a:endParaRPr lang="en-CA" altLang="zh-CN">
+              <a:ea typeface="宋体" panose="02010600030101010101" pitchFamily="2" charset="-122"/>
+            </a:endParaRPr>
+          </a:p>
+        </p:txBody>
+      </p:sp>
+      <p:sp>
+        <p:nvSpPr>
+          <p:cNvPr id="585734" name="Rectangle 6"/>
+          <p:cNvSpPr>
+            <a:spLocks noChangeArrowheads="1"/>
+          </p:cNvSpPr>
+          <p:nvPr/>
+        </p:nvSpPr>
+        <p:spPr bwMode="auto">
+          <a:xfrm>
+            <a:off x="0" y="141288"/>
+            <a:ext cx="5345113" cy="1458912"/>
+          </a:xfrm>
+          <a:prstGeom prst="rect">
+            <a:avLst/>
+          </a:prstGeom>
+          <a:solidFill>
+            <a:schemeClr val="bg1"/>
+          </a:solidFill>
+          <a:ln>
+            <a:noFill/>
+          </a:ln>
+          <a:effectLst/>
+          <a:extLst>
+            <a:ext uri="{91240B29-F687-4F45-9708-019B960494DF}">
+              <a14:hiddenLine xmlns:a14="http://schemas.microsoft.com/office/drawing/2010/main" w="9525">
+                <a:solidFill>
+                  <a:schemeClr val="tx1"/>
+                </a:solidFill>
+                <a:miter lim="800000"/>
+                <a:headEnd/>
+                <a:tailEnd/>
+              </a14:hiddenLine>
+            </a:ext>
+            <a:ext uri="{AF507438-7753-43E0-B8FC-AC1667EBCBE1}">
+              <a14:hiddenEffects xmlns:a14="http://schemas.microsoft.com/office/drawing/2010/main">
+                <a:effectLst>
+                  <a:outerShdw dist="35921" dir="2700000" algn="ctr" rotWithShape="0">
+                    <a:schemeClr val="bg2"/>
+                  </a:outerShdw>
+                </a:effectLst>
+              </a14:hiddenEffects>
+            </a:ext>
+          </a:extLst>
+        </p:spPr>
+        <p:txBody>
+          <a:bodyPr wrap="none" anchor="ctr"/>
+          <a:lstStyle/>
+          <a:p>
+            <a:endParaRPr lang="zh-CN" altLang="en-US"/>
+          </a:p>
+        </p:txBody>
+      </p:sp>
+      <p:sp>
+        <p:nvSpPr>
+          <p:cNvPr id="585730" name="AutoShape 2">
+            <a:hlinkClick r:id="rId2" action="ppaction://hlinksldjump"/>
+          </p:cNvPr>
+          <p:cNvSpPr>
+            <a:spLocks noChangeArrowheads="1"/>
+          </p:cNvSpPr>
+          <p:nvPr/>
+        </p:nvSpPr>
+        <p:spPr bwMode="auto">
+          <a:xfrm>
+            <a:off x="5772150" y="850900"/>
+            <a:ext cx="1270000" cy="584200"/>
+          </a:xfrm>
+          <a:prstGeom prst="leftArrow">
+            <a:avLst>
+              <a:gd name="adj1" fmla="val 63046"/>
+              <a:gd name="adj2" fmla="val 43478"/>
+            </a:avLst>
+          </a:prstGeom>
+          <a:solidFill>
+            <a:srgbClr val="F8BE1A"/>
+          </a:solidFill>
+          <a:ln w="9525">
+            <a:solidFill>
+              <a:schemeClr val="tx2"/>
+            </a:solidFill>
+            <a:miter lim="800000"/>
+            <a:headEnd/>
+            <a:tailEnd/>
+          </a:ln>
+          <a:effectLst/>
+          <a:extLst>
+            <a:ext uri="{AF507438-7753-43E0-B8FC-AC1667EBCBE1}">
+              <a14:hiddenEffects xmlns:a14="http://schemas.microsoft.com/office/drawing/2010/main">
+                <a:effectLst>
+                  <a:outerShdw dist="35921" dir="2700000" algn="ctr" rotWithShape="0">
+                    <a:schemeClr val="bg2"/>
+                  </a:outerShdw>
+                </a:effectLst>
+              </a14:hiddenEffects>
+            </a:ext>
+          </a:extLst>
+        </p:spPr>
+        <p:txBody>
+          <a:bodyPr wrap="none" anchor="ctr"/>
+          <a:lstStyle/>
+          <a:p>
+            <a:pPr algn="ctr">
+              <a:spcBef>
+                <a:spcPct val="20000"/>
+              </a:spcBef>
+              <a:buClr>
+                <a:srgbClr val="CC0000"/>
+              </a:buClr>
+              <a:buFont typeface="Wingdings" panose="05000000000000000000" pitchFamily="2" charset="2"/>
+              <a:buNone/>
+            </a:pPr>
+            <a:r>
+              <a:rPr lang="en-US" altLang="zh-CN" sz="2800">
+                <a:solidFill>
+                  <a:schemeClr val="tx2"/>
+                </a:solidFill>
+              </a:rPr>
+              <a:t>Back</a:t>
+            </a:r>
+          </a:p>
+        </p:txBody>
+      </p:sp>
+      <p:sp>
+        <p:nvSpPr>
+          <p:cNvPr id="585731" name="AutoShape 3">
+            <a:hlinkClick r:id="rId3" action="ppaction://hlinksldjump"/>
+          </p:cNvPr>
+          <p:cNvSpPr>
+            <a:spLocks noChangeArrowheads="1"/>
+          </p:cNvSpPr>
+          <p:nvPr/>
+        </p:nvSpPr>
+        <p:spPr bwMode="auto">
+          <a:xfrm>
+            <a:off x="7524750" y="831850"/>
+            <a:ext cx="1162050" cy="615950"/>
+          </a:xfrm>
+          <a:prstGeom prst="rightArrow">
+            <a:avLst>
+              <a:gd name="adj1" fmla="val 57843"/>
+              <a:gd name="adj2" fmla="val 49410"/>
+            </a:avLst>
+          </a:prstGeom>
+          <a:solidFill>
+            <a:srgbClr val="F8BE1A"/>
+          </a:solidFill>
+          <a:ln w="9525">
+            <a:solidFill>
+              <a:schemeClr val="tx2"/>
+            </a:solidFill>
+            <a:miter lim="800000"/>
+            <a:headEnd/>
+            <a:tailEnd/>
+          </a:ln>
+          <a:effectLst/>
+          <a:extLst>
+            <a:ext uri="{AF507438-7753-43E0-B8FC-AC1667EBCBE1}">
+              <a14:hiddenEffects xmlns:a14="http://schemas.microsoft.com/office/drawing/2010/main">
+                <a:effectLst>
+                  <a:outerShdw dist="35921" dir="2700000" algn="ctr" rotWithShape="0">
+                    <a:schemeClr val="bg2"/>
+                  </a:outerShdw>
+                </a:effectLst>
+              </a14:hiddenEffects>
+            </a:ext>
+          </a:extLst>
+        </p:spPr>
+        <p:txBody>
+          <a:bodyPr wrap="none" anchor="ctr"/>
+          <a:lstStyle/>
+          <a:p>
+            <a:pPr algn="ctr">
+              <a:spcBef>
+                <a:spcPct val="20000"/>
+              </a:spcBef>
+              <a:buClr>
+                <a:srgbClr val="CC0000"/>
+              </a:buClr>
+              <a:buFont typeface="Wingdings" panose="05000000000000000000" pitchFamily="2" charset="2"/>
+              <a:buNone/>
+            </a:pPr>
+            <a:r>
+              <a:rPr lang="en-US" altLang="zh-CN" sz="2800">
+                <a:solidFill>
+                  <a:schemeClr val="tx2"/>
+                </a:solidFill>
+              </a:rPr>
+              <a:t>Next</a:t>
+            </a:r>
+          </a:p>
+        </p:txBody>
+      </p:sp>
+      <p:sp>
+        <p:nvSpPr>
+          <p:cNvPr id="585733" name="Rectangle 5"/>
+          <p:cNvSpPr>
+            <a:spLocks noGrp="1" noChangeArrowheads="1"/>
+          </p:cNvSpPr>
+          <p:nvPr>
+            <p:ph type="title"/>
+          </p:nvPr>
+        </p:nvSpPr>
+        <p:spPr>
+          <a:xfrm>
+            <a:off x="5326063" y="228600"/>
+            <a:ext cx="3767137" cy="992188"/>
+          </a:xfrm>
+        </p:spPr>
+        <p:txBody>
+          <a:bodyPr/>
+          <a:lstStyle/>
+          <a:p>
+            <a:r>
+              <a:rPr lang="en-US" altLang="zh-CN" dirty="0"/>
+              <a:t>Display </a:t>
+            </a:r>
+            <a:r>
+              <a:rPr lang="en-US" altLang="zh-CN" dirty="0" smtClean="0">
+                <a:ea typeface="宋体" panose="02010600030101010101" pitchFamily="2" charset="-122"/>
+              </a:rPr>
+              <a:t>10</a:t>
+            </a:r>
+            <a:r>
+              <a:rPr lang="en-US" altLang="zh-CN" dirty="0" smtClean="0"/>
+              <a:t>.4 </a:t>
+            </a:r>
+            <a:r>
+              <a:rPr lang="en-US" altLang="zh-CN" dirty="0"/>
+              <a:t>(2/2)</a:t>
+            </a:r>
+            <a:br>
+              <a:rPr lang="en-US" altLang="zh-CN" dirty="0"/>
+            </a:br>
+            <a:endParaRPr lang="en-US" altLang="zh-CN" dirty="0"/>
+          </a:p>
+        </p:txBody>
+      </p:sp>
+      <p:pic>
+        <p:nvPicPr>
+          <p:cNvPr id="585736" name="Picture 8" descr="未命名2"/>
+          <p:cNvPicPr>
+            <a:picLocks noChangeAspect="1" noChangeArrowheads="1"/>
+          </p:cNvPicPr>
+          <p:nvPr/>
+        </p:nvPicPr>
+        <p:blipFill>
+          <a:blip r:embed="rId4" cstate="print">
+            <a:extLst>
+              <a:ext uri="{28A0092B-C50C-407E-A947-70E740481C1C}">
+                <a14:useLocalDpi xmlns:a14="http://schemas.microsoft.com/office/drawing/2010/main" val="0"/>
+              </a:ext>
+            </a:extLst>
+          </a:blip>
+          <a:srcRect/>
+          <a:stretch>
+            <a:fillRect/>
+          </a:stretch>
+        </p:blipFill>
+        <p:spPr bwMode="auto">
+          <a:xfrm>
+            <a:off x="0" y="141288"/>
+            <a:ext cx="5345113" cy="6416675"/>
+          </a:xfrm>
+          <a:prstGeom prst="rect">
+            <a:avLst/>
+          </a:prstGeom>
+          <a:noFill/>
+          <a:extLst>
+            <a:ext uri="{909E8E84-426E-40DD-AFC4-6F175D3DCCD1}">
+              <a14:hiddenFill xmlns:a14="http://schemas.microsoft.com/office/drawing/2010/main">
+                <a:solidFill>
+                  <a:srgbClr val="FFFFFF"/>
+                </a:solidFill>
+              </a14:hiddenFill>
+            </a:ext>
+          </a:extLst>
+        </p:spPr>
+      </p:pic>
+    </p:spTree>
+  </p:cSld>
+  <p:clrMapOvr>
+    <a:masterClrMapping/>
+  </p:clrMapOvr>
+  <p:transition spd="med" advClick="0">
+    <p:wipe dir="r"/>
+  </p:transition>
+  <p:timing>
+    <p:tnLst>
+      <p:par>
+        <p:cTn id="1" dur="indefinite" restart="never" nodeType="tmRoot"/>
+      </p:par>
+    </p:tnLst>
+  </p:timing>
+</p:sld>
+</file>
+
+<file path=ppt/slides/slide81.xml><?xml version="1.0" encoding="utf-8"?>
+<p:sld xmlns:a="http://schemas.openxmlformats.org/drawingml/2006/main" xmlns:r="http://schemas.openxmlformats.org/officeDocument/2006/relationships" xmlns:p="http://schemas.openxmlformats.org/presentationml/2006/main">
+  <p:cSld>
+    <p:spTree>
+      <p:nvGrpSpPr>
+        <p:cNvPr id="1" name=""/>
+        <p:cNvGrpSpPr/>
+        <p:nvPr/>
+      </p:nvGrpSpPr>
+      <p:grpSpPr>
+        <a:xfrm>
+          <a:off x="0" y="0"/>
+          <a:ext cx="0" cy="0"/>
+          <a:chOff x="0" y="0"/>
+          <a:chExt cx="0" cy="0"/>
+        </a:xfrm>
+      </p:grpSpPr>
+      <p:sp>
+        <p:nvSpPr>
+          <p:cNvPr id="7" name="灯片编号占位符 2"/>
+          <p:cNvSpPr>
+            <a:spLocks noGrp="1"/>
+          </p:cNvSpPr>
+          <p:nvPr>
+            <p:ph type="sldNum" sz="quarter" idx="10"/>
+          </p:nvPr>
+        </p:nvSpPr>
+        <p:spPr/>
+        <p:txBody>
+          <a:bodyPr/>
+          <a:lstStyle/>
+          <a:p>
+            <a:r>
+              <a:rPr lang="en-US" altLang="zh-CN"/>
+              <a:t>Slide </a:t>
+            </a:r>
+            <a:r>
+              <a:rPr lang="en-US" altLang="zh-CN">
+                <a:ea typeface="宋体" panose="02010600030101010101" pitchFamily="2" charset="-122"/>
+              </a:rPr>
+              <a:t>7</a:t>
+            </a:r>
+            <a:r>
+              <a:rPr lang="en-US" altLang="zh-CN"/>
+              <a:t>- </a:t>
+            </a:r>
+            <a:fld id="{A6EB9660-C7EF-4FF8-B0A2-932DA4CA7B77}" type="slidenum">
+              <a:rPr lang="en-US" altLang="zh-CN"/>
+              <a:pPr/>
+              <a:t>81</a:t>
             </a:fld>
             <a:endParaRPr lang="en-CA" altLang="zh-CN">
               <a:ea typeface="宋体" panose="02010600030101010101" pitchFamily="2" charset="-122"/>
@@ -29848,7 +30078,7 @@
 </p:sld>
 </file>
 
-<file path=ppt/slides/slide81.xml><?xml version="1.0" encoding="utf-8"?>
+<file path=ppt/slides/slide82.xml><?xml version="1.0" encoding="utf-8"?>
 <p:sld xmlns:a="http://schemas.openxmlformats.org/drawingml/2006/main" xmlns:r="http://schemas.openxmlformats.org/officeDocument/2006/relationships" xmlns:p="http://schemas.openxmlformats.org/presentationml/2006/main">
   <p:cSld>
     <p:spTree>
@@ -29897,7 +30127,7 @@
             <a:fld id="{C76A388D-7163-48C3-9667-D3E865DB5C03}" type="slidenum">
               <a:rPr lang="en-US" altLang="zh-CN"/>
               <a:pPr/>
-              <a:t>81</a:t>
+              <a:t>82</a:t>
             </a:fld>
             <a:endParaRPr lang="en-CA" altLang="zh-CN">
               <a:ea typeface="宋体" panose="02010600030101010101" pitchFamily="2" charset="-122"/>
@@ -30202,7 +30432,7 @@
 </p:sld>
 </file>
 
-<file path=ppt/slides/slide82.xml><?xml version="1.0" encoding="utf-8"?>
+<file path=ppt/slides/slide83.xml><?xml version="1.0" encoding="utf-8"?>
 <p:sld xmlns:a="http://schemas.openxmlformats.org/drawingml/2006/main" xmlns:r="http://schemas.openxmlformats.org/officeDocument/2006/relationships" xmlns:p="http://schemas.openxmlformats.org/presentationml/2006/main">
   <p:cSld>
     <p:spTree>
@@ -30251,7 +30481,7 @@
             <a:fld id="{FEF4AD88-0493-4328-9DB6-74A6C27EF0DE}" type="slidenum">
               <a:rPr lang="en-US" altLang="zh-CN"/>
               <a:pPr/>
-              <a:t>82</a:t>
+              <a:t>83</a:t>
             </a:fld>
             <a:endParaRPr lang="en-CA" altLang="zh-CN">
               <a:ea typeface="宋体" panose="02010600030101010101" pitchFamily="2" charset="-122"/>
@@ -30501,7 +30731,7 @@
 </p:sld>
 </file>
 
-<file path=ppt/slides/slide83.xml><?xml version="1.0" encoding="utf-8"?>
+<file path=ppt/slides/slide84.xml><?xml version="1.0" encoding="utf-8"?>
 <p:sld xmlns:a="http://schemas.openxmlformats.org/drawingml/2006/main" xmlns:r="http://schemas.openxmlformats.org/officeDocument/2006/relationships" xmlns:p="http://schemas.openxmlformats.org/presentationml/2006/main">
   <p:cSld>
     <p:spTree>
@@ -30550,7 +30780,7 @@
             <a:fld id="{E2611FB4-0E57-4F43-9489-C5F4ABB011D9}" type="slidenum">
               <a:rPr lang="en-US" altLang="zh-CN"/>
               <a:pPr/>
-              <a:t>83</a:t>
+              <a:t>84</a:t>
             </a:fld>
             <a:endParaRPr lang="en-CA" altLang="zh-CN">
               <a:ea typeface="宋体" panose="02010600030101010101" pitchFamily="2" charset="-122"/>
@@ -30800,7 +31030,7 @@
 </p:sld>
 </file>
 
-<file path=ppt/slides/slide84.xml><?xml version="1.0" encoding="utf-8"?>
+<file path=ppt/slides/slide85.xml><?xml version="1.0" encoding="utf-8"?>
 <p:sld xmlns:a="http://schemas.openxmlformats.org/drawingml/2006/main" xmlns:r="http://schemas.openxmlformats.org/officeDocument/2006/relationships" xmlns:p="http://schemas.openxmlformats.org/presentationml/2006/main">
   <p:cSld>
     <p:spTree>
@@ -30849,7 +31079,7 @@
             <a:fld id="{54A63EB1-15B4-4A53-92E7-5502A4C34F49}" type="slidenum">
               <a:rPr lang="en-US" altLang="zh-CN"/>
               <a:pPr/>
-              <a:t>84</a:t>
+              <a:t>85</a:t>
             </a:fld>
             <a:endParaRPr lang="en-CA" altLang="zh-CN">
               <a:ea typeface="宋体" panose="02010600030101010101" pitchFamily="2" charset="-122"/>
@@ -31065,360 +31295,6 @@
           <a:xfrm>
             <a:off x="0" y="1444625"/>
             <a:ext cx="9144000" cy="4960938"/>
-          </a:xfrm>
-          <a:prstGeom prst="rect">
-            <a:avLst/>
-          </a:prstGeom>
-          <a:noFill/>
-          <a:extLst>
-            <a:ext uri="{909E8E84-426E-40DD-AFC4-6F175D3DCCD1}">
-              <a14:hiddenFill xmlns:a14="http://schemas.microsoft.com/office/drawing/2010/main">
-                <a:solidFill>
-                  <a:srgbClr val="FFFFFF"/>
-                </a:solidFill>
-              </a14:hiddenFill>
-            </a:ext>
-          </a:extLst>
-        </p:spPr>
-      </p:pic>
-    </p:spTree>
-  </p:cSld>
-  <p:clrMapOvr>
-    <a:masterClrMapping/>
-  </p:clrMapOvr>
-  <p:transition spd="med" advClick="0">
-    <p:wipe dir="r"/>
-  </p:transition>
-  <p:timing>
-    <p:tnLst>
-      <p:par>
-        <p:cTn id="1" dur="indefinite" restart="never" nodeType="tmRoot"/>
-      </p:par>
-    </p:tnLst>
-  </p:timing>
-</p:sld>
-</file>
-
-<file path=ppt/slides/slide85.xml><?xml version="1.0" encoding="utf-8"?>
-<p:sld xmlns:a="http://schemas.openxmlformats.org/drawingml/2006/main" xmlns:r="http://schemas.openxmlformats.org/officeDocument/2006/relationships" xmlns:p="http://schemas.openxmlformats.org/presentationml/2006/main">
-  <p:cSld>
-    <p:spTree>
-      <p:nvGrpSpPr>
-        <p:cNvPr id="1" name=""/>
-        <p:cNvGrpSpPr/>
-        <p:nvPr/>
-      </p:nvGrpSpPr>
-      <p:grpSpPr>
-        <a:xfrm>
-          <a:off x="0" y="0"/>
-          <a:ext cx="0" cy="0"/>
-          <a:chOff x="0" y="0"/>
-          <a:chExt cx="0" cy="0"/>
-        </a:xfrm>
-      </p:grpSpPr>
-      <p:sp>
-        <p:nvSpPr>
-          <p:cNvPr id="7" name="灯片编号占位符 2"/>
-          <p:cNvSpPr>
-            <a:spLocks noGrp="1"/>
-          </p:cNvSpPr>
-          <p:nvPr>
-            <p:ph type="sldNum" sz="quarter" idx="10"/>
-          </p:nvPr>
-        </p:nvSpPr>
-        <p:spPr/>
-        <p:txBody>
-          <a:bodyPr/>
-          <a:lstStyle/>
-          <a:p>
-            <a:r>
-              <a:rPr lang="en-US" altLang="zh-CN"/>
-              <a:t>Slide </a:t>
-            </a:r>
-            <a:r>
-              <a:rPr lang="en-US" altLang="zh-CN">
-                <a:ea typeface="宋体" panose="02010600030101010101" pitchFamily="2" charset="-122"/>
-              </a:rPr>
-              <a:t>7</a:t>
-            </a:r>
-            <a:r>
-              <a:rPr lang="en-US" altLang="zh-CN"/>
-              <a:t>- </a:t>
-            </a:r>
-            <a:fld id="{FCA17F10-242F-4B77-83D8-0072AECAB3F1}" type="slidenum">
-              <a:rPr lang="en-US" altLang="zh-CN"/>
-              <a:pPr/>
-              <a:t>85</a:t>
-            </a:fld>
-            <a:endParaRPr lang="en-CA" altLang="zh-CN">
-              <a:ea typeface="宋体" panose="02010600030101010101" pitchFamily="2" charset="-122"/>
-            </a:endParaRPr>
-          </a:p>
-        </p:txBody>
-      </p:sp>
-      <p:sp>
-        <p:nvSpPr>
-          <p:cNvPr id="591879" name="Rectangle 7"/>
-          <p:cNvSpPr>
-            <a:spLocks noChangeArrowheads="1"/>
-          </p:cNvSpPr>
-          <p:nvPr/>
-        </p:nvSpPr>
-        <p:spPr bwMode="auto">
-          <a:xfrm>
-            <a:off x="0" y="381000"/>
-            <a:ext cx="5151438" cy="1066800"/>
-          </a:xfrm>
-          <a:prstGeom prst="rect">
-            <a:avLst/>
-          </a:prstGeom>
-          <a:solidFill>
-            <a:schemeClr val="bg1"/>
-          </a:solidFill>
-          <a:ln>
-            <a:noFill/>
-          </a:ln>
-          <a:effectLst/>
-          <a:extLst>
-            <a:ext uri="{91240B29-F687-4F45-9708-019B960494DF}">
-              <a14:hiddenLine xmlns:a14="http://schemas.microsoft.com/office/drawing/2010/main" w="9525">
-                <a:solidFill>
-                  <a:schemeClr val="tx1"/>
-                </a:solidFill>
-                <a:miter lim="800000"/>
-                <a:headEnd/>
-                <a:tailEnd/>
-              </a14:hiddenLine>
-            </a:ext>
-            <a:ext uri="{AF507438-7753-43E0-B8FC-AC1667EBCBE1}">
-              <a14:hiddenEffects xmlns:a14="http://schemas.microsoft.com/office/drawing/2010/main">
-                <a:effectLst>
-                  <a:outerShdw dist="35921" dir="2700000" algn="ctr" rotWithShape="0">
-                    <a:schemeClr val="bg2"/>
-                  </a:outerShdw>
-                </a:effectLst>
-              </a14:hiddenEffects>
-            </a:ext>
-          </a:extLst>
-        </p:spPr>
-        <p:txBody>
-          <a:bodyPr wrap="none" anchor="ctr"/>
-          <a:lstStyle/>
-          <a:p>
-            <a:endParaRPr lang="zh-CN" altLang="en-US"/>
-          </a:p>
-        </p:txBody>
-      </p:sp>
-      <p:sp>
-        <p:nvSpPr>
-          <p:cNvPr id="591874" name="AutoShape 2">
-            <a:hlinkClick r:id="rId2" action="ppaction://hlinksldjump"/>
-          </p:cNvPr>
-          <p:cNvSpPr>
-            <a:spLocks noChangeArrowheads="1"/>
-          </p:cNvSpPr>
-          <p:nvPr/>
-        </p:nvSpPr>
-        <p:spPr bwMode="auto">
-          <a:xfrm>
-            <a:off x="5435600" y="704850"/>
-            <a:ext cx="1270000" cy="584200"/>
-          </a:xfrm>
-          <a:prstGeom prst="leftArrow">
-            <a:avLst>
-              <a:gd name="adj1" fmla="val 63046"/>
-              <a:gd name="adj2" fmla="val 43478"/>
-            </a:avLst>
-          </a:prstGeom>
-          <a:solidFill>
-            <a:srgbClr val="F8BE1A"/>
-          </a:solidFill>
-          <a:ln w="9525">
-            <a:solidFill>
-              <a:schemeClr val="tx2"/>
-            </a:solidFill>
-            <a:miter lim="800000"/>
-            <a:headEnd/>
-            <a:tailEnd/>
-          </a:ln>
-          <a:effectLst/>
-          <a:extLst>
-            <a:ext uri="{AF507438-7753-43E0-B8FC-AC1667EBCBE1}">
-              <a14:hiddenEffects xmlns:a14="http://schemas.microsoft.com/office/drawing/2010/main">
-                <a:effectLst>
-                  <a:outerShdw dist="35921" dir="2700000" algn="ctr" rotWithShape="0">
-                    <a:schemeClr val="bg2"/>
-                  </a:outerShdw>
-                </a:effectLst>
-              </a14:hiddenEffects>
-            </a:ext>
-          </a:extLst>
-        </p:spPr>
-        <p:txBody>
-          <a:bodyPr wrap="none" anchor="ctr"/>
-          <a:lstStyle/>
-          <a:p>
-            <a:pPr algn="ctr">
-              <a:spcBef>
-                <a:spcPct val="20000"/>
-              </a:spcBef>
-              <a:buClr>
-                <a:srgbClr val="CC0000"/>
-              </a:buClr>
-              <a:buFont typeface="Wingdings" panose="05000000000000000000" pitchFamily="2" charset="2"/>
-              <a:buNone/>
-            </a:pPr>
-            <a:r>
-              <a:rPr lang="en-US" altLang="zh-CN" sz="2800">
-                <a:solidFill>
-                  <a:schemeClr val="tx2"/>
-                </a:solidFill>
-              </a:rPr>
-              <a:t>Back</a:t>
-            </a:r>
-          </a:p>
-        </p:txBody>
-      </p:sp>
-      <p:sp>
-        <p:nvSpPr>
-          <p:cNvPr id="591875" name="AutoShape 3">
-            <a:hlinkClick r:id="rId3" action="ppaction://hlinksldjump"/>
-          </p:cNvPr>
-          <p:cNvSpPr>
-            <a:spLocks noChangeArrowheads="1"/>
-          </p:cNvSpPr>
-          <p:nvPr/>
-        </p:nvSpPr>
-        <p:spPr bwMode="auto">
-          <a:xfrm>
-            <a:off x="7188200" y="685800"/>
-            <a:ext cx="1066800" cy="635000"/>
-          </a:xfrm>
-          <a:prstGeom prst="rightArrow">
-            <a:avLst>
-              <a:gd name="adj1" fmla="val 57843"/>
-              <a:gd name="adj2" fmla="val 43999"/>
-            </a:avLst>
-          </a:prstGeom>
-          <a:solidFill>
-            <a:srgbClr val="F8BE1A"/>
-          </a:solidFill>
-          <a:ln w="9525">
-            <a:solidFill>
-              <a:schemeClr val="tx2"/>
-            </a:solidFill>
-            <a:miter lim="800000"/>
-            <a:headEnd/>
-            <a:tailEnd/>
-          </a:ln>
-          <a:effectLst/>
-          <a:extLst>
-            <a:ext uri="{AF507438-7753-43E0-B8FC-AC1667EBCBE1}">
-              <a14:hiddenEffects xmlns:a14="http://schemas.microsoft.com/office/drawing/2010/main">
-                <a:effectLst>
-                  <a:outerShdw dist="35921" dir="2700000" algn="ctr" rotWithShape="0">
-                    <a:schemeClr val="bg2"/>
-                  </a:outerShdw>
-                </a:effectLst>
-              </a14:hiddenEffects>
-            </a:ext>
-          </a:extLst>
-        </p:spPr>
-        <p:txBody>
-          <a:bodyPr wrap="none" anchor="ctr"/>
-          <a:lstStyle/>
-          <a:p>
-            <a:pPr algn="ctr">
-              <a:spcBef>
-                <a:spcPct val="20000"/>
-              </a:spcBef>
-              <a:buClr>
-                <a:srgbClr val="CC0000"/>
-              </a:buClr>
-              <a:buFont typeface="Wingdings" panose="05000000000000000000" pitchFamily="2" charset="2"/>
-              <a:buNone/>
-            </a:pPr>
-            <a:r>
-              <a:rPr lang="en-US" altLang="zh-CN" sz="2800">
-                <a:solidFill>
-                  <a:schemeClr val="tx2"/>
-                </a:solidFill>
-              </a:rPr>
-              <a:t>Next</a:t>
-            </a:r>
-          </a:p>
-        </p:txBody>
-      </p:sp>
-      <p:sp>
-        <p:nvSpPr>
-          <p:cNvPr id="591877" name="Rectangle 5"/>
-          <p:cNvSpPr>
-            <a:spLocks noGrp="1" noChangeArrowheads="1"/>
-          </p:cNvSpPr>
-          <p:nvPr>
-            <p:ph type="title"/>
-          </p:nvPr>
-        </p:nvSpPr>
-        <p:spPr>
-          <a:xfrm>
-            <a:off x="5195888" y="228600"/>
-            <a:ext cx="3871912" cy="992188"/>
-          </a:xfrm>
-        </p:spPr>
-        <p:txBody>
-          <a:bodyPr/>
-          <a:lstStyle/>
-          <a:p>
-            <a:r>
-              <a:rPr lang="en-US" altLang="zh-CN" dirty="0"/>
-              <a:t>Display </a:t>
-            </a:r>
-            <a:r>
-              <a:rPr lang="en-US" altLang="zh-CN" dirty="0" smtClean="0">
-                <a:ea typeface="宋体" panose="02010600030101010101" pitchFamily="2" charset="-122"/>
-              </a:rPr>
-              <a:t>10</a:t>
-            </a:r>
-            <a:r>
-              <a:rPr lang="en-US" altLang="zh-CN" dirty="0" smtClean="0"/>
-              <a:t>.6 </a:t>
-            </a:r>
-            <a:r>
-              <a:rPr lang="en-US" altLang="zh-CN" dirty="0"/>
-              <a:t>(2/3)</a:t>
-            </a:r>
-            <a:br>
-              <a:rPr lang="en-US" altLang="zh-CN" dirty="0"/>
-            </a:br>
-            <a:endParaRPr lang="en-US" altLang="zh-CN" dirty="0"/>
-          </a:p>
-        </p:txBody>
-      </p:sp>
-      <p:pic>
-        <p:nvPicPr>
-          <p:cNvPr id="591883" name="Picture 11" descr="未命名2"/>
-          <p:cNvPicPr>
-            <a:picLocks noChangeAspect="1" noChangeArrowheads="1"/>
-          </p:cNvPicPr>
-          <p:nvPr/>
-        </p:nvPicPr>
-        <p:blipFill>
-          <a:blip r:embed="rId4" cstate="print">
-            <a:extLst>
-              <a:ext uri="{28A0092B-C50C-407E-A947-70E740481C1C}">
-                <a14:useLocalDpi xmlns:a14="http://schemas.microsoft.com/office/drawing/2010/main" val="0"/>
-              </a:ext>
-            </a:extLst>
-          </a:blip>
-          <a:srcRect/>
-          <a:stretch>
-            <a:fillRect/>
-          </a:stretch>
-        </p:blipFill>
-        <p:spPr bwMode="auto">
-          <a:xfrm>
-            <a:off x="0" y="381000"/>
-            <a:ext cx="5195888" cy="6176963"/>
           </a:xfrm>
           <a:prstGeom prst="rect">
             <a:avLst/>
@@ -31472,7 +31348,7 @@
       </p:grpSpPr>
       <p:sp>
         <p:nvSpPr>
-          <p:cNvPr id="6" name="灯片编号占位符 2"/>
+          <p:cNvPr id="7" name="灯片编号占位符 2"/>
           <p:cNvSpPr>
             <a:spLocks noGrp="1"/>
           </p:cNvSpPr>
@@ -31499,7 +31375,7 @@
               <a:rPr lang="en-US" altLang="zh-CN"/>
               <a:t>- </a:t>
             </a:r>
-            <a:fld id="{ED47F0E4-CB83-43BF-981A-ECF09379458C}" type="slidenum">
+            <a:fld id="{FCA17F10-242F-4B77-83D8-0072AECAB3F1}" type="slidenum">
               <a:rPr lang="en-US" altLang="zh-CN"/>
               <a:pPr/>
               <a:t>86</a:t>
@@ -31512,7 +31388,60 @@
       </p:sp>
       <p:sp>
         <p:nvSpPr>
-          <p:cNvPr id="593922" name="AutoShape 2">
+          <p:cNvPr id="591879" name="Rectangle 7"/>
+          <p:cNvSpPr>
+            <a:spLocks noChangeArrowheads="1"/>
+          </p:cNvSpPr>
+          <p:nvPr/>
+        </p:nvSpPr>
+        <p:spPr bwMode="auto">
+          <a:xfrm>
+            <a:off x="0" y="381000"/>
+            <a:ext cx="5151438" cy="1066800"/>
+          </a:xfrm>
+          <a:prstGeom prst="rect">
+            <a:avLst/>
+          </a:prstGeom>
+          <a:solidFill>
+            <a:schemeClr val="bg1"/>
+          </a:solidFill>
+          <a:ln>
+            <a:noFill/>
+          </a:ln>
+          <a:effectLst/>
+          <a:extLst>
+            <a:ext uri="{91240B29-F687-4F45-9708-019B960494DF}">
+              <a14:hiddenLine xmlns:a14="http://schemas.microsoft.com/office/drawing/2010/main" w="9525">
+                <a:solidFill>
+                  <a:schemeClr val="tx1"/>
+                </a:solidFill>
+                <a:miter lim="800000"/>
+                <a:headEnd/>
+                <a:tailEnd/>
+              </a14:hiddenLine>
+            </a:ext>
+            <a:ext uri="{AF507438-7753-43E0-B8FC-AC1667EBCBE1}">
+              <a14:hiddenEffects xmlns:a14="http://schemas.microsoft.com/office/drawing/2010/main">
+                <a:effectLst>
+                  <a:outerShdw dist="35921" dir="2700000" algn="ctr" rotWithShape="0">
+                    <a:schemeClr val="bg2"/>
+                  </a:outerShdw>
+                </a:effectLst>
+              </a14:hiddenEffects>
+            </a:ext>
+          </a:extLst>
+        </p:spPr>
+        <p:txBody>
+          <a:bodyPr wrap="none" anchor="ctr"/>
+          <a:lstStyle/>
+          <a:p>
+            <a:endParaRPr lang="zh-CN" altLang="en-US"/>
+          </a:p>
+        </p:txBody>
+      </p:sp>
+      <p:sp>
+        <p:nvSpPr>
+          <p:cNvPr id="591874" name="AutoShape 2">
             <a:hlinkClick r:id="rId2" action="ppaction://hlinksldjump"/>
           </p:cNvPr>
           <p:cNvSpPr>
@@ -31582,7 +31511,7 @@
       </p:sp>
       <p:sp>
         <p:nvSpPr>
-          <p:cNvPr id="593923" name="AutoShape 3">
+          <p:cNvPr id="591875" name="AutoShape 3">
             <a:hlinkClick r:id="rId3" action="ppaction://hlinksldjump"/>
           </p:cNvPr>
           <p:cNvSpPr>
@@ -31652,7 +31581,7 @@
       </p:sp>
       <p:sp>
         <p:nvSpPr>
-          <p:cNvPr id="593925" name="Rectangle 5"/>
+          <p:cNvPr id="591877" name="Rectangle 5"/>
           <p:cNvSpPr>
             <a:spLocks noGrp="1" noChangeArrowheads="1"/>
           </p:cNvSpPr>
@@ -31660,7 +31589,12 @@
             <p:ph type="title"/>
           </p:nvPr>
         </p:nvSpPr>
-        <p:spPr/>
+        <p:spPr>
+          <a:xfrm>
+            <a:off x="5195888" y="228600"/>
+            <a:ext cx="3871912" cy="992188"/>
+          </a:xfrm>
+        </p:spPr>
         <p:txBody>
           <a:bodyPr/>
           <a:lstStyle/>
@@ -31681,28 +31615,25 @@
             </a:r>
             <a:r>
               <a:rPr lang="en-US" altLang="zh-CN" dirty="0"/>
-              <a:t/>
+              <a:t>(2/3)</a:t>
             </a:r>
             <a:br>
               <a:rPr lang="en-US" altLang="zh-CN" dirty="0"/>
             </a:br>
-            <a:r>
-              <a:rPr lang="en-US" altLang="zh-CN" dirty="0"/>
-              <a:t>(3/3)</a:t>
-            </a:r>
+            <a:endParaRPr lang="en-US" altLang="zh-CN" dirty="0"/>
           </a:p>
         </p:txBody>
       </p:sp>
       <p:pic>
         <p:nvPicPr>
-          <p:cNvPr id="593928" name="Picture 8" descr="未命名2"/>
+          <p:cNvPr id="591883" name="Picture 11" descr="未命名2"/>
           <p:cNvPicPr>
             <a:picLocks noChangeAspect="1" noChangeArrowheads="1"/>
           </p:cNvPicPr>
           <p:nvPr/>
         </p:nvPicPr>
         <p:blipFill>
-          <a:blip r:embed="rId4">
+          <a:blip r:embed="rId4" cstate="print">
             <a:extLst>
               <a:ext uri="{28A0092B-C50C-407E-A947-70E740481C1C}">
                 <a14:useLocalDpi xmlns:a14="http://schemas.microsoft.com/office/drawing/2010/main" val="0"/>
@@ -31716,8 +31647,8 @@
         </p:blipFill>
         <p:spPr bwMode="auto">
           <a:xfrm>
-            <a:off x="0" y="1524000"/>
-            <a:ext cx="9144000" cy="5110163"/>
+            <a:off x="0" y="381000"/>
+            <a:ext cx="5195888" cy="6176963"/>
           </a:xfrm>
           <a:prstGeom prst="rect">
             <a:avLst/>
@@ -31771,7 +31702,7 @@
       </p:grpSpPr>
       <p:sp>
         <p:nvSpPr>
-          <p:cNvPr id="7" name="灯片编号占位符 2"/>
+          <p:cNvPr id="6" name="灯片编号占位符 2"/>
           <p:cNvSpPr>
             <a:spLocks noGrp="1"/>
           </p:cNvSpPr>
@@ -31798,7 +31729,7 @@
               <a:rPr lang="en-US" altLang="zh-CN"/>
               <a:t>- </a:t>
             </a:r>
-            <a:fld id="{1A0B85A7-FA98-4ED9-85A8-919DCF3A862B}" type="slidenum">
+            <a:fld id="{ED47F0E4-CB83-43BF-981A-ECF09379458C}" type="slidenum">
               <a:rPr lang="en-US" altLang="zh-CN"/>
               <a:pPr/>
               <a:t>87</a:t>
@@ -31811,7 +31742,9 @@
       </p:sp>
       <p:sp>
         <p:nvSpPr>
-          <p:cNvPr id="594950" name="Rectangle 6"/>
+          <p:cNvPr id="593922" name="AutoShape 2">
+            <a:hlinkClick r:id="rId2" action="ppaction://hlinksldjump"/>
+          </p:cNvPr>
           <p:cNvSpPr>
             <a:spLocks noChangeArrowheads="1"/>
           </p:cNvSpPr>
@@ -31819,62 +31752,7 @@
         </p:nvSpPr>
         <p:spPr bwMode="auto">
           <a:xfrm>
-            <a:off x="0" y="304800"/>
-            <a:ext cx="5164138" cy="1319213"/>
-          </a:xfrm>
-          <a:prstGeom prst="rect">
-            <a:avLst/>
-          </a:prstGeom>
-          <a:solidFill>
-            <a:schemeClr val="bg1"/>
-          </a:solidFill>
-          <a:ln>
-            <a:noFill/>
-          </a:ln>
-          <a:effectLst/>
-          <a:extLst>
-            <a:ext uri="{91240B29-F687-4F45-9708-019B960494DF}">
-              <a14:hiddenLine xmlns:a14="http://schemas.microsoft.com/office/drawing/2010/main" w="9525">
-                <a:solidFill>
-                  <a:schemeClr val="tx1"/>
-                </a:solidFill>
-                <a:miter lim="800000"/>
-                <a:headEnd/>
-                <a:tailEnd/>
-              </a14:hiddenLine>
-            </a:ext>
-            <a:ext uri="{AF507438-7753-43E0-B8FC-AC1667EBCBE1}">
-              <a14:hiddenEffects xmlns:a14="http://schemas.microsoft.com/office/drawing/2010/main">
-                <a:effectLst>
-                  <a:outerShdw dist="35921" dir="2700000" algn="ctr" rotWithShape="0">
-                    <a:schemeClr val="bg2"/>
-                  </a:outerShdw>
-                </a:effectLst>
-              </a14:hiddenEffects>
-            </a:ext>
-          </a:extLst>
-        </p:spPr>
-        <p:txBody>
-          <a:bodyPr wrap="none" anchor="ctr"/>
-          <a:lstStyle/>
-          <a:p>
-            <a:endParaRPr lang="zh-CN" altLang="en-US"/>
-          </a:p>
-        </p:txBody>
-      </p:sp>
-      <p:sp>
-        <p:nvSpPr>
-          <p:cNvPr id="594946" name="AutoShape 2">
-            <a:hlinkClick r:id="rId2" action="ppaction://hlinksldjump"/>
-          </p:cNvPr>
-          <p:cNvSpPr>
-            <a:spLocks noChangeArrowheads="1"/>
-          </p:cNvSpPr>
-          <p:nvPr/>
-        </p:nvSpPr>
-        <p:spPr bwMode="auto">
-          <a:xfrm>
-            <a:off x="5562600" y="831850"/>
+            <a:off x="5435600" y="704850"/>
             <a:ext cx="1270000" cy="584200"/>
           </a:xfrm>
           <a:prstGeom prst="leftArrow">
@@ -31934,7 +31812,7 @@
       </p:sp>
       <p:sp>
         <p:nvSpPr>
-          <p:cNvPr id="594947" name="AutoShape 3">
+          <p:cNvPr id="593923" name="AutoShape 3">
             <a:hlinkClick r:id="rId3" action="ppaction://hlinksldjump"/>
           </p:cNvPr>
           <p:cNvSpPr>
@@ -31944,7 +31822,7 @@
         </p:nvSpPr>
         <p:spPr bwMode="auto">
           <a:xfrm>
-            <a:off x="7315200" y="812800"/>
+            <a:off x="7188200" y="685800"/>
             <a:ext cx="1066800" cy="635000"/>
           </a:xfrm>
           <a:prstGeom prst="rightArrow">
@@ -32004,7 +31882,7 @@
       </p:sp>
       <p:sp>
         <p:nvSpPr>
-          <p:cNvPr id="594949" name="Rectangle 5"/>
+          <p:cNvPr id="593925" name="Rectangle 5"/>
           <p:cNvSpPr>
             <a:spLocks noGrp="1" noChangeArrowheads="1"/>
           </p:cNvSpPr>
@@ -32012,12 +31890,7 @@
             <p:ph type="title"/>
           </p:nvPr>
         </p:nvSpPr>
-        <p:spPr>
-          <a:xfrm>
-            <a:off x="5181600" y="228600"/>
-            <a:ext cx="3886200" cy="992188"/>
-          </a:xfrm>
-        </p:spPr>
+        <p:spPr/>
         <p:txBody>
           <a:bodyPr/>
           <a:lstStyle/>
@@ -32034,29 +31907,32 @@
             </a:r>
             <a:r>
               <a:rPr lang="en-US" altLang="zh-CN" dirty="0" smtClean="0"/>
-              <a:t>.7 </a:t>
+              <a:t>.6 </a:t>
             </a:r>
             <a:r>
               <a:rPr lang="en-US" altLang="zh-CN" dirty="0"/>
-              <a:t>(1/3)</a:t>
+              <a:t/>
             </a:r>
             <a:br>
               <a:rPr lang="en-US" altLang="zh-CN" dirty="0"/>
             </a:br>
-            <a:endParaRPr lang="en-US" altLang="zh-CN" dirty="0"/>
+            <a:r>
+              <a:rPr lang="en-US" altLang="zh-CN" dirty="0"/>
+              <a:t>(3/3)</a:t>
+            </a:r>
           </a:p>
         </p:txBody>
       </p:sp>
       <p:pic>
         <p:nvPicPr>
-          <p:cNvPr id="594952" name="Picture 8" descr="未命名"/>
+          <p:cNvPr id="593928" name="Picture 8" descr="未命名2"/>
           <p:cNvPicPr>
             <a:picLocks noChangeAspect="1" noChangeArrowheads="1"/>
           </p:cNvPicPr>
           <p:nvPr/>
         </p:nvPicPr>
         <p:blipFill>
-          <a:blip r:embed="rId4" cstate="print">
+          <a:blip r:embed="rId4">
             <a:extLst>
               <a:ext uri="{28A0092B-C50C-407E-A947-70E740481C1C}">
                 <a14:useLocalDpi xmlns:a14="http://schemas.microsoft.com/office/drawing/2010/main" val="0"/>
@@ -32070,8 +31946,8 @@
         </p:blipFill>
         <p:spPr bwMode="auto">
           <a:xfrm>
-            <a:off x="0" y="304800"/>
-            <a:ext cx="5164138" cy="6248400"/>
+            <a:off x="0" y="1524000"/>
+            <a:ext cx="9144000" cy="5110163"/>
           </a:xfrm>
           <a:prstGeom prst="rect">
             <a:avLst/>
@@ -32152,7 +32028,7 @@
               <a:rPr lang="en-US" altLang="zh-CN"/>
               <a:t>- </a:t>
             </a:r>
-            <a:fld id="{087B555A-E0D9-4D04-9637-0DF93E508481}" type="slidenum">
+            <a:fld id="{1A0B85A7-FA98-4ED9-85A8-919DCF3A862B}" type="slidenum">
               <a:rPr lang="en-US" altLang="zh-CN"/>
               <a:pPr/>
               <a:t>88</a:t>
@@ -32165,7 +32041,7 @@
       </p:sp>
       <p:sp>
         <p:nvSpPr>
-          <p:cNvPr id="595974" name="Rectangle 6"/>
+          <p:cNvPr id="594950" name="Rectangle 6"/>
           <p:cNvSpPr>
             <a:spLocks noChangeArrowheads="1"/>
           </p:cNvSpPr>
@@ -32173,8 +32049,8 @@
         </p:nvSpPr>
         <p:spPr bwMode="auto">
           <a:xfrm>
-            <a:off x="0" y="257175"/>
-            <a:ext cx="5273675" cy="1495425"/>
+            <a:off x="0" y="304800"/>
+            <a:ext cx="5164138" cy="1319213"/>
           </a:xfrm>
           <a:prstGeom prst="rect">
             <a:avLst/>
@@ -32218,7 +32094,7 @@
       </p:sp>
       <p:sp>
         <p:nvSpPr>
-          <p:cNvPr id="595970" name="AutoShape 2">
+          <p:cNvPr id="594946" name="AutoShape 2">
             <a:hlinkClick r:id="rId2" action="ppaction://hlinksldjump"/>
           </p:cNvPr>
           <p:cNvSpPr>
@@ -32228,7 +32104,7 @@
         </p:nvSpPr>
         <p:spPr bwMode="auto">
           <a:xfrm>
-            <a:off x="5435600" y="704850"/>
+            <a:off x="5562600" y="831850"/>
             <a:ext cx="1270000" cy="584200"/>
           </a:xfrm>
           <a:prstGeom prst="leftArrow">
@@ -32288,8 +32164,8 @@
       </p:sp>
       <p:sp>
         <p:nvSpPr>
-          <p:cNvPr id="595971" name="AutoShape 3">
-            <a:hlinkClick r:id="" action="ppaction://noaction"/>
+          <p:cNvPr id="594947" name="AutoShape 3">
+            <a:hlinkClick r:id="rId3" action="ppaction://hlinksldjump"/>
           </p:cNvPr>
           <p:cNvSpPr>
             <a:spLocks noChangeArrowheads="1"/>
@@ -32298,7 +32174,7 @@
         </p:nvSpPr>
         <p:spPr bwMode="auto">
           <a:xfrm>
-            <a:off x="7188200" y="685800"/>
+            <a:off x="7315200" y="812800"/>
             <a:ext cx="1066800" cy="635000"/>
           </a:xfrm>
           <a:prstGeom prst="rightArrow">
@@ -32358,7 +32234,7 @@
       </p:sp>
       <p:sp>
         <p:nvSpPr>
-          <p:cNvPr id="595973" name="Rectangle 5"/>
+          <p:cNvPr id="594949" name="Rectangle 5"/>
           <p:cNvSpPr>
             <a:spLocks noGrp="1" noChangeArrowheads="1"/>
           </p:cNvSpPr>
@@ -32368,8 +32244,8 @@
         </p:nvSpPr>
         <p:spPr>
           <a:xfrm>
-            <a:off x="5210175" y="227013"/>
-            <a:ext cx="3857625" cy="992187"/>
+            <a:off x="5181600" y="228600"/>
+            <a:ext cx="3886200" cy="992188"/>
           </a:xfrm>
         </p:spPr>
         <p:txBody>
@@ -32392,7 +32268,7 @@
             </a:r>
             <a:r>
               <a:rPr lang="en-US" altLang="zh-CN" dirty="0"/>
-              <a:t>(2/3)</a:t>
+              <a:t>(1/3)</a:t>
             </a:r>
             <a:br>
               <a:rPr lang="en-US" altLang="zh-CN" dirty="0"/>
@@ -32403,14 +32279,14 @@
       </p:sp>
       <p:pic>
         <p:nvPicPr>
-          <p:cNvPr id="595976" name="Picture 8" descr="未命名"/>
+          <p:cNvPr id="594952" name="Picture 8" descr="未命名"/>
           <p:cNvPicPr>
             <a:picLocks noChangeAspect="1" noChangeArrowheads="1"/>
           </p:cNvPicPr>
           <p:nvPr/>
         </p:nvPicPr>
         <p:blipFill>
-          <a:blip r:embed="rId3" cstate="print">
+          <a:blip r:embed="rId4" cstate="print">
             <a:extLst>
               <a:ext uri="{28A0092B-C50C-407E-A947-70E740481C1C}">
                 <a14:useLocalDpi xmlns:a14="http://schemas.microsoft.com/office/drawing/2010/main" val="0"/>
@@ -32424,8 +32300,8 @@
         </p:blipFill>
         <p:spPr bwMode="auto">
           <a:xfrm>
-            <a:off x="0" y="227013"/>
-            <a:ext cx="5257800" cy="6326187"/>
+            <a:off x="0" y="304800"/>
+            <a:ext cx="5164138" cy="6248400"/>
           </a:xfrm>
           <a:prstGeom prst="rect">
             <a:avLst/>
@@ -32506,7 +32382,7 @@
               <a:rPr lang="en-US" altLang="zh-CN"/>
               <a:t>- </a:t>
             </a:r>
-            <a:fld id="{3B64ACF9-7217-4E87-B990-30608E4DEEF0}" type="slidenum">
+            <a:fld id="{087B555A-E0D9-4D04-9637-0DF93E508481}" type="slidenum">
               <a:rPr lang="en-US" altLang="zh-CN"/>
               <a:pPr/>
               <a:t>89</a:t>
@@ -32519,7 +32395,7 @@
       </p:sp>
       <p:sp>
         <p:nvSpPr>
-          <p:cNvPr id="604162" name="Rectangle 2"/>
+          <p:cNvPr id="595974" name="Rectangle 6"/>
           <p:cNvSpPr>
             <a:spLocks noChangeArrowheads="1"/>
           </p:cNvSpPr>
@@ -32527,8 +32403,8 @@
         </p:nvSpPr>
         <p:spPr bwMode="auto">
           <a:xfrm>
-            <a:off x="0" y="685800"/>
-            <a:ext cx="5486400" cy="1495425"/>
+            <a:off x="0" y="257175"/>
+            <a:ext cx="5273675" cy="1495425"/>
           </a:xfrm>
           <a:prstGeom prst="rect">
             <a:avLst/>
@@ -32572,7 +32448,7 @@
       </p:sp>
       <p:sp>
         <p:nvSpPr>
-          <p:cNvPr id="604163" name="AutoShape 3">
+          <p:cNvPr id="595970" name="AutoShape 2">
             <a:hlinkClick r:id="rId2" action="ppaction://hlinksldjump"/>
           </p:cNvPr>
           <p:cNvSpPr>
@@ -32582,7 +32458,7 @@
         </p:nvSpPr>
         <p:spPr bwMode="auto">
           <a:xfrm>
-            <a:off x="5715000" y="831850"/>
+            <a:off x="5435600" y="704850"/>
             <a:ext cx="1270000" cy="584200"/>
           </a:xfrm>
           <a:prstGeom prst="leftArrow">
@@ -32642,7 +32518,7 @@
       </p:sp>
       <p:sp>
         <p:nvSpPr>
-          <p:cNvPr id="604164" name="AutoShape 4">
+          <p:cNvPr id="595971" name="AutoShape 3">
             <a:hlinkClick r:id="" action="ppaction://noaction"/>
           </p:cNvPr>
           <p:cNvSpPr>
@@ -32652,7 +32528,7 @@
         </p:nvSpPr>
         <p:spPr bwMode="auto">
           <a:xfrm>
-            <a:off x="7467600" y="812800"/>
+            <a:off x="7188200" y="685800"/>
             <a:ext cx="1066800" cy="635000"/>
           </a:xfrm>
           <a:prstGeom prst="rightArrow">
@@ -32712,7 +32588,7 @@
       </p:sp>
       <p:sp>
         <p:nvSpPr>
-          <p:cNvPr id="604165" name="Rectangle 5"/>
+          <p:cNvPr id="595973" name="Rectangle 5"/>
           <p:cNvSpPr>
             <a:spLocks noGrp="1" noChangeArrowheads="1"/>
           </p:cNvSpPr>
@@ -32722,7 +32598,7 @@
         </p:nvSpPr>
         <p:spPr>
           <a:xfrm>
-            <a:off x="5362575" y="227013"/>
+            <a:off x="5210175" y="227013"/>
             <a:ext cx="3857625" cy="992187"/>
           </a:xfrm>
         </p:spPr>
@@ -32746,7 +32622,7 @@
             </a:r>
             <a:r>
               <a:rPr lang="en-US" altLang="zh-CN" dirty="0"/>
-              <a:t>(3/3)</a:t>
+              <a:t>(2/3)</a:t>
             </a:r>
             <a:br>
               <a:rPr lang="en-US" altLang="zh-CN" dirty="0"/>
@@ -32757,7 +32633,7 @@
       </p:sp>
       <p:pic>
         <p:nvPicPr>
-          <p:cNvPr id="604168" name="Picture 8" descr="未命名"/>
+          <p:cNvPr id="595976" name="Picture 8" descr="未命名"/>
           <p:cNvPicPr>
             <a:picLocks noChangeAspect="1" noChangeArrowheads="1"/>
           </p:cNvPicPr>
@@ -32778,8 +32654,8 @@
         </p:blipFill>
         <p:spPr bwMode="auto">
           <a:xfrm>
-            <a:off x="0" y="228600"/>
-            <a:ext cx="5486400" cy="6326188"/>
+            <a:off x="0" y="227013"/>
+            <a:ext cx="5257800" cy="6326187"/>
           </a:xfrm>
           <a:prstGeom prst="rect">
             <a:avLst/>
@@ -33058,6 +32934,360 @@
     <a:masterClrMapping/>
   </p:clrMapOvr>
   <p:transition spd="med">
+    <p:wipe dir="r"/>
+  </p:transition>
+  <p:timing>
+    <p:tnLst>
+      <p:par>
+        <p:cTn id="1" dur="indefinite" restart="never" nodeType="tmRoot"/>
+      </p:par>
+    </p:tnLst>
+  </p:timing>
+</p:sld>
+</file>
+
+<file path=ppt/slides/slide90.xml><?xml version="1.0" encoding="utf-8"?>
+<p:sld xmlns:a="http://schemas.openxmlformats.org/drawingml/2006/main" xmlns:r="http://schemas.openxmlformats.org/officeDocument/2006/relationships" xmlns:p="http://schemas.openxmlformats.org/presentationml/2006/main">
+  <p:cSld>
+    <p:spTree>
+      <p:nvGrpSpPr>
+        <p:cNvPr id="1" name=""/>
+        <p:cNvGrpSpPr/>
+        <p:nvPr/>
+      </p:nvGrpSpPr>
+      <p:grpSpPr>
+        <a:xfrm>
+          <a:off x="0" y="0"/>
+          <a:ext cx="0" cy="0"/>
+          <a:chOff x="0" y="0"/>
+          <a:chExt cx="0" cy="0"/>
+        </a:xfrm>
+      </p:grpSpPr>
+      <p:sp>
+        <p:nvSpPr>
+          <p:cNvPr id="7" name="灯片编号占位符 2"/>
+          <p:cNvSpPr>
+            <a:spLocks noGrp="1"/>
+          </p:cNvSpPr>
+          <p:nvPr>
+            <p:ph type="sldNum" sz="quarter" idx="10"/>
+          </p:nvPr>
+        </p:nvSpPr>
+        <p:spPr/>
+        <p:txBody>
+          <a:bodyPr/>
+          <a:lstStyle/>
+          <a:p>
+            <a:r>
+              <a:rPr lang="en-US" altLang="zh-CN"/>
+              <a:t>Slide </a:t>
+            </a:r>
+            <a:r>
+              <a:rPr lang="en-US" altLang="zh-CN">
+                <a:ea typeface="宋体" panose="02010600030101010101" pitchFamily="2" charset="-122"/>
+              </a:rPr>
+              <a:t>7</a:t>
+            </a:r>
+            <a:r>
+              <a:rPr lang="en-US" altLang="zh-CN"/>
+              <a:t>- </a:t>
+            </a:r>
+            <a:fld id="{3B64ACF9-7217-4E87-B990-30608E4DEEF0}" type="slidenum">
+              <a:rPr lang="en-US" altLang="zh-CN"/>
+              <a:pPr/>
+              <a:t>90</a:t>
+            </a:fld>
+            <a:endParaRPr lang="en-CA" altLang="zh-CN">
+              <a:ea typeface="宋体" panose="02010600030101010101" pitchFamily="2" charset="-122"/>
+            </a:endParaRPr>
+          </a:p>
+        </p:txBody>
+      </p:sp>
+      <p:sp>
+        <p:nvSpPr>
+          <p:cNvPr id="604162" name="Rectangle 2"/>
+          <p:cNvSpPr>
+            <a:spLocks noChangeArrowheads="1"/>
+          </p:cNvSpPr>
+          <p:nvPr/>
+        </p:nvSpPr>
+        <p:spPr bwMode="auto">
+          <a:xfrm>
+            <a:off x="0" y="685800"/>
+            <a:ext cx="5486400" cy="1495425"/>
+          </a:xfrm>
+          <a:prstGeom prst="rect">
+            <a:avLst/>
+          </a:prstGeom>
+          <a:solidFill>
+            <a:schemeClr val="bg1"/>
+          </a:solidFill>
+          <a:ln>
+            <a:noFill/>
+          </a:ln>
+          <a:effectLst/>
+          <a:extLst>
+            <a:ext uri="{91240B29-F687-4F45-9708-019B960494DF}">
+              <a14:hiddenLine xmlns:a14="http://schemas.microsoft.com/office/drawing/2010/main" w="9525">
+                <a:solidFill>
+                  <a:schemeClr val="tx1"/>
+                </a:solidFill>
+                <a:miter lim="800000"/>
+                <a:headEnd/>
+                <a:tailEnd/>
+              </a14:hiddenLine>
+            </a:ext>
+            <a:ext uri="{AF507438-7753-43E0-B8FC-AC1667EBCBE1}">
+              <a14:hiddenEffects xmlns:a14="http://schemas.microsoft.com/office/drawing/2010/main">
+                <a:effectLst>
+                  <a:outerShdw dist="35921" dir="2700000" algn="ctr" rotWithShape="0">
+                    <a:schemeClr val="bg2"/>
+                  </a:outerShdw>
+                </a:effectLst>
+              </a14:hiddenEffects>
+            </a:ext>
+          </a:extLst>
+        </p:spPr>
+        <p:txBody>
+          <a:bodyPr wrap="none" anchor="ctr"/>
+          <a:lstStyle/>
+          <a:p>
+            <a:endParaRPr lang="zh-CN" altLang="en-US"/>
+          </a:p>
+        </p:txBody>
+      </p:sp>
+      <p:sp>
+        <p:nvSpPr>
+          <p:cNvPr id="604163" name="AutoShape 3">
+            <a:hlinkClick r:id="rId2" action="ppaction://hlinksldjump"/>
+          </p:cNvPr>
+          <p:cNvSpPr>
+            <a:spLocks noChangeArrowheads="1"/>
+          </p:cNvSpPr>
+          <p:nvPr/>
+        </p:nvSpPr>
+        <p:spPr bwMode="auto">
+          <a:xfrm>
+            <a:off x="5715000" y="831850"/>
+            <a:ext cx="1270000" cy="584200"/>
+          </a:xfrm>
+          <a:prstGeom prst="leftArrow">
+            <a:avLst>
+              <a:gd name="adj1" fmla="val 63046"/>
+              <a:gd name="adj2" fmla="val 43478"/>
+            </a:avLst>
+          </a:prstGeom>
+          <a:solidFill>
+            <a:srgbClr val="F8BE1A"/>
+          </a:solidFill>
+          <a:ln w="9525">
+            <a:solidFill>
+              <a:schemeClr val="tx2"/>
+            </a:solidFill>
+            <a:miter lim="800000"/>
+            <a:headEnd/>
+            <a:tailEnd/>
+          </a:ln>
+          <a:effectLst/>
+          <a:extLst>
+            <a:ext uri="{AF507438-7753-43E0-B8FC-AC1667EBCBE1}">
+              <a14:hiddenEffects xmlns:a14="http://schemas.microsoft.com/office/drawing/2010/main">
+                <a:effectLst>
+                  <a:outerShdw dist="35921" dir="2700000" algn="ctr" rotWithShape="0">
+                    <a:schemeClr val="bg2"/>
+                  </a:outerShdw>
+                </a:effectLst>
+              </a14:hiddenEffects>
+            </a:ext>
+          </a:extLst>
+        </p:spPr>
+        <p:txBody>
+          <a:bodyPr wrap="none" anchor="ctr"/>
+          <a:lstStyle/>
+          <a:p>
+            <a:pPr algn="ctr">
+              <a:spcBef>
+                <a:spcPct val="20000"/>
+              </a:spcBef>
+              <a:buClr>
+                <a:srgbClr val="CC0000"/>
+              </a:buClr>
+              <a:buFont typeface="Wingdings" panose="05000000000000000000" pitchFamily="2" charset="2"/>
+              <a:buNone/>
+            </a:pPr>
+            <a:r>
+              <a:rPr lang="en-US" altLang="zh-CN" sz="2800">
+                <a:solidFill>
+                  <a:schemeClr val="tx2"/>
+                </a:solidFill>
+              </a:rPr>
+              <a:t>Back</a:t>
+            </a:r>
+          </a:p>
+        </p:txBody>
+      </p:sp>
+      <p:sp>
+        <p:nvSpPr>
+          <p:cNvPr id="604164" name="AutoShape 4">
+            <a:hlinkClick r:id="" action="ppaction://noaction"/>
+          </p:cNvPr>
+          <p:cNvSpPr>
+            <a:spLocks noChangeArrowheads="1"/>
+          </p:cNvSpPr>
+          <p:nvPr/>
+        </p:nvSpPr>
+        <p:spPr bwMode="auto">
+          <a:xfrm>
+            <a:off x="7467600" y="812800"/>
+            <a:ext cx="1066800" cy="635000"/>
+          </a:xfrm>
+          <a:prstGeom prst="rightArrow">
+            <a:avLst>
+              <a:gd name="adj1" fmla="val 57843"/>
+              <a:gd name="adj2" fmla="val 43999"/>
+            </a:avLst>
+          </a:prstGeom>
+          <a:solidFill>
+            <a:srgbClr val="F8BE1A"/>
+          </a:solidFill>
+          <a:ln w="9525">
+            <a:solidFill>
+              <a:schemeClr val="tx2"/>
+            </a:solidFill>
+            <a:miter lim="800000"/>
+            <a:headEnd/>
+            <a:tailEnd/>
+          </a:ln>
+          <a:effectLst/>
+          <a:extLst>
+            <a:ext uri="{AF507438-7753-43E0-B8FC-AC1667EBCBE1}">
+              <a14:hiddenEffects xmlns:a14="http://schemas.microsoft.com/office/drawing/2010/main">
+                <a:effectLst>
+                  <a:outerShdw dist="35921" dir="2700000" algn="ctr" rotWithShape="0">
+                    <a:schemeClr val="bg2"/>
+                  </a:outerShdw>
+                </a:effectLst>
+              </a14:hiddenEffects>
+            </a:ext>
+          </a:extLst>
+        </p:spPr>
+        <p:txBody>
+          <a:bodyPr wrap="none" anchor="ctr"/>
+          <a:lstStyle/>
+          <a:p>
+            <a:pPr algn="ctr">
+              <a:spcBef>
+                <a:spcPct val="20000"/>
+              </a:spcBef>
+              <a:buClr>
+                <a:srgbClr val="CC0000"/>
+              </a:buClr>
+              <a:buFont typeface="Wingdings" panose="05000000000000000000" pitchFamily="2" charset="2"/>
+              <a:buNone/>
+            </a:pPr>
+            <a:r>
+              <a:rPr lang="en-US" altLang="zh-CN" sz="2800">
+                <a:solidFill>
+                  <a:schemeClr val="tx2"/>
+                </a:solidFill>
+              </a:rPr>
+              <a:t>Next</a:t>
+            </a:r>
+          </a:p>
+        </p:txBody>
+      </p:sp>
+      <p:sp>
+        <p:nvSpPr>
+          <p:cNvPr id="604165" name="Rectangle 5"/>
+          <p:cNvSpPr>
+            <a:spLocks noGrp="1" noChangeArrowheads="1"/>
+          </p:cNvSpPr>
+          <p:nvPr>
+            <p:ph type="title"/>
+          </p:nvPr>
+        </p:nvSpPr>
+        <p:spPr>
+          <a:xfrm>
+            <a:off x="5362575" y="227013"/>
+            <a:ext cx="3857625" cy="992187"/>
+          </a:xfrm>
+        </p:spPr>
+        <p:txBody>
+          <a:bodyPr/>
+          <a:lstStyle/>
+          <a:p>
+            <a:r>
+              <a:rPr lang="en-US" altLang="zh-CN" dirty="0"/>
+              <a:t>Display </a:t>
+            </a:r>
+            <a:r>
+              <a:rPr lang="en-US" altLang="zh-CN" dirty="0" smtClean="0">
+                <a:ea typeface="宋体" panose="02010600030101010101" pitchFamily="2" charset="-122"/>
+              </a:rPr>
+              <a:t>10</a:t>
+            </a:r>
+            <a:r>
+              <a:rPr lang="en-US" altLang="zh-CN" dirty="0" smtClean="0"/>
+              <a:t>.7 </a:t>
+            </a:r>
+            <a:r>
+              <a:rPr lang="en-US" altLang="zh-CN" dirty="0"/>
+              <a:t>(3/3)</a:t>
+            </a:r>
+            <a:br>
+              <a:rPr lang="en-US" altLang="zh-CN" dirty="0"/>
+            </a:br>
+            <a:endParaRPr lang="en-US" altLang="zh-CN" dirty="0"/>
+          </a:p>
+        </p:txBody>
+      </p:sp>
+      <p:pic>
+        <p:nvPicPr>
+          <p:cNvPr id="604168" name="Picture 8" descr="未命名"/>
+          <p:cNvPicPr>
+            <a:picLocks noChangeAspect="1" noChangeArrowheads="1"/>
+          </p:cNvPicPr>
+          <p:nvPr/>
+        </p:nvPicPr>
+        <p:blipFill>
+          <a:blip r:embed="rId3" cstate="print">
+            <a:extLst>
+              <a:ext uri="{28A0092B-C50C-407E-A947-70E740481C1C}">
+                <a14:useLocalDpi xmlns:a14="http://schemas.microsoft.com/office/drawing/2010/main" val="0"/>
+              </a:ext>
+            </a:extLst>
+          </a:blip>
+          <a:srcRect/>
+          <a:stretch>
+            <a:fillRect/>
+          </a:stretch>
+        </p:blipFill>
+        <p:spPr bwMode="auto">
+          <a:xfrm>
+            <a:off x="0" y="228600"/>
+            <a:ext cx="5486400" cy="6326188"/>
+          </a:xfrm>
+          <a:prstGeom prst="rect">
+            <a:avLst/>
+          </a:prstGeom>
+          <a:noFill/>
+          <a:extLst>
+            <a:ext uri="{909E8E84-426E-40DD-AFC4-6F175D3DCCD1}">
+              <a14:hiddenFill xmlns:a14="http://schemas.microsoft.com/office/drawing/2010/main">
+                <a:solidFill>
+                  <a:srgbClr val="FFFFFF"/>
+                </a:solidFill>
+              </a14:hiddenFill>
+            </a:ext>
+          </a:extLst>
+        </p:spPr>
+      </p:pic>
+    </p:spTree>
+  </p:cSld>
+  <p:clrMapOvr>
+    <a:masterClrMapping/>
+  </p:clrMapOvr>
+  <p:transition spd="med" advClick="0">
     <p:wipe dir="r"/>
   </p:transition>
   <p:timing>

--- a/ppt/Chapter 10.pptx
+++ b/ppt/Chapter 10.pptx
@@ -1910,25 +1910,15 @@
           </a:lstStyle>
           <a:p>
             <a:r>
-              <a:rPr lang="en-US" altLang="zh-CN"/>
-              <a:t>Slide </a:t>
-            </a:r>
-            <a:r>
-              <a:rPr lang="en-US" altLang="zh-CN">
-                <a:ea typeface="宋体" panose="02010600030101010101" pitchFamily="2" charset="-122"/>
-              </a:rPr>
-              <a:t>7</a:t>
-            </a:r>
-            <a:r>
-              <a:rPr lang="en-US" altLang="zh-CN"/>
-              <a:t>- </a:t>
+              <a:rPr lang="en-US" altLang="zh-CN" dirty="0" smtClean="0"/>
+              <a:t>Slide 10- </a:t>
             </a:r>
             <a:fld id="{7AC301A8-9A09-4215-8DA2-A747176FFA5F}" type="slidenum">
-              <a:rPr lang="en-US" altLang="zh-CN"/>
+              <a:rPr lang="en-US" altLang="zh-CN" smtClean="0"/>
               <a:pPr/>
               <a:t>‹#›</a:t>
             </a:fld>
-            <a:endParaRPr lang="en-CA" altLang="zh-CN">
+            <a:endParaRPr lang="en-CA" altLang="zh-CN" dirty="0">
               <a:ea typeface="宋体" panose="02010600030101010101" pitchFamily="2" charset="-122"/>
             </a:endParaRPr>
           </a:p>
@@ -2070,25 +2060,15 @@
           </a:lstStyle>
           <a:p>
             <a:r>
-              <a:rPr lang="en-US" altLang="zh-CN"/>
-              <a:t>Slide </a:t>
-            </a:r>
-            <a:r>
-              <a:rPr lang="en-US" altLang="zh-CN">
-                <a:ea typeface="宋体" panose="02010600030101010101" pitchFamily="2" charset="-122"/>
-              </a:rPr>
-              <a:t>7</a:t>
-            </a:r>
-            <a:r>
-              <a:rPr lang="en-US" altLang="zh-CN"/>
-              <a:t>- </a:t>
+              <a:rPr lang="en-US" altLang="zh-CN" dirty="0" smtClean="0"/>
+              <a:t>Slide 10- </a:t>
             </a:r>
             <a:fld id="{80E93671-F8A0-4589-BB5F-CDE4386B2C2D}" type="slidenum">
-              <a:rPr lang="en-US" altLang="zh-CN"/>
+              <a:rPr lang="en-US" altLang="zh-CN" smtClean="0"/>
               <a:pPr/>
               <a:t>‹#›</a:t>
             </a:fld>
-            <a:endParaRPr lang="en-CA" altLang="zh-CN">
+            <a:endParaRPr lang="en-CA" altLang="zh-CN" dirty="0">
               <a:ea typeface="宋体" panose="02010600030101010101" pitchFamily="2" charset="-122"/>
             </a:endParaRPr>
           </a:p>
@@ -2220,25 +2200,15 @@
           </a:lstStyle>
           <a:p>
             <a:r>
-              <a:rPr lang="en-US" altLang="zh-CN"/>
-              <a:t>Slide </a:t>
-            </a:r>
-            <a:r>
-              <a:rPr lang="en-US" altLang="zh-CN">
-                <a:ea typeface="宋体" panose="02010600030101010101" pitchFamily="2" charset="-122"/>
-              </a:rPr>
-              <a:t>7</a:t>
-            </a:r>
-            <a:r>
-              <a:rPr lang="en-US" altLang="zh-CN"/>
-              <a:t>- </a:t>
+              <a:rPr lang="en-US" altLang="zh-CN" dirty="0" smtClean="0"/>
+              <a:t>Slide 10- </a:t>
             </a:r>
             <a:fld id="{FA56F4C1-121C-45D7-B65B-0E767F5B5E69}" type="slidenum">
-              <a:rPr lang="en-US" altLang="zh-CN"/>
+              <a:rPr lang="en-US" altLang="zh-CN" smtClean="0"/>
               <a:pPr/>
               <a:t>‹#›</a:t>
             </a:fld>
-            <a:endParaRPr lang="en-CA" altLang="zh-CN">
+            <a:endParaRPr lang="en-CA" altLang="zh-CN" dirty="0">
               <a:ea typeface="宋体" panose="02010600030101010101" pitchFamily="2" charset="-122"/>
             </a:endParaRPr>
           </a:p>
@@ -2392,25 +2362,15 @@
           </a:lstStyle>
           <a:p>
             <a:r>
-              <a:rPr lang="en-US" altLang="zh-CN"/>
-              <a:t>Slide </a:t>
-            </a:r>
-            <a:r>
-              <a:rPr lang="en-US" altLang="zh-CN">
-                <a:ea typeface="宋体" panose="02010600030101010101" pitchFamily="2" charset="-122"/>
-              </a:rPr>
-              <a:t>7</a:t>
-            </a:r>
-            <a:r>
-              <a:rPr lang="en-US" altLang="zh-CN"/>
-              <a:t>- </a:t>
+              <a:rPr lang="en-US" altLang="zh-CN" dirty="0" smtClean="0"/>
+              <a:t>Slide 10- </a:t>
             </a:r>
             <a:fld id="{E2E8EE4A-A1B5-433C-A198-E356DAD791D7}" type="slidenum">
-              <a:rPr lang="en-US" altLang="zh-CN"/>
+              <a:rPr lang="en-US" altLang="zh-CN" smtClean="0"/>
               <a:pPr/>
               <a:t>‹#›</a:t>
             </a:fld>
-            <a:endParaRPr lang="en-CA" altLang="zh-CN">
+            <a:endParaRPr lang="en-CA" altLang="zh-CN" dirty="0">
               <a:ea typeface="宋体" panose="02010600030101010101" pitchFamily="2" charset="-122"/>
             </a:endParaRPr>
           </a:p>
@@ -2604,25 +2564,15 @@
           </a:lstStyle>
           <a:p>
             <a:r>
-              <a:rPr lang="en-US" altLang="zh-CN"/>
-              <a:t>Slide </a:t>
-            </a:r>
-            <a:r>
-              <a:rPr lang="en-US" altLang="zh-CN">
-                <a:ea typeface="宋体" panose="02010600030101010101" pitchFamily="2" charset="-122"/>
-              </a:rPr>
-              <a:t>7</a:t>
-            </a:r>
-            <a:r>
-              <a:rPr lang="en-US" altLang="zh-CN"/>
-              <a:t>- </a:t>
+              <a:rPr lang="en-US" altLang="zh-CN" dirty="0" smtClean="0"/>
+              <a:t>Slide 10- </a:t>
             </a:r>
             <a:fld id="{5EB85EB5-1DC7-47CB-BF96-E824417BCA90}" type="slidenum">
-              <a:rPr lang="en-US" altLang="zh-CN"/>
+              <a:rPr lang="en-US" altLang="zh-CN" smtClean="0"/>
               <a:pPr/>
               <a:t>‹#›</a:t>
             </a:fld>
-            <a:endParaRPr lang="en-CA" altLang="zh-CN">
+            <a:endParaRPr lang="en-CA" altLang="zh-CN" dirty="0">
               <a:ea typeface="宋体" panose="02010600030101010101" pitchFamily="2" charset="-122"/>
             </a:endParaRPr>
           </a:p>
@@ -2951,25 +2901,15 @@
           </a:lstStyle>
           <a:p>
             <a:r>
-              <a:rPr lang="en-US" altLang="zh-CN"/>
-              <a:t>Slide </a:t>
-            </a:r>
-            <a:r>
-              <a:rPr lang="en-US" altLang="zh-CN">
-                <a:ea typeface="宋体" panose="02010600030101010101" pitchFamily="2" charset="-122"/>
-              </a:rPr>
-              <a:t>7</a:t>
-            </a:r>
-            <a:r>
-              <a:rPr lang="en-US" altLang="zh-CN"/>
-              <a:t>- </a:t>
+              <a:rPr lang="en-US" altLang="zh-CN" dirty="0" smtClean="0"/>
+              <a:t>Slide 10- </a:t>
             </a:r>
             <a:fld id="{7E26354A-0099-498C-A4CB-20C0CC0CF43D}" type="slidenum">
-              <a:rPr lang="en-US" altLang="zh-CN"/>
+              <a:rPr lang="en-US" altLang="zh-CN" smtClean="0"/>
               <a:pPr/>
               <a:t>‹#›</a:t>
             </a:fld>
-            <a:endParaRPr lang="en-CA" altLang="zh-CN">
+            <a:endParaRPr lang="en-CA" altLang="zh-CN" dirty="0">
               <a:ea typeface="宋体" panose="02010600030101010101" pitchFamily="2" charset="-122"/>
             </a:endParaRPr>
           </a:p>
@@ -3049,25 +2989,15 @@
           </a:lstStyle>
           <a:p>
             <a:r>
-              <a:rPr lang="en-US" altLang="zh-CN"/>
-              <a:t>Slide </a:t>
-            </a:r>
-            <a:r>
-              <a:rPr lang="en-US" altLang="zh-CN">
-                <a:ea typeface="宋体" panose="02010600030101010101" pitchFamily="2" charset="-122"/>
-              </a:rPr>
-              <a:t>7</a:t>
-            </a:r>
-            <a:r>
-              <a:rPr lang="en-US" altLang="zh-CN"/>
-              <a:t>- </a:t>
+              <a:rPr lang="en-US" altLang="zh-CN" dirty="0" smtClean="0"/>
+              <a:t>Slide 10- </a:t>
             </a:r>
             <a:fld id="{9FA69F70-2A81-49CC-94E2-8B92BE5F8FE6}" type="slidenum">
-              <a:rPr lang="en-US" altLang="zh-CN"/>
+              <a:rPr lang="en-US" altLang="zh-CN" smtClean="0"/>
               <a:pPr/>
               <a:t>‹#›</a:t>
             </a:fld>
-            <a:endParaRPr lang="en-CA" altLang="zh-CN">
+            <a:endParaRPr lang="en-CA" altLang="zh-CN" dirty="0">
               <a:ea typeface="宋体" panose="02010600030101010101" pitchFamily="2" charset="-122"/>
             </a:endParaRPr>
           </a:p>
@@ -3124,25 +3054,15 @@
           </a:lstStyle>
           <a:p>
             <a:r>
-              <a:rPr lang="en-US" altLang="zh-CN"/>
-              <a:t>Slide </a:t>
-            </a:r>
-            <a:r>
-              <a:rPr lang="en-US" altLang="zh-CN">
-                <a:ea typeface="宋体" panose="02010600030101010101" pitchFamily="2" charset="-122"/>
-              </a:rPr>
-              <a:t>7</a:t>
-            </a:r>
-            <a:r>
-              <a:rPr lang="en-US" altLang="zh-CN"/>
-              <a:t>- </a:t>
+              <a:rPr lang="en-US" altLang="zh-CN" dirty="0" smtClean="0"/>
+              <a:t>Slide 10- </a:t>
             </a:r>
             <a:fld id="{AC5B7E02-A3A1-4BDF-9BB4-F53779590EC7}" type="slidenum">
-              <a:rPr lang="en-US" altLang="zh-CN"/>
+              <a:rPr lang="en-US" altLang="zh-CN" smtClean="0"/>
               <a:pPr/>
               <a:t>‹#›</a:t>
             </a:fld>
-            <a:endParaRPr lang="en-CA" altLang="zh-CN">
+            <a:endParaRPr lang="en-CA" altLang="zh-CN" dirty="0">
               <a:ea typeface="宋体" panose="02010600030101010101" pitchFamily="2" charset="-122"/>
             </a:endParaRPr>
           </a:p>
@@ -3381,25 +3301,15 @@
           </a:lstStyle>
           <a:p>
             <a:r>
-              <a:rPr lang="en-US" altLang="zh-CN"/>
-              <a:t>Slide </a:t>
-            </a:r>
-            <a:r>
-              <a:rPr lang="en-US" altLang="zh-CN">
-                <a:ea typeface="宋体" panose="02010600030101010101" pitchFamily="2" charset="-122"/>
-              </a:rPr>
-              <a:t>7</a:t>
-            </a:r>
-            <a:r>
-              <a:rPr lang="en-US" altLang="zh-CN"/>
-              <a:t>- </a:t>
+              <a:rPr lang="en-US" altLang="zh-CN" dirty="0" smtClean="0"/>
+              <a:t>Slide 10- </a:t>
             </a:r>
             <a:fld id="{B6A570E5-6FFE-43B0-A408-EBBB04E8FE2B}" type="slidenum">
-              <a:rPr lang="en-US" altLang="zh-CN"/>
+              <a:rPr lang="en-US" altLang="zh-CN" smtClean="0"/>
               <a:pPr/>
               <a:t>‹#›</a:t>
             </a:fld>
-            <a:endParaRPr lang="en-CA" altLang="zh-CN">
+            <a:endParaRPr lang="en-CA" altLang="zh-CN" dirty="0">
               <a:ea typeface="宋体" panose="02010600030101010101" pitchFamily="2" charset="-122"/>
             </a:endParaRPr>
           </a:p>
@@ -3614,25 +3524,15 @@
           </a:lstStyle>
           <a:p>
             <a:r>
-              <a:rPr lang="en-US" altLang="zh-CN"/>
-              <a:t>Slide </a:t>
-            </a:r>
-            <a:r>
-              <a:rPr lang="en-US" altLang="zh-CN">
-                <a:ea typeface="宋体" panose="02010600030101010101" pitchFamily="2" charset="-122"/>
-              </a:rPr>
-              <a:t>7</a:t>
-            </a:r>
-            <a:r>
-              <a:rPr lang="en-US" altLang="zh-CN"/>
-              <a:t>- </a:t>
+              <a:rPr lang="en-US" altLang="zh-CN" dirty="0" smtClean="0"/>
+              <a:t>Slide 10- </a:t>
             </a:r>
             <a:fld id="{C889EAD6-30FD-4383-8AC3-50A30AA03C15}" type="slidenum">
-              <a:rPr lang="en-US" altLang="zh-CN"/>
+              <a:rPr lang="en-US" altLang="zh-CN" smtClean="0"/>
               <a:pPr/>
               <a:t>‹#›</a:t>
             </a:fld>
-            <a:endParaRPr lang="en-CA" altLang="zh-CN">
+            <a:endParaRPr lang="en-CA" altLang="zh-CN" dirty="0">
               <a:ea typeface="宋体" panose="02010600030101010101" pitchFamily="2" charset="-122"/>
             </a:endParaRPr>
           </a:p>
@@ -3955,25 +3855,15 @@
           </a:lstStyle>
           <a:p>
             <a:r>
-              <a:rPr lang="en-US" altLang="zh-CN"/>
-              <a:t>Slide </a:t>
-            </a:r>
-            <a:r>
-              <a:rPr lang="en-US" altLang="zh-CN">
-                <a:ea typeface="宋体" panose="02010600030101010101" pitchFamily="2" charset="-122"/>
-              </a:rPr>
-              <a:t>7</a:t>
-            </a:r>
-            <a:r>
-              <a:rPr lang="en-US" altLang="zh-CN"/>
-              <a:t>- </a:t>
+              <a:rPr lang="en-US" altLang="zh-CN" dirty="0" smtClean="0"/>
+              <a:t>Slide 10- </a:t>
             </a:r>
             <a:fld id="{266C8501-B7CB-450B-A828-D4C98F10334E}" type="slidenum">
-              <a:rPr lang="en-US" altLang="zh-CN"/>
+              <a:rPr lang="en-US" altLang="zh-CN" smtClean="0"/>
               <a:pPr/>
               <a:t>‹#›</a:t>
             </a:fld>
-            <a:endParaRPr lang="en-CA" altLang="zh-CN">
+            <a:endParaRPr lang="en-CA" altLang="zh-CN" dirty="0">
               <a:ea typeface="宋体" panose="02010600030101010101" pitchFamily="2" charset="-122"/>
             </a:endParaRPr>
           </a:p>
@@ -4716,25 +4606,15 @@
           <a:lstStyle/>
           <a:p>
             <a:r>
-              <a:rPr lang="en-US" altLang="zh-CN"/>
-              <a:t>Slide </a:t>
-            </a:r>
-            <a:r>
-              <a:rPr lang="en-US" altLang="zh-CN">
-                <a:ea typeface="宋体" panose="02010600030101010101" pitchFamily="2" charset="-122"/>
-              </a:rPr>
-              <a:t>7</a:t>
-            </a:r>
-            <a:r>
-              <a:rPr lang="en-US" altLang="zh-CN"/>
-              <a:t>- </a:t>
+              <a:rPr lang="en-US" altLang="zh-CN" dirty="0" smtClean="0"/>
+              <a:t>Slide 10- </a:t>
             </a:r>
             <a:fld id="{4155AF6D-C7C4-4508-96F9-314CF72D7F2E}" type="slidenum">
-              <a:rPr lang="en-US" altLang="zh-CN"/>
+              <a:rPr lang="en-US" altLang="zh-CN" smtClean="0"/>
               <a:pPr/>
               <a:t>10</a:t>
             </a:fld>
-            <a:endParaRPr lang="en-CA" altLang="zh-CN">
+            <a:endParaRPr lang="en-CA" altLang="zh-CN" dirty="0">
               <a:ea typeface="宋体" panose="02010600030101010101" pitchFamily="2" charset="-122"/>
             </a:endParaRPr>
           </a:p>
@@ -4900,25 +4780,15 @@
           <a:lstStyle/>
           <a:p>
             <a:r>
-              <a:rPr lang="en-US" altLang="zh-CN"/>
-              <a:t>Slide </a:t>
-            </a:r>
-            <a:r>
-              <a:rPr lang="en-US" altLang="zh-CN">
-                <a:ea typeface="宋体" panose="02010600030101010101" pitchFamily="2" charset="-122"/>
-              </a:rPr>
-              <a:t>7</a:t>
-            </a:r>
-            <a:r>
-              <a:rPr lang="en-US" altLang="zh-CN"/>
-              <a:t>- </a:t>
+              <a:rPr lang="en-US" altLang="zh-CN" dirty="0" smtClean="0"/>
+              <a:t>Slide 10- </a:t>
             </a:r>
             <a:fld id="{B793D9BB-B647-42AA-B815-ACBACBAD3E59}" type="slidenum">
-              <a:rPr lang="en-US" altLang="zh-CN"/>
+              <a:rPr lang="en-US" altLang="zh-CN" smtClean="0"/>
               <a:pPr/>
               <a:t>11</a:t>
             </a:fld>
-            <a:endParaRPr lang="en-CA" altLang="zh-CN">
+            <a:endParaRPr lang="en-CA" altLang="zh-CN" dirty="0">
               <a:ea typeface="宋体" panose="02010600030101010101" pitchFamily="2" charset="-122"/>
             </a:endParaRPr>
           </a:p>
@@ -5262,25 +5132,15 @@
           <a:lstStyle/>
           <a:p>
             <a:r>
-              <a:rPr lang="en-US" altLang="zh-CN"/>
-              <a:t>Slide </a:t>
-            </a:r>
-            <a:r>
-              <a:rPr lang="en-US" altLang="zh-CN">
-                <a:ea typeface="宋体" panose="02010600030101010101" pitchFamily="2" charset="-122"/>
-              </a:rPr>
-              <a:t>7</a:t>
-            </a:r>
-            <a:r>
-              <a:rPr lang="en-US" altLang="zh-CN"/>
-              <a:t>- </a:t>
+              <a:rPr lang="en-US" altLang="zh-CN" dirty="0" smtClean="0"/>
+              <a:t>Slide 10- </a:t>
             </a:r>
             <a:fld id="{F1377CA3-2B82-4A74-8C1E-030F429D7D34}" type="slidenum">
-              <a:rPr lang="en-US" altLang="zh-CN"/>
+              <a:rPr lang="en-US" altLang="zh-CN" smtClean="0"/>
               <a:pPr/>
               <a:t>12</a:t>
             </a:fld>
-            <a:endParaRPr lang="en-CA" altLang="zh-CN">
+            <a:endParaRPr lang="en-CA" altLang="zh-CN" dirty="0">
               <a:ea typeface="宋体" panose="02010600030101010101" pitchFamily="2" charset="-122"/>
             </a:endParaRPr>
           </a:p>
@@ -6061,25 +5921,15 @@
           <a:lstStyle/>
           <a:p>
             <a:r>
-              <a:rPr lang="en-US" altLang="zh-CN"/>
-              <a:t>Slide </a:t>
-            </a:r>
-            <a:r>
-              <a:rPr lang="en-US" altLang="zh-CN">
-                <a:ea typeface="宋体" panose="02010600030101010101" pitchFamily="2" charset="-122"/>
-              </a:rPr>
-              <a:t>7</a:t>
-            </a:r>
-            <a:r>
-              <a:rPr lang="en-US" altLang="zh-CN"/>
-              <a:t>- </a:t>
+              <a:rPr lang="en-US" altLang="zh-CN" dirty="0" smtClean="0"/>
+              <a:t>Slide 10- </a:t>
             </a:r>
             <a:fld id="{797E5605-C4CE-46E9-AF2B-E9A81EDD550A}" type="slidenum">
-              <a:rPr lang="en-US" altLang="zh-CN"/>
+              <a:rPr lang="en-US" altLang="zh-CN" smtClean="0"/>
               <a:pPr/>
               <a:t>13</a:t>
             </a:fld>
-            <a:endParaRPr lang="en-CA" altLang="zh-CN">
+            <a:endParaRPr lang="en-CA" altLang="zh-CN" dirty="0">
               <a:ea typeface="宋体" panose="02010600030101010101" pitchFamily="2" charset="-122"/>
             </a:endParaRPr>
           </a:p>
@@ -6608,25 +6458,15 @@
           <a:lstStyle/>
           <a:p>
             <a:r>
-              <a:rPr lang="en-US" altLang="zh-CN"/>
-              <a:t>Slide </a:t>
-            </a:r>
-            <a:r>
-              <a:rPr lang="en-US" altLang="zh-CN">
-                <a:ea typeface="宋体" panose="02010600030101010101" pitchFamily="2" charset="-122"/>
-              </a:rPr>
-              <a:t>7</a:t>
-            </a:r>
-            <a:r>
-              <a:rPr lang="en-US" altLang="zh-CN"/>
-              <a:t>- </a:t>
+              <a:rPr lang="en-US" altLang="zh-CN" dirty="0" smtClean="0"/>
+              <a:t>Slide 10- </a:t>
             </a:r>
             <a:fld id="{8539151F-E7EE-4185-B298-034E726A0653}" type="slidenum">
-              <a:rPr lang="en-US" altLang="zh-CN"/>
+              <a:rPr lang="en-US" altLang="zh-CN" smtClean="0"/>
               <a:pPr/>
               <a:t>14</a:t>
             </a:fld>
-            <a:endParaRPr lang="en-CA" altLang="zh-CN">
+            <a:endParaRPr lang="en-CA" altLang="zh-CN" dirty="0">
               <a:ea typeface="宋体" panose="02010600030101010101" pitchFamily="2" charset="-122"/>
             </a:endParaRPr>
           </a:p>
@@ -6851,25 +6691,15 @@
           <a:lstStyle/>
           <a:p>
             <a:r>
-              <a:rPr lang="en-US" altLang="zh-CN"/>
-              <a:t>Slide </a:t>
-            </a:r>
-            <a:r>
-              <a:rPr lang="en-US" altLang="zh-CN">
-                <a:ea typeface="宋体" panose="02010600030101010101" pitchFamily="2" charset="-122"/>
-              </a:rPr>
-              <a:t>7</a:t>
-            </a:r>
-            <a:r>
-              <a:rPr lang="en-US" altLang="zh-CN"/>
-              <a:t>- </a:t>
+              <a:rPr lang="en-US" altLang="zh-CN" dirty="0" smtClean="0"/>
+              <a:t>Slide 10- </a:t>
             </a:r>
             <a:fld id="{92B395D8-C5FA-489F-AB01-968751F9DDC5}" type="slidenum">
-              <a:rPr lang="en-US" altLang="zh-CN"/>
+              <a:rPr lang="en-US" altLang="zh-CN" smtClean="0"/>
               <a:pPr/>
               <a:t>15</a:t>
             </a:fld>
-            <a:endParaRPr lang="en-CA" altLang="zh-CN">
+            <a:endParaRPr lang="en-CA" altLang="zh-CN" dirty="0">
               <a:ea typeface="宋体" panose="02010600030101010101" pitchFamily="2" charset="-122"/>
             </a:endParaRPr>
           </a:p>
@@ -7383,25 +7213,15 @@
           <a:lstStyle/>
           <a:p>
             <a:r>
-              <a:rPr lang="en-US" altLang="zh-CN"/>
-              <a:t>Slide </a:t>
-            </a:r>
-            <a:r>
-              <a:rPr lang="en-US" altLang="zh-CN">
-                <a:ea typeface="宋体" panose="02010600030101010101" pitchFamily="2" charset="-122"/>
-              </a:rPr>
-              <a:t>7</a:t>
-            </a:r>
-            <a:r>
-              <a:rPr lang="en-US" altLang="zh-CN"/>
-              <a:t>- </a:t>
+              <a:rPr lang="en-US" altLang="zh-CN" dirty="0" smtClean="0"/>
+              <a:t>Slide 10- </a:t>
             </a:r>
             <a:fld id="{2D75B951-EA01-4849-B39F-E83F43809C37}" type="slidenum">
-              <a:rPr lang="en-US" altLang="zh-CN"/>
+              <a:rPr lang="en-US" altLang="zh-CN" smtClean="0"/>
               <a:pPr/>
               <a:t>16</a:t>
             </a:fld>
-            <a:endParaRPr lang="en-CA" altLang="zh-CN">
+            <a:endParaRPr lang="en-CA" altLang="zh-CN" dirty="0">
               <a:ea typeface="宋体" panose="02010600030101010101" pitchFamily="2" charset="-122"/>
             </a:endParaRPr>
           </a:p>
@@ -7655,25 +7475,15 @@
           <a:lstStyle/>
           <a:p>
             <a:r>
-              <a:rPr lang="en-US" altLang="zh-CN"/>
-              <a:t>Slide </a:t>
-            </a:r>
-            <a:r>
-              <a:rPr lang="en-US" altLang="zh-CN">
-                <a:ea typeface="宋体" panose="02010600030101010101" pitchFamily="2" charset="-122"/>
-              </a:rPr>
-              <a:t>7</a:t>
-            </a:r>
-            <a:r>
-              <a:rPr lang="en-US" altLang="zh-CN"/>
-              <a:t>- </a:t>
+              <a:rPr lang="en-US" altLang="zh-CN" dirty="0" smtClean="0"/>
+              <a:t>Slide 10- </a:t>
             </a:r>
             <a:fld id="{D4A8533D-3C74-485C-B5D0-998070868B0D}" type="slidenum">
-              <a:rPr lang="en-US" altLang="zh-CN"/>
+              <a:rPr lang="en-US" altLang="zh-CN" smtClean="0"/>
               <a:pPr/>
               <a:t>17</a:t>
             </a:fld>
-            <a:endParaRPr lang="en-CA" altLang="zh-CN">
+            <a:endParaRPr lang="en-CA" altLang="zh-CN" dirty="0">
               <a:ea typeface="宋体" panose="02010600030101010101" pitchFamily="2" charset="-122"/>
             </a:endParaRPr>
           </a:p>
@@ -8041,25 +7851,15 @@
           <a:lstStyle/>
           <a:p>
             <a:r>
-              <a:rPr lang="en-US" altLang="zh-CN"/>
-              <a:t>Slide </a:t>
-            </a:r>
-            <a:r>
-              <a:rPr lang="en-US" altLang="zh-CN">
-                <a:ea typeface="宋体" panose="02010600030101010101" pitchFamily="2" charset="-122"/>
-              </a:rPr>
-              <a:t>7</a:t>
-            </a:r>
-            <a:r>
-              <a:rPr lang="en-US" altLang="zh-CN"/>
-              <a:t>- </a:t>
+              <a:rPr lang="en-US" altLang="zh-CN" dirty="0" smtClean="0"/>
+              <a:t>Slide 10- </a:t>
             </a:r>
             <a:fld id="{9EAD6735-9CF4-441D-B175-852E2916694E}" type="slidenum">
-              <a:rPr lang="en-US" altLang="zh-CN"/>
+              <a:rPr lang="en-US" altLang="zh-CN" smtClean="0"/>
               <a:pPr/>
               <a:t>18</a:t>
             </a:fld>
-            <a:endParaRPr lang="en-CA" altLang="zh-CN">
+            <a:endParaRPr lang="en-CA" altLang="zh-CN" dirty="0">
               <a:ea typeface="宋体" panose="02010600030101010101" pitchFamily="2" charset="-122"/>
             </a:endParaRPr>
           </a:p>
@@ -8592,25 +8392,15 @@
           <a:lstStyle/>
           <a:p>
             <a:r>
-              <a:rPr lang="en-US" altLang="zh-CN"/>
-              <a:t>Slide </a:t>
-            </a:r>
-            <a:r>
-              <a:rPr lang="en-US" altLang="zh-CN">
-                <a:ea typeface="宋体" panose="02010600030101010101" pitchFamily="2" charset="-122"/>
-              </a:rPr>
-              <a:t>7</a:t>
-            </a:r>
-            <a:r>
-              <a:rPr lang="en-US" altLang="zh-CN"/>
-              <a:t>- </a:t>
+              <a:rPr lang="en-US" altLang="zh-CN" dirty="0" smtClean="0"/>
+              <a:t>Slide 10- </a:t>
             </a:r>
             <a:fld id="{C18A531A-DA7F-4873-B9EF-65F70AF0D07B}" type="slidenum">
-              <a:rPr lang="en-US" altLang="zh-CN"/>
+              <a:rPr lang="en-US" altLang="zh-CN" smtClean="0"/>
               <a:pPr/>
               <a:t>19</a:t>
             </a:fld>
-            <a:endParaRPr lang="en-CA" altLang="zh-CN">
+            <a:endParaRPr lang="en-CA" altLang="zh-CN" dirty="0">
               <a:ea typeface="宋体" panose="02010600030101010101" pitchFamily="2" charset="-122"/>
             </a:endParaRPr>
           </a:p>
@@ -9101,25 +8891,15 @@
           <a:lstStyle/>
           <a:p>
             <a:r>
-              <a:rPr lang="en-US" altLang="zh-CN"/>
-              <a:t>Slide </a:t>
-            </a:r>
-            <a:r>
-              <a:rPr lang="en-US" altLang="zh-CN">
-                <a:ea typeface="宋体" panose="02010600030101010101" pitchFamily="2" charset="-122"/>
-              </a:rPr>
-              <a:t>7</a:t>
-            </a:r>
-            <a:r>
-              <a:rPr lang="en-US" altLang="zh-CN"/>
-              <a:t>- </a:t>
+              <a:rPr lang="en-US" altLang="zh-CN" dirty="0" smtClean="0"/>
+              <a:t>Slide 10- </a:t>
             </a:r>
             <a:fld id="{BF749A13-E283-46BF-AFB7-4024649CBD76}" type="slidenum">
-              <a:rPr lang="en-US" altLang="zh-CN"/>
+              <a:rPr lang="en-US" altLang="zh-CN" smtClean="0"/>
               <a:pPr/>
               <a:t>20</a:t>
             </a:fld>
-            <a:endParaRPr lang="en-CA" altLang="zh-CN">
+            <a:endParaRPr lang="en-CA" altLang="zh-CN" dirty="0">
               <a:ea typeface="宋体" panose="02010600030101010101" pitchFamily="2" charset="-122"/>
             </a:endParaRPr>
           </a:p>
@@ -9783,25 +9563,15 @@
           <a:lstStyle/>
           <a:p>
             <a:r>
-              <a:rPr lang="en-US" altLang="zh-CN"/>
-              <a:t>Slide </a:t>
-            </a:r>
-            <a:r>
-              <a:rPr lang="en-US" altLang="zh-CN">
-                <a:ea typeface="宋体" panose="02010600030101010101" pitchFamily="2" charset="-122"/>
-              </a:rPr>
-              <a:t>7</a:t>
-            </a:r>
-            <a:r>
-              <a:rPr lang="en-US" altLang="zh-CN"/>
-              <a:t>- </a:t>
+              <a:rPr lang="en-US" altLang="zh-CN" dirty="0" smtClean="0"/>
+              <a:t>Slide 10- </a:t>
             </a:r>
             <a:fld id="{343BC920-1B53-47E5-A931-B3E1F9088EF4}" type="slidenum">
-              <a:rPr lang="en-US" altLang="zh-CN"/>
+              <a:rPr lang="en-US" altLang="zh-CN" smtClean="0"/>
               <a:pPr/>
               <a:t>21</a:t>
             </a:fld>
-            <a:endParaRPr lang="en-CA" altLang="zh-CN">
+            <a:endParaRPr lang="en-CA" altLang="zh-CN" dirty="0">
               <a:ea typeface="宋体" panose="02010600030101010101" pitchFamily="2" charset="-122"/>
             </a:endParaRPr>
           </a:p>
@@ -10009,25 +9779,15 @@
           <a:lstStyle/>
           <a:p>
             <a:r>
-              <a:rPr lang="en-US" altLang="zh-CN"/>
-              <a:t>Slide </a:t>
-            </a:r>
-            <a:r>
-              <a:rPr lang="en-US" altLang="zh-CN">
-                <a:ea typeface="宋体" panose="02010600030101010101" pitchFamily="2" charset="-122"/>
-              </a:rPr>
-              <a:t>7</a:t>
-            </a:r>
-            <a:r>
-              <a:rPr lang="en-US" altLang="zh-CN"/>
-              <a:t>- </a:t>
+              <a:rPr lang="en-US" altLang="zh-CN" dirty="0" smtClean="0"/>
+              <a:t>Slide 10- </a:t>
             </a:r>
             <a:fld id="{1F7BE4E0-52D3-4266-BFA2-807F211D9DA6}" type="slidenum">
-              <a:rPr lang="en-US" altLang="zh-CN"/>
+              <a:rPr lang="en-US" altLang="zh-CN" smtClean="0"/>
               <a:pPr/>
               <a:t>23</a:t>
             </a:fld>
-            <a:endParaRPr lang="en-CA" altLang="zh-CN">
+            <a:endParaRPr lang="en-CA" altLang="zh-CN" dirty="0">
               <a:ea typeface="宋体" panose="02010600030101010101" pitchFamily="2" charset="-122"/>
             </a:endParaRPr>
           </a:p>
@@ -10170,25 +9930,15 @@
           <a:lstStyle/>
           <a:p>
             <a:r>
-              <a:rPr lang="en-US" altLang="zh-CN"/>
-              <a:t>Slide </a:t>
-            </a:r>
-            <a:r>
-              <a:rPr lang="en-US" altLang="zh-CN">
-                <a:ea typeface="宋体" panose="02010600030101010101" pitchFamily="2" charset="-122"/>
-              </a:rPr>
-              <a:t>7</a:t>
-            </a:r>
-            <a:r>
-              <a:rPr lang="en-US" altLang="zh-CN"/>
-              <a:t>- </a:t>
+              <a:rPr lang="en-US" altLang="zh-CN" dirty="0" smtClean="0"/>
+              <a:t>Slide 10- </a:t>
             </a:r>
             <a:fld id="{6C1F8806-AE0E-4470-BA34-B9A85DE0BE03}" type="slidenum">
-              <a:rPr lang="en-US" altLang="zh-CN"/>
+              <a:rPr lang="en-US" altLang="zh-CN" smtClean="0"/>
               <a:pPr/>
               <a:t>24</a:t>
             </a:fld>
-            <a:endParaRPr lang="en-CA" altLang="zh-CN">
+            <a:endParaRPr lang="en-CA" altLang="zh-CN" dirty="0">
               <a:ea typeface="宋体" panose="02010600030101010101" pitchFamily="2" charset="-122"/>
             </a:endParaRPr>
           </a:p>
@@ -10366,25 +10116,15 @@
           <a:lstStyle/>
           <a:p>
             <a:r>
-              <a:rPr lang="en-US" altLang="zh-CN"/>
-              <a:t>Slide </a:t>
-            </a:r>
-            <a:r>
-              <a:rPr lang="en-US" altLang="zh-CN">
-                <a:ea typeface="宋体" panose="02010600030101010101" pitchFamily="2" charset="-122"/>
-              </a:rPr>
-              <a:t>7</a:t>
-            </a:r>
-            <a:r>
-              <a:rPr lang="en-US" altLang="zh-CN"/>
-              <a:t>- </a:t>
+              <a:rPr lang="en-US" altLang="zh-CN" dirty="0" smtClean="0"/>
+              <a:t>Slide 10- </a:t>
             </a:r>
             <a:fld id="{CFB395C6-246E-4B37-B354-E83EB6A12668}" type="slidenum">
-              <a:rPr lang="en-US" altLang="zh-CN"/>
+              <a:rPr lang="en-US" altLang="zh-CN" smtClean="0"/>
               <a:pPr/>
               <a:t>25</a:t>
             </a:fld>
-            <a:endParaRPr lang="en-CA" altLang="zh-CN">
+            <a:endParaRPr lang="en-CA" altLang="zh-CN" dirty="0">
               <a:ea typeface="宋体" panose="02010600030101010101" pitchFamily="2" charset="-122"/>
             </a:endParaRPr>
           </a:p>
@@ -10904,25 +10644,15 @@
           <a:lstStyle/>
           <a:p>
             <a:r>
-              <a:rPr lang="en-US" altLang="zh-CN"/>
-              <a:t>Slide </a:t>
-            </a:r>
-            <a:r>
-              <a:rPr lang="en-US" altLang="zh-CN">
-                <a:ea typeface="宋体" panose="02010600030101010101" pitchFamily="2" charset="-122"/>
-              </a:rPr>
-              <a:t>7</a:t>
-            </a:r>
-            <a:r>
-              <a:rPr lang="en-US" altLang="zh-CN"/>
-              <a:t>- </a:t>
+              <a:rPr lang="en-US" altLang="zh-CN" dirty="0" smtClean="0"/>
+              <a:t>Slide 10- </a:t>
             </a:r>
             <a:fld id="{BBC1C5A1-E3CC-466B-A773-3A035EFED8ED}" type="slidenum">
-              <a:rPr lang="en-US" altLang="zh-CN"/>
+              <a:rPr lang="en-US" altLang="zh-CN" smtClean="0"/>
               <a:pPr/>
               <a:t>26</a:t>
             </a:fld>
-            <a:endParaRPr lang="en-CA" altLang="zh-CN">
+            <a:endParaRPr lang="en-CA" altLang="zh-CN" dirty="0">
               <a:ea typeface="宋体" panose="02010600030101010101" pitchFamily="2" charset="-122"/>
             </a:endParaRPr>
           </a:p>
@@ -11198,25 +10928,15 @@
           <a:lstStyle/>
           <a:p>
             <a:r>
-              <a:rPr lang="en-US" altLang="zh-CN"/>
-              <a:t>Slide </a:t>
-            </a:r>
-            <a:r>
-              <a:rPr lang="en-US" altLang="zh-CN">
-                <a:ea typeface="宋体" panose="02010600030101010101" pitchFamily="2" charset="-122"/>
-              </a:rPr>
-              <a:t>7</a:t>
-            </a:r>
-            <a:r>
-              <a:rPr lang="en-US" altLang="zh-CN"/>
-              <a:t>- </a:t>
+              <a:rPr lang="en-US" altLang="zh-CN" dirty="0" smtClean="0"/>
+              <a:t>Slide 10- </a:t>
             </a:r>
             <a:fld id="{DBC1BB46-FF55-4710-A752-60B732C17BC1}" type="slidenum">
-              <a:rPr lang="en-US" altLang="zh-CN"/>
+              <a:rPr lang="en-US" altLang="zh-CN" smtClean="0"/>
               <a:pPr/>
               <a:t>27</a:t>
             </a:fld>
-            <a:endParaRPr lang="en-CA" altLang="zh-CN">
+            <a:endParaRPr lang="en-CA" altLang="zh-CN" dirty="0">
               <a:ea typeface="宋体" panose="02010600030101010101" pitchFamily="2" charset="-122"/>
             </a:endParaRPr>
           </a:p>
@@ -11620,25 +11340,15 @@
           <a:lstStyle/>
           <a:p>
             <a:r>
-              <a:rPr lang="en-US" altLang="zh-CN"/>
-              <a:t>Slide </a:t>
-            </a:r>
-            <a:r>
-              <a:rPr lang="en-US" altLang="zh-CN">
-                <a:ea typeface="宋体" panose="02010600030101010101" pitchFamily="2" charset="-122"/>
-              </a:rPr>
-              <a:t>7</a:t>
-            </a:r>
-            <a:r>
-              <a:rPr lang="en-US" altLang="zh-CN"/>
-              <a:t>- </a:t>
+              <a:rPr lang="en-US" altLang="zh-CN" dirty="0" smtClean="0"/>
+              <a:t>Slide 10- </a:t>
             </a:r>
             <a:fld id="{C4C10697-EB26-40F8-8454-659F586D3D7A}" type="slidenum">
-              <a:rPr lang="en-US" altLang="zh-CN"/>
+              <a:rPr lang="en-US" altLang="zh-CN" smtClean="0"/>
               <a:pPr/>
               <a:t>28</a:t>
             </a:fld>
-            <a:endParaRPr lang="en-CA" altLang="zh-CN">
+            <a:endParaRPr lang="en-CA" altLang="zh-CN" dirty="0">
               <a:ea typeface="宋体" panose="02010600030101010101" pitchFamily="2" charset="-122"/>
             </a:endParaRPr>
           </a:p>
@@ -11815,25 +11525,15 @@
           <a:lstStyle/>
           <a:p>
             <a:r>
-              <a:rPr lang="en-US" altLang="zh-CN"/>
-              <a:t>Slide </a:t>
-            </a:r>
-            <a:r>
-              <a:rPr lang="en-US" altLang="zh-CN">
-                <a:ea typeface="宋体" panose="02010600030101010101" pitchFamily="2" charset="-122"/>
-              </a:rPr>
-              <a:t>7</a:t>
-            </a:r>
-            <a:r>
-              <a:rPr lang="en-US" altLang="zh-CN"/>
-              <a:t>- </a:t>
+              <a:rPr lang="en-US" altLang="zh-CN" dirty="0" smtClean="0"/>
+              <a:t>Slide 10- </a:t>
             </a:r>
             <a:fld id="{9D38DFE5-D1F6-4BD5-9197-C5F3219C81AF}" type="slidenum">
-              <a:rPr lang="en-US" altLang="zh-CN"/>
+              <a:rPr lang="en-US" altLang="zh-CN" smtClean="0"/>
               <a:pPr/>
               <a:t>29</a:t>
             </a:fld>
-            <a:endParaRPr lang="en-CA" altLang="zh-CN">
+            <a:endParaRPr lang="en-CA" altLang="zh-CN" dirty="0">
               <a:ea typeface="宋体" panose="02010600030101010101" pitchFamily="2" charset="-122"/>
             </a:endParaRPr>
           </a:p>
@@ -12443,25 +12143,15 @@
           <a:lstStyle/>
           <a:p>
             <a:r>
-              <a:rPr lang="en-US" altLang="zh-CN"/>
-              <a:t>Slide </a:t>
-            </a:r>
-            <a:r>
-              <a:rPr lang="en-US" altLang="zh-CN">
-                <a:ea typeface="宋体" panose="02010600030101010101" pitchFamily="2" charset="-122"/>
-              </a:rPr>
-              <a:t>7</a:t>
-            </a:r>
-            <a:r>
-              <a:rPr lang="en-US" altLang="zh-CN"/>
-              <a:t>- </a:t>
+              <a:rPr lang="en-US" altLang="zh-CN" dirty="0" smtClean="0"/>
+              <a:t>Slide 10- </a:t>
             </a:r>
             <a:fld id="{360255E5-7D97-4677-840F-D949404077EC}" type="slidenum">
-              <a:rPr lang="en-US" altLang="zh-CN"/>
+              <a:rPr lang="en-US" altLang="zh-CN" smtClean="0"/>
               <a:pPr/>
               <a:t>30</a:t>
             </a:fld>
-            <a:endParaRPr lang="en-CA" altLang="zh-CN">
+            <a:endParaRPr lang="en-CA" altLang="zh-CN" dirty="0">
               <a:ea typeface="宋体" panose="02010600030101010101" pitchFamily="2" charset="-122"/>
             </a:endParaRPr>
           </a:p>
@@ -13168,25 +12858,15 @@
           <a:lstStyle/>
           <a:p>
             <a:r>
-              <a:rPr lang="en-US" altLang="zh-CN" smtClean="0"/>
-              <a:t>Slide </a:t>
-            </a:r>
-            <a:r>
-              <a:rPr lang="en-US" altLang="zh-CN" smtClean="0">
-                <a:ea typeface="宋体" panose="02010600030101010101" pitchFamily="2" charset="-122"/>
-              </a:rPr>
-              <a:t>7</a:t>
-            </a:r>
-            <a:r>
-              <a:rPr lang="en-US" altLang="zh-CN" smtClean="0"/>
-              <a:t>- </a:t>
+              <a:rPr lang="en-US" altLang="zh-CN" dirty="0" smtClean="0"/>
+              <a:t>Slide 10- </a:t>
             </a:r>
             <a:fld id="{FA56F4C1-121C-45D7-B65B-0E767F5B5E69}" type="slidenum">
               <a:rPr lang="en-US" altLang="zh-CN" smtClean="0"/>
               <a:pPr/>
               <a:t>31</a:t>
             </a:fld>
-            <a:endParaRPr lang="en-CA" altLang="zh-CN">
+            <a:endParaRPr lang="en-CA" altLang="zh-CN" dirty="0">
               <a:ea typeface="宋体" panose="02010600030101010101" pitchFamily="2" charset="-122"/>
             </a:endParaRPr>
           </a:p>
@@ -13239,25 +12919,15 @@
           <a:lstStyle/>
           <a:p>
             <a:r>
-              <a:rPr lang="en-US" altLang="zh-CN"/>
-              <a:t>Slide </a:t>
-            </a:r>
-            <a:r>
-              <a:rPr lang="en-US" altLang="zh-CN">
-                <a:ea typeface="宋体" panose="02010600030101010101" pitchFamily="2" charset="-122"/>
-              </a:rPr>
-              <a:t>7</a:t>
-            </a:r>
-            <a:r>
-              <a:rPr lang="en-US" altLang="zh-CN"/>
-              <a:t>- </a:t>
+              <a:rPr lang="en-US" altLang="zh-CN" dirty="0" smtClean="0"/>
+              <a:t>Slide 10- </a:t>
             </a:r>
             <a:fld id="{AE82BA9C-BD2E-43CF-BBC9-F384A6D60BB7}" type="slidenum">
-              <a:rPr lang="en-US" altLang="zh-CN"/>
+              <a:rPr lang="en-US" altLang="zh-CN" smtClean="0"/>
               <a:pPr/>
               <a:t>32</a:t>
             </a:fld>
-            <a:endParaRPr lang="en-CA" altLang="zh-CN">
+            <a:endParaRPr lang="en-CA" altLang="zh-CN" dirty="0">
               <a:ea typeface="宋体" panose="02010600030101010101" pitchFamily="2" charset="-122"/>
             </a:endParaRPr>
           </a:p>
@@ -13368,25 +13038,15 @@
           <a:lstStyle/>
           <a:p>
             <a:r>
-              <a:rPr lang="en-US" altLang="zh-CN"/>
-              <a:t>Slide </a:t>
-            </a:r>
-            <a:r>
-              <a:rPr lang="en-US" altLang="zh-CN">
-                <a:ea typeface="宋体" panose="02010600030101010101" pitchFamily="2" charset="-122"/>
-              </a:rPr>
-              <a:t>7</a:t>
-            </a:r>
-            <a:r>
-              <a:rPr lang="en-US" altLang="zh-CN"/>
-              <a:t>- </a:t>
+              <a:rPr lang="en-US" altLang="zh-CN" dirty="0" smtClean="0"/>
+              <a:t>Slide 10- </a:t>
             </a:r>
             <a:fld id="{57C4228F-8F5C-4CAC-8F29-56621E7C21CE}" type="slidenum">
-              <a:rPr lang="en-US" altLang="zh-CN"/>
+              <a:rPr lang="en-US" altLang="zh-CN" smtClean="0"/>
               <a:pPr/>
               <a:t>33</a:t>
             </a:fld>
-            <a:endParaRPr lang="en-CA" altLang="zh-CN">
+            <a:endParaRPr lang="en-CA" altLang="zh-CN" dirty="0">
               <a:ea typeface="宋体" panose="02010600030101010101" pitchFamily="2" charset="-122"/>
             </a:endParaRPr>
           </a:p>
@@ -13632,25 +13292,15 @@
           <a:lstStyle/>
           <a:p>
             <a:r>
-              <a:rPr lang="en-US" altLang="zh-CN"/>
-              <a:t>Slide </a:t>
-            </a:r>
-            <a:r>
-              <a:rPr lang="en-US" altLang="zh-CN">
-                <a:ea typeface="宋体" panose="02010600030101010101" pitchFamily="2" charset="-122"/>
-              </a:rPr>
-              <a:t>7</a:t>
-            </a:r>
-            <a:r>
-              <a:rPr lang="en-US" altLang="zh-CN"/>
-              <a:t>- </a:t>
+              <a:rPr lang="en-US" altLang="zh-CN" dirty="0" smtClean="0"/>
+              <a:t>Slide 10- </a:t>
             </a:r>
             <a:fld id="{748C4D13-A982-4476-959A-66E73CCE9D9B}" type="slidenum">
-              <a:rPr lang="en-US" altLang="zh-CN"/>
+              <a:rPr lang="en-US" altLang="zh-CN" smtClean="0"/>
               <a:pPr/>
               <a:t>34</a:t>
             </a:fld>
-            <a:endParaRPr lang="en-CA" altLang="zh-CN">
+            <a:endParaRPr lang="en-CA" altLang="zh-CN" dirty="0">
               <a:ea typeface="宋体" panose="02010600030101010101" pitchFamily="2" charset="-122"/>
             </a:endParaRPr>
           </a:p>
@@ -13785,25 +13435,15 @@
           <a:lstStyle/>
           <a:p>
             <a:r>
-              <a:rPr lang="en-US" altLang="zh-CN"/>
-              <a:t>Slide </a:t>
-            </a:r>
-            <a:r>
-              <a:rPr lang="en-US" altLang="zh-CN">
-                <a:ea typeface="宋体" panose="02010600030101010101" pitchFamily="2" charset="-122"/>
-              </a:rPr>
-              <a:t>7</a:t>
-            </a:r>
-            <a:r>
-              <a:rPr lang="en-US" altLang="zh-CN"/>
-              <a:t>- </a:t>
+              <a:rPr lang="en-US" altLang="zh-CN" dirty="0" smtClean="0"/>
+              <a:t>Slide 10- </a:t>
             </a:r>
             <a:fld id="{F9713754-1E35-466A-890F-3CF44DAC9EBE}" type="slidenum">
-              <a:rPr lang="en-US" altLang="zh-CN"/>
+              <a:rPr lang="en-US" altLang="zh-CN" smtClean="0"/>
               <a:pPr/>
               <a:t>35</a:t>
             </a:fld>
-            <a:endParaRPr lang="en-CA" altLang="zh-CN">
+            <a:endParaRPr lang="en-CA" altLang="zh-CN" dirty="0">
               <a:ea typeface="宋体" panose="02010600030101010101" pitchFamily="2" charset="-122"/>
             </a:endParaRPr>
           </a:p>
@@ -13956,25 +13596,15 @@
           <a:lstStyle/>
           <a:p>
             <a:r>
-              <a:rPr lang="en-US" altLang="zh-CN"/>
-              <a:t>Slide </a:t>
-            </a:r>
-            <a:r>
-              <a:rPr lang="en-US" altLang="zh-CN">
-                <a:ea typeface="宋体" panose="02010600030101010101" pitchFamily="2" charset="-122"/>
-              </a:rPr>
-              <a:t>7</a:t>
-            </a:r>
-            <a:r>
-              <a:rPr lang="en-US" altLang="zh-CN"/>
-              <a:t>- </a:t>
+              <a:rPr lang="en-US" altLang="zh-CN" dirty="0" smtClean="0"/>
+              <a:t>Slide 10- </a:t>
             </a:r>
             <a:fld id="{14F9AA10-7F68-47C7-9E18-69C1B072E562}" type="slidenum">
-              <a:rPr lang="en-US" altLang="zh-CN"/>
+              <a:rPr lang="en-US" altLang="zh-CN" smtClean="0"/>
               <a:pPr/>
               <a:t>36</a:t>
             </a:fld>
-            <a:endParaRPr lang="en-CA" altLang="zh-CN">
+            <a:endParaRPr lang="en-CA" altLang="zh-CN" dirty="0">
               <a:ea typeface="宋体" panose="02010600030101010101" pitchFamily="2" charset="-122"/>
             </a:endParaRPr>
           </a:p>
@@ -14122,25 +13752,15 @@
           <a:lstStyle/>
           <a:p>
             <a:r>
-              <a:rPr lang="en-US" altLang="zh-CN"/>
-              <a:t>Slide </a:t>
-            </a:r>
-            <a:r>
-              <a:rPr lang="en-US" altLang="zh-CN">
-                <a:ea typeface="宋体" panose="02010600030101010101" pitchFamily="2" charset="-122"/>
-              </a:rPr>
-              <a:t>7</a:t>
-            </a:r>
-            <a:r>
-              <a:rPr lang="en-US" altLang="zh-CN"/>
-              <a:t>- </a:t>
+              <a:rPr lang="en-US" altLang="zh-CN" dirty="0" smtClean="0"/>
+              <a:t>Slide 10- </a:t>
             </a:r>
             <a:fld id="{F615F484-89A7-4E8C-A7B8-969B6D5B651A}" type="slidenum">
-              <a:rPr lang="en-US" altLang="zh-CN"/>
+              <a:rPr lang="en-US" altLang="zh-CN" smtClean="0"/>
               <a:pPr/>
               <a:t>37</a:t>
             </a:fld>
-            <a:endParaRPr lang="en-CA" altLang="zh-CN">
+            <a:endParaRPr lang="en-CA" altLang="zh-CN" dirty="0">
               <a:ea typeface="宋体" panose="02010600030101010101" pitchFamily="2" charset="-122"/>
             </a:endParaRPr>
           </a:p>
@@ -14510,25 +14130,15 @@
           <a:lstStyle/>
           <a:p>
             <a:r>
-              <a:rPr lang="en-US" altLang="zh-CN"/>
-              <a:t>Slide </a:t>
-            </a:r>
-            <a:r>
-              <a:rPr lang="en-US" altLang="zh-CN">
-                <a:ea typeface="宋体" panose="02010600030101010101" pitchFamily="2" charset="-122"/>
-              </a:rPr>
-              <a:t>7</a:t>
-            </a:r>
-            <a:r>
-              <a:rPr lang="en-US" altLang="zh-CN"/>
-              <a:t>- </a:t>
+              <a:rPr lang="en-US" altLang="zh-CN" dirty="0" smtClean="0"/>
+              <a:t>Slide 10- </a:t>
             </a:r>
             <a:fld id="{AEC109F8-7D0F-487F-BBE2-DBF8E6575CF3}" type="slidenum">
-              <a:rPr lang="en-US" altLang="zh-CN"/>
+              <a:rPr lang="en-US" altLang="zh-CN" smtClean="0"/>
               <a:pPr/>
               <a:t>38</a:t>
             </a:fld>
-            <a:endParaRPr lang="en-CA" altLang="zh-CN">
+            <a:endParaRPr lang="en-CA" altLang="zh-CN" dirty="0">
               <a:ea typeface="宋体" panose="02010600030101010101" pitchFamily="2" charset="-122"/>
             </a:endParaRPr>
           </a:p>
@@ -14691,25 +14301,15 @@
           <a:lstStyle/>
           <a:p>
             <a:r>
-              <a:rPr lang="en-US" altLang="zh-CN"/>
-              <a:t>Slide </a:t>
-            </a:r>
-            <a:r>
-              <a:rPr lang="en-US" altLang="zh-CN">
-                <a:ea typeface="宋体" panose="02010600030101010101" pitchFamily="2" charset="-122"/>
-              </a:rPr>
-              <a:t>7</a:t>
-            </a:r>
-            <a:r>
-              <a:rPr lang="en-US" altLang="zh-CN"/>
-              <a:t>- </a:t>
+              <a:rPr lang="en-US" altLang="zh-CN" dirty="0" smtClean="0"/>
+              <a:t>Slide 10- </a:t>
             </a:r>
             <a:fld id="{152D6DFC-8110-4D8F-96D6-905122C8FEF5}" type="slidenum">
-              <a:rPr lang="en-US" altLang="zh-CN"/>
+              <a:rPr lang="en-US" altLang="zh-CN" smtClean="0"/>
               <a:pPr/>
               <a:t>39</a:t>
             </a:fld>
-            <a:endParaRPr lang="en-CA" altLang="zh-CN">
+            <a:endParaRPr lang="en-CA" altLang="zh-CN" dirty="0">
               <a:ea typeface="宋体" panose="02010600030101010101" pitchFamily="2" charset="-122"/>
             </a:endParaRPr>
           </a:p>
@@ -15264,25 +14864,15 @@
           <a:lstStyle/>
           <a:p>
             <a:r>
-              <a:rPr lang="en-US" altLang="zh-CN"/>
-              <a:t>Slide </a:t>
-            </a:r>
-            <a:r>
-              <a:rPr lang="en-US" altLang="zh-CN">
-                <a:ea typeface="宋体" panose="02010600030101010101" pitchFamily="2" charset="-122"/>
-              </a:rPr>
-              <a:t>7</a:t>
-            </a:r>
-            <a:r>
-              <a:rPr lang="en-US" altLang="zh-CN"/>
-              <a:t>- </a:t>
+              <a:rPr lang="en-US" altLang="zh-CN" dirty="0" smtClean="0"/>
+              <a:t>Slide 10- </a:t>
             </a:r>
             <a:fld id="{95E963D3-8764-4F99-9F90-AF683C19A05B}" type="slidenum">
-              <a:rPr lang="en-US" altLang="zh-CN"/>
+              <a:rPr lang="en-US" altLang="zh-CN" smtClean="0"/>
               <a:pPr/>
               <a:t>4</a:t>
             </a:fld>
-            <a:endParaRPr lang="en-CA" altLang="zh-CN">
+            <a:endParaRPr lang="en-CA" altLang="zh-CN" dirty="0">
               <a:ea typeface="宋体" panose="02010600030101010101" pitchFamily="2" charset="-122"/>
             </a:endParaRPr>
           </a:p>
@@ -15498,25 +15088,15 @@
           <a:lstStyle/>
           <a:p>
             <a:r>
-              <a:rPr lang="en-US" altLang="zh-CN"/>
-              <a:t>Slide </a:t>
-            </a:r>
-            <a:r>
-              <a:rPr lang="en-US" altLang="zh-CN">
-                <a:ea typeface="宋体" panose="02010600030101010101" pitchFamily="2" charset="-122"/>
-              </a:rPr>
-              <a:t>7</a:t>
-            </a:r>
-            <a:r>
-              <a:rPr lang="en-US" altLang="zh-CN"/>
-              <a:t>- </a:t>
+              <a:rPr lang="en-US" altLang="zh-CN" dirty="0" smtClean="0"/>
+              <a:t>Slide 10- </a:t>
             </a:r>
             <a:fld id="{08BBDAFB-273C-4C61-8C91-3131F2E423D5}" type="slidenum">
-              <a:rPr lang="en-US" altLang="zh-CN"/>
+              <a:rPr lang="en-US" altLang="zh-CN" smtClean="0"/>
               <a:pPr/>
               <a:t>40</a:t>
             </a:fld>
-            <a:endParaRPr lang="en-CA" altLang="zh-CN">
+            <a:endParaRPr lang="en-CA" altLang="zh-CN" dirty="0">
               <a:ea typeface="宋体" panose="02010600030101010101" pitchFamily="2" charset="-122"/>
             </a:endParaRPr>
           </a:p>
@@ -15731,25 +15311,15 @@
           <a:lstStyle/>
           <a:p>
             <a:r>
-              <a:rPr lang="en-US" altLang="zh-CN"/>
-              <a:t>Slide </a:t>
-            </a:r>
-            <a:r>
-              <a:rPr lang="en-US" altLang="zh-CN">
-                <a:ea typeface="宋体" panose="02010600030101010101" pitchFamily="2" charset="-122"/>
-              </a:rPr>
-              <a:t>7</a:t>
-            </a:r>
-            <a:r>
-              <a:rPr lang="en-US" altLang="zh-CN"/>
-              <a:t>- </a:t>
+              <a:rPr lang="en-US" altLang="zh-CN" dirty="0" smtClean="0"/>
+              <a:t>Slide 10- </a:t>
             </a:r>
             <a:fld id="{90C2A19E-253E-46B3-ACBC-397357ACB908}" type="slidenum">
-              <a:rPr lang="en-US" altLang="zh-CN"/>
+              <a:rPr lang="en-US" altLang="zh-CN" smtClean="0"/>
               <a:pPr/>
               <a:t>41</a:t>
             </a:fld>
-            <a:endParaRPr lang="en-CA" altLang="zh-CN">
+            <a:endParaRPr lang="en-CA" altLang="zh-CN" dirty="0">
               <a:ea typeface="宋体" panose="02010600030101010101" pitchFamily="2" charset="-122"/>
             </a:endParaRPr>
           </a:p>
@@ -16076,25 +15646,15 @@
           <a:lstStyle/>
           <a:p>
             <a:r>
-              <a:rPr lang="en-US" altLang="zh-CN"/>
-              <a:t>Slide </a:t>
-            </a:r>
-            <a:r>
-              <a:rPr lang="en-US" altLang="zh-CN">
-                <a:ea typeface="宋体" panose="02010600030101010101" pitchFamily="2" charset="-122"/>
-              </a:rPr>
-              <a:t>7</a:t>
-            </a:r>
-            <a:r>
-              <a:rPr lang="en-US" altLang="zh-CN"/>
-              <a:t>- </a:t>
+              <a:rPr lang="en-US" altLang="zh-CN" dirty="0" smtClean="0"/>
+              <a:t>Slide 10- </a:t>
             </a:r>
             <a:fld id="{F15104B6-4771-4C54-AEA1-6FC3E9B5C1FD}" type="slidenum">
-              <a:rPr lang="en-US" altLang="zh-CN"/>
+              <a:rPr lang="en-US" altLang="zh-CN" smtClean="0"/>
               <a:pPr/>
               <a:t>42</a:t>
             </a:fld>
-            <a:endParaRPr lang="en-CA" altLang="zh-CN">
+            <a:endParaRPr lang="en-CA" altLang="zh-CN" dirty="0">
               <a:ea typeface="宋体" panose="02010600030101010101" pitchFamily="2" charset="-122"/>
             </a:endParaRPr>
           </a:p>
@@ -16346,25 +15906,15 @@
           <a:lstStyle/>
           <a:p>
             <a:r>
-              <a:rPr lang="en-US" altLang="zh-CN"/>
-              <a:t>Slide </a:t>
-            </a:r>
-            <a:r>
-              <a:rPr lang="en-US" altLang="zh-CN">
-                <a:ea typeface="宋体" panose="02010600030101010101" pitchFamily="2" charset="-122"/>
-              </a:rPr>
-              <a:t>7</a:t>
-            </a:r>
-            <a:r>
-              <a:rPr lang="en-US" altLang="zh-CN"/>
-              <a:t>- </a:t>
+              <a:rPr lang="en-US" altLang="zh-CN" dirty="0" smtClean="0"/>
+              <a:t>Slide 10- </a:t>
             </a:r>
             <a:fld id="{034F5E4C-EFB8-4B63-8FBF-E47763AB1DFE}" type="slidenum">
-              <a:rPr lang="en-US" altLang="zh-CN"/>
+              <a:rPr lang="en-US" altLang="zh-CN" smtClean="0"/>
               <a:pPr/>
               <a:t>43</a:t>
             </a:fld>
-            <a:endParaRPr lang="en-CA" altLang="zh-CN">
+            <a:endParaRPr lang="en-CA" altLang="zh-CN" dirty="0">
               <a:ea typeface="宋体" panose="02010600030101010101" pitchFamily="2" charset="-122"/>
             </a:endParaRPr>
           </a:p>
@@ -16626,25 +16176,15 @@
           <a:lstStyle/>
           <a:p>
             <a:r>
-              <a:rPr lang="en-US" altLang="zh-CN"/>
-              <a:t>Slide </a:t>
-            </a:r>
-            <a:r>
-              <a:rPr lang="en-US" altLang="zh-CN">
-                <a:ea typeface="宋体" panose="02010600030101010101" pitchFamily="2" charset="-122"/>
-              </a:rPr>
-              <a:t>7</a:t>
-            </a:r>
-            <a:r>
-              <a:rPr lang="en-US" altLang="zh-CN"/>
-              <a:t>- </a:t>
+              <a:rPr lang="en-US" altLang="zh-CN" dirty="0" smtClean="0"/>
+              <a:t>Slide 10- </a:t>
             </a:r>
             <a:fld id="{ECFB1171-6656-4833-90B0-F2ED5C6B21D6}" type="slidenum">
-              <a:rPr lang="en-US" altLang="zh-CN"/>
+              <a:rPr lang="en-US" altLang="zh-CN" smtClean="0"/>
               <a:pPr/>
               <a:t>44</a:t>
             </a:fld>
-            <a:endParaRPr lang="en-CA" altLang="zh-CN">
+            <a:endParaRPr lang="en-CA" altLang="zh-CN" dirty="0">
               <a:ea typeface="宋体" panose="02010600030101010101" pitchFamily="2" charset="-122"/>
             </a:endParaRPr>
           </a:p>
@@ -17498,25 +17038,15 @@
           <a:lstStyle/>
           <a:p>
             <a:r>
-              <a:rPr lang="en-US" altLang="zh-CN"/>
-              <a:t>Slide </a:t>
-            </a:r>
-            <a:r>
-              <a:rPr lang="en-US" altLang="zh-CN">
-                <a:ea typeface="宋体" panose="02010600030101010101" pitchFamily="2" charset="-122"/>
-              </a:rPr>
-              <a:t>7</a:t>
-            </a:r>
-            <a:r>
-              <a:rPr lang="en-US" altLang="zh-CN"/>
-              <a:t>- </a:t>
+              <a:rPr lang="en-US" altLang="zh-CN" dirty="0" smtClean="0"/>
+              <a:t>Slide 10- </a:t>
             </a:r>
             <a:fld id="{5E084E63-D5E0-48C8-AE6C-CCFFA1FFB7ED}" type="slidenum">
-              <a:rPr lang="en-US" altLang="zh-CN"/>
+              <a:rPr lang="en-US" altLang="zh-CN" smtClean="0"/>
               <a:pPr/>
               <a:t>45</a:t>
             </a:fld>
-            <a:endParaRPr lang="en-CA" altLang="zh-CN">
+            <a:endParaRPr lang="en-CA" altLang="zh-CN" dirty="0">
               <a:ea typeface="宋体" panose="02010600030101010101" pitchFamily="2" charset="-122"/>
             </a:endParaRPr>
           </a:p>
@@ -17655,25 +17185,15 @@
           <a:lstStyle/>
           <a:p>
             <a:r>
-              <a:rPr lang="en-US" altLang="zh-CN"/>
-              <a:t>Slide </a:t>
-            </a:r>
-            <a:r>
-              <a:rPr lang="en-US" altLang="zh-CN">
-                <a:ea typeface="宋体" panose="02010600030101010101" pitchFamily="2" charset="-122"/>
-              </a:rPr>
-              <a:t>7</a:t>
-            </a:r>
-            <a:r>
-              <a:rPr lang="en-US" altLang="zh-CN"/>
-              <a:t>- </a:t>
+              <a:rPr lang="en-US" altLang="zh-CN" dirty="0" smtClean="0"/>
+              <a:t>Slide 10- </a:t>
             </a:r>
             <a:fld id="{B6B6E3A6-C4D5-468C-9ABA-2A974D37ADA2}" type="slidenum">
-              <a:rPr lang="en-US" altLang="zh-CN"/>
+              <a:rPr lang="en-US" altLang="zh-CN" smtClean="0"/>
               <a:pPr/>
               <a:t>46</a:t>
             </a:fld>
-            <a:endParaRPr lang="en-CA" altLang="zh-CN">
+            <a:endParaRPr lang="en-CA" altLang="zh-CN" dirty="0">
               <a:ea typeface="宋体" panose="02010600030101010101" pitchFamily="2" charset="-122"/>
             </a:endParaRPr>
           </a:p>
@@ -17927,25 +17447,15 @@
           <a:lstStyle/>
           <a:p>
             <a:r>
-              <a:rPr lang="en-US" altLang="zh-CN"/>
-              <a:t>Slide </a:t>
-            </a:r>
-            <a:r>
-              <a:rPr lang="en-US" altLang="zh-CN">
-                <a:ea typeface="宋体" panose="02010600030101010101" pitchFamily="2" charset="-122"/>
-              </a:rPr>
-              <a:t>7</a:t>
-            </a:r>
-            <a:r>
-              <a:rPr lang="en-US" altLang="zh-CN"/>
-              <a:t>- </a:t>
+              <a:rPr lang="en-US" altLang="zh-CN" dirty="0" smtClean="0"/>
+              <a:t>Slide 10- </a:t>
             </a:r>
             <a:fld id="{583C0D5E-BDD5-4700-887C-1A3232E9AD00}" type="slidenum">
-              <a:rPr lang="en-US" altLang="zh-CN"/>
+              <a:rPr lang="en-US" altLang="zh-CN" smtClean="0"/>
               <a:pPr/>
               <a:t>47</a:t>
             </a:fld>
-            <a:endParaRPr lang="en-CA" altLang="zh-CN">
+            <a:endParaRPr lang="en-CA" altLang="zh-CN" dirty="0">
               <a:ea typeface="宋体" panose="02010600030101010101" pitchFamily="2" charset="-122"/>
             </a:endParaRPr>
           </a:p>
@@ -18218,25 +17728,15 @@
           <a:lstStyle/>
           <a:p>
             <a:r>
-              <a:rPr lang="en-US" altLang="zh-CN" smtClean="0"/>
-              <a:t>Slide </a:t>
-            </a:r>
-            <a:r>
-              <a:rPr lang="en-US" altLang="zh-CN" smtClean="0">
-                <a:ea typeface="宋体" panose="02010600030101010101" pitchFamily="2" charset="-122"/>
-              </a:rPr>
-              <a:t>7</a:t>
-            </a:r>
-            <a:r>
-              <a:rPr lang="en-US" altLang="zh-CN" smtClean="0"/>
-              <a:t>- </a:t>
+              <a:rPr lang="en-US" altLang="zh-CN" dirty="0" smtClean="0"/>
+              <a:t>Slide 10- </a:t>
             </a:r>
             <a:fld id="{FA56F4C1-121C-45D7-B65B-0E767F5B5E69}" type="slidenum">
               <a:rPr lang="en-US" altLang="zh-CN" smtClean="0"/>
               <a:pPr/>
               <a:t>48</a:t>
             </a:fld>
-            <a:endParaRPr lang="en-CA" altLang="zh-CN">
+            <a:endParaRPr lang="en-CA" altLang="zh-CN" dirty="0">
               <a:ea typeface="宋体" panose="02010600030101010101" pitchFamily="2" charset="-122"/>
             </a:endParaRPr>
           </a:p>
@@ -18810,25 +18310,15 @@
           <a:lstStyle/>
           <a:p>
             <a:r>
-              <a:rPr lang="en-US" altLang="zh-CN" smtClean="0"/>
-              <a:t>Slide </a:t>
-            </a:r>
-            <a:r>
-              <a:rPr lang="en-US" altLang="zh-CN" smtClean="0">
-                <a:ea typeface="宋体" panose="02010600030101010101" pitchFamily="2" charset="-122"/>
-              </a:rPr>
-              <a:t>7</a:t>
-            </a:r>
-            <a:r>
-              <a:rPr lang="en-US" altLang="zh-CN" smtClean="0"/>
-              <a:t>- </a:t>
+              <a:rPr lang="en-US" altLang="zh-CN" dirty="0" smtClean="0"/>
+              <a:t>Slide 10- </a:t>
             </a:r>
             <a:fld id="{FA56F4C1-121C-45D7-B65B-0E767F5B5E69}" type="slidenum">
               <a:rPr lang="en-US" altLang="zh-CN" smtClean="0"/>
               <a:pPr/>
               <a:t>49</a:t>
             </a:fld>
-            <a:endParaRPr lang="en-CA" altLang="zh-CN">
+            <a:endParaRPr lang="en-CA" altLang="zh-CN" dirty="0">
               <a:ea typeface="宋体" panose="02010600030101010101" pitchFamily="2" charset="-122"/>
             </a:endParaRPr>
           </a:p>
@@ -18963,25 +18453,15 @@
           <a:lstStyle/>
           <a:p>
             <a:r>
-              <a:rPr lang="en-US" altLang="zh-CN"/>
-              <a:t>Slide </a:t>
-            </a:r>
-            <a:r>
-              <a:rPr lang="en-US" altLang="zh-CN">
-                <a:ea typeface="宋体" panose="02010600030101010101" pitchFamily="2" charset="-122"/>
-              </a:rPr>
-              <a:t>7</a:t>
-            </a:r>
-            <a:r>
-              <a:rPr lang="en-US" altLang="zh-CN"/>
-              <a:t>- </a:t>
+              <a:rPr lang="en-US" altLang="zh-CN" dirty="0" smtClean="0"/>
+              <a:t>Slide 10- </a:t>
             </a:r>
             <a:fld id="{A3303BA0-CF77-457C-BF1F-A441B9E3F855}" type="slidenum">
-              <a:rPr lang="en-US" altLang="zh-CN"/>
+              <a:rPr lang="en-US" altLang="zh-CN" smtClean="0"/>
               <a:pPr/>
               <a:t>50</a:t>
             </a:fld>
-            <a:endParaRPr lang="en-CA" altLang="zh-CN">
+            <a:endParaRPr lang="en-CA" altLang="zh-CN" dirty="0">
               <a:ea typeface="宋体" panose="02010600030101010101" pitchFamily="2" charset="-122"/>
             </a:endParaRPr>
           </a:p>
@@ -19370,17 +18850,7 @@
           <a:p>
             <a:r>
               <a:rPr lang="en-US" altLang="zh-CN" dirty="0" smtClean="0"/>
-              <a:t>Slide </a:t>
-            </a:r>
-            <a:r>
-              <a:rPr lang="en-US" altLang="zh-CN" dirty="0" smtClean="0">
-                <a:ea typeface="宋体" panose="02010600030101010101" pitchFamily="2" charset="-122"/>
-              </a:rPr>
-              <a:t>7</a:t>
-            </a:r>
-            <a:r>
-              <a:rPr lang="en-US" altLang="zh-CN" dirty="0" smtClean="0"/>
-              <a:t>- </a:t>
+              <a:t>Slide 10- </a:t>
             </a:r>
             <a:fld id="{CA348B9E-704A-44E4-B418-517F24C81B07}" type="slidenum">
               <a:rPr lang="en-US" altLang="zh-CN" smtClean="0"/>
@@ -19757,25 +19227,15 @@
           <a:lstStyle/>
           <a:p>
             <a:r>
-              <a:rPr lang="en-US" altLang="zh-CN"/>
-              <a:t>Slide </a:t>
-            </a:r>
-            <a:r>
-              <a:rPr lang="en-US" altLang="zh-CN">
-                <a:ea typeface="宋体" panose="02010600030101010101" pitchFamily="2" charset="-122"/>
-              </a:rPr>
-              <a:t>7</a:t>
-            </a:r>
-            <a:r>
-              <a:rPr lang="en-US" altLang="zh-CN"/>
-              <a:t>- </a:t>
+              <a:rPr lang="en-US" altLang="zh-CN" dirty="0" smtClean="0"/>
+              <a:t>Slide 10- </a:t>
             </a:r>
             <a:fld id="{6352528A-E1E2-4D07-B48B-DEE1696D32ED}" type="slidenum">
-              <a:rPr lang="en-US" altLang="zh-CN"/>
+              <a:rPr lang="en-US" altLang="zh-CN" smtClean="0"/>
               <a:pPr/>
               <a:t>52</a:t>
             </a:fld>
-            <a:endParaRPr lang="en-CA" altLang="zh-CN">
+            <a:endParaRPr lang="en-CA" altLang="zh-CN" dirty="0">
               <a:ea typeface="宋体" panose="02010600030101010101" pitchFamily="2" charset="-122"/>
             </a:endParaRPr>
           </a:p>
@@ -20265,25 +19725,15 @@
           <a:lstStyle/>
           <a:p>
             <a:r>
-              <a:rPr lang="en-US" altLang="zh-CN"/>
-              <a:t>Slide </a:t>
-            </a:r>
-            <a:r>
-              <a:rPr lang="en-US" altLang="zh-CN">
-                <a:ea typeface="宋体" panose="02010600030101010101" pitchFamily="2" charset="-122"/>
-              </a:rPr>
-              <a:t>7</a:t>
-            </a:r>
-            <a:r>
-              <a:rPr lang="en-US" altLang="zh-CN"/>
-              <a:t>- </a:t>
+              <a:rPr lang="en-US" altLang="zh-CN" dirty="0" smtClean="0"/>
+              <a:t>Slide 10- </a:t>
             </a:r>
             <a:fld id="{38BEAB05-DC14-4D73-A070-0512E105E74D}" type="slidenum">
-              <a:rPr lang="en-US" altLang="zh-CN"/>
+              <a:rPr lang="en-US" altLang="zh-CN" smtClean="0"/>
               <a:pPr/>
               <a:t>53</a:t>
             </a:fld>
-            <a:endParaRPr lang="en-CA" altLang="zh-CN">
+            <a:endParaRPr lang="en-CA" altLang="zh-CN" dirty="0">
               <a:ea typeface="宋体" panose="02010600030101010101" pitchFamily="2" charset="-122"/>
             </a:endParaRPr>
           </a:p>
@@ -20525,25 +19975,15 @@
           <a:lstStyle/>
           <a:p>
             <a:r>
-              <a:rPr lang="en-US" altLang="zh-CN"/>
-              <a:t>Slide </a:t>
-            </a:r>
-            <a:r>
-              <a:rPr lang="en-US" altLang="zh-CN">
-                <a:ea typeface="宋体" panose="02010600030101010101" pitchFamily="2" charset="-122"/>
-              </a:rPr>
-              <a:t>7</a:t>
-            </a:r>
-            <a:r>
-              <a:rPr lang="en-US" altLang="zh-CN"/>
-              <a:t>- </a:t>
+              <a:rPr lang="en-US" altLang="zh-CN" dirty="0" smtClean="0"/>
+              <a:t>Slide 10- </a:t>
             </a:r>
             <a:fld id="{E1E63E90-6374-4A89-8662-D5B6475661D2}" type="slidenum">
-              <a:rPr lang="en-US" altLang="zh-CN"/>
+              <a:rPr lang="en-US" altLang="zh-CN" smtClean="0"/>
               <a:pPr/>
               <a:t>54</a:t>
             </a:fld>
-            <a:endParaRPr lang="en-CA" altLang="zh-CN">
+            <a:endParaRPr lang="en-CA" altLang="zh-CN" dirty="0">
               <a:ea typeface="宋体" panose="02010600030101010101" pitchFamily="2" charset="-122"/>
             </a:endParaRPr>
           </a:p>
@@ -20855,25 +20295,15 @@
           <a:lstStyle/>
           <a:p>
             <a:r>
-              <a:rPr lang="en-US" altLang="zh-CN"/>
-              <a:t>Slide </a:t>
-            </a:r>
-            <a:r>
-              <a:rPr lang="en-US" altLang="zh-CN">
-                <a:ea typeface="宋体" panose="02010600030101010101" pitchFamily="2" charset="-122"/>
-              </a:rPr>
-              <a:t>7</a:t>
-            </a:r>
-            <a:r>
-              <a:rPr lang="en-US" altLang="zh-CN"/>
-              <a:t>- </a:t>
+              <a:rPr lang="en-US" altLang="zh-CN" dirty="0" smtClean="0"/>
+              <a:t>Slide 10- </a:t>
             </a:r>
             <a:fld id="{9CB82B92-266E-4639-9B79-4D5D94E18CE1}" type="slidenum">
-              <a:rPr lang="en-US" altLang="zh-CN"/>
+              <a:rPr lang="en-US" altLang="zh-CN" smtClean="0"/>
               <a:pPr/>
               <a:t>55</a:t>
             </a:fld>
-            <a:endParaRPr lang="en-CA" altLang="zh-CN">
+            <a:endParaRPr lang="en-CA" altLang="zh-CN" dirty="0">
               <a:ea typeface="宋体" panose="02010600030101010101" pitchFamily="2" charset="-122"/>
             </a:endParaRPr>
           </a:p>
@@ -21184,25 +20614,15 @@
           <a:lstStyle/>
           <a:p>
             <a:r>
-              <a:rPr lang="en-US" altLang="zh-CN"/>
-              <a:t>Slide </a:t>
-            </a:r>
-            <a:r>
-              <a:rPr lang="en-US" altLang="zh-CN">
-                <a:ea typeface="宋体" panose="02010600030101010101" pitchFamily="2" charset="-122"/>
-              </a:rPr>
-              <a:t>7</a:t>
-            </a:r>
-            <a:r>
-              <a:rPr lang="en-US" altLang="zh-CN"/>
-              <a:t>- </a:t>
+              <a:rPr lang="en-US" altLang="zh-CN" dirty="0" smtClean="0"/>
+              <a:t>Slide 10- </a:t>
             </a:r>
             <a:fld id="{EA7B0F4F-9D6D-4AB5-9DD9-384B4698AC83}" type="slidenum">
-              <a:rPr lang="en-US" altLang="zh-CN"/>
+              <a:rPr lang="en-US" altLang="zh-CN" smtClean="0"/>
               <a:pPr/>
               <a:t>56</a:t>
             </a:fld>
-            <a:endParaRPr lang="en-CA" altLang="zh-CN">
+            <a:endParaRPr lang="en-CA" altLang="zh-CN" dirty="0">
               <a:ea typeface="宋体" panose="02010600030101010101" pitchFamily="2" charset="-122"/>
             </a:endParaRPr>
           </a:p>
@@ -21442,25 +20862,15 @@
           <a:lstStyle/>
           <a:p>
             <a:r>
-              <a:rPr lang="en-US" altLang="zh-CN"/>
-              <a:t>Slide </a:t>
-            </a:r>
-            <a:r>
-              <a:rPr lang="en-US" altLang="zh-CN">
-                <a:ea typeface="宋体" panose="02010600030101010101" pitchFamily="2" charset="-122"/>
-              </a:rPr>
-              <a:t>7</a:t>
-            </a:r>
-            <a:r>
-              <a:rPr lang="en-US" altLang="zh-CN"/>
-              <a:t>- </a:t>
+              <a:rPr lang="en-US" altLang="zh-CN" dirty="0" smtClean="0"/>
+              <a:t>Slide 10- </a:t>
             </a:r>
             <a:fld id="{7ECA35D4-BA6E-44D6-99A5-71270954BAB3}" type="slidenum">
-              <a:rPr lang="en-US" altLang="zh-CN"/>
+              <a:rPr lang="en-US" altLang="zh-CN" smtClean="0"/>
               <a:pPr/>
               <a:t>57</a:t>
             </a:fld>
-            <a:endParaRPr lang="en-CA" altLang="zh-CN">
+            <a:endParaRPr lang="en-CA" altLang="zh-CN" dirty="0">
               <a:ea typeface="宋体" panose="02010600030101010101" pitchFamily="2" charset="-122"/>
             </a:endParaRPr>
           </a:p>
@@ -22704,25 +22114,15 @@
           <a:lstStyle/>
           <a:p>
             <a:r>
-              <a:rPr lang="en-US" altLang="zh-CN"/>
-              <a:t>Slide </a:t>
-            </a:r>
-            <a:r>
-              <a:rPr lang="en-US" altLang="zh-CN">
-                <a:ea typeface="宋体" panose="02010600030101010101" pitchFamily="2" charset="-122"/>
-              </a:rPr>
-              <a:t>7</a:t>
-            </a:r>
-            <a:r>
-              <a:rPr lang="en-US" altLang="zh-CN"/>
-              <a:t>- </a:t>
+              <a:rPr lang="en-US" altLang="zh-CN" dirty="0" smtClean="0"/>
+              <a:t>Slide 10- </a:t>
             </a:r>
             <a:fld id="{6558E282-456F-4391-9914-393AF86C2201}" type="slidenum">
-              <a:rPr lang="en-US" altLang="zh-CN"/>
+              <a:rPr lang="en-US" altLang="zh-CN" smtClean="0"/>
               <a:pPr/>
               <a:t>58</a:t>
             </a:fld>
-            <a:endParaRPr lang="en-CA" altLang="zh-CN">
+            <a:endParaRPr lang="en-CA" altLang="zh-CN" dirty="0">
               <a:ea typeface="宋体" panose="02010600030101010101" pitchFamily="2" charset="-122"/>
             </a:endParaRPr>
           </a:p>
@@ -22993,25 +22393,15 @@
           <a:lstStyle/>
           <a:p>
             <a:r>
-              <a:rPr lang="en-US" altLang="zh-CN"/>
-              <a:t>Slide </a:t>
-            </a:r>
-            <a:r>
-              <a:rPr lang="en-US" altLang="zh-CN">
-                <a:ea typeface="宋体" panose="02010600030101010101" pitchFamily="2" charset="-122"/>
-              </a:rPr>
-              <a:t>7</a:t>
-            </a:r>
-            <a:r>
-              <a:rPr lang="en-US" altLang="zh-CN"/>
-              <a:t>- </a:t>
+              <a:rPr lang="en-US" altLang="zh-CN" dirty="0" smtClean="0"/>
+              <a:t>Slide 10- </a:t>
             </a:r>
             <a:fld id="{8A38F6F3-0F9E-447A-BF1E-432335CCA867}" type="slidenum">
-              <a:rPr lang="en-US" altLang="zh-CN"/>
+              <a:rPr lang="en-US" altLang="zh-CN" smtClean="0"/>
               <a:pPr/>
               <a:t>59</a:t>
             </a:fld>
-            <a:endParaRPr lang="en-CA" altLang="zh-CN">
+            <a:endParaRPr lang="en-CA" altLang="zh-CN" dirty="0">
               <a:ea typeface="宋体" panose="02010600030101010101" pitchFamily="2" charset="-122"/>
             </a:endParaRPr>
           </a:p>
@@ -23399,25 +22789,15 @@
           <a:lstStyle/>
           <a:p>
             <a:r>
-              <a:rPr lang="en-US" altLang="zh-CN"/>
-              <a:t>Slide </a:t>
-            </a:r>
-            <a:r>
-              <a:rPr lang="en-US" altLang="zh-CN">
-                <a:ea typeface="宋体" panose="02010600030101010101" pitchFamily="2" charset="-122"/>
-              </a:rPr>
-              <a:t>7</a:t>
-            </a:r>
-            <a:r>
-              <a:rPr lang="en-US" altLang="zh-CN"/>
-              <a:t>- </a:t>
+              <a:rPr lang="en-US" altLang="zh-CN" dirty="0" smtClean="0"/>
+              <a:t>Slide 10- </a:t>
             </a:r>
             <a:fld id="{1C529E20-DCE8-4CAD-8087-FC60EDEFB964}" type="slidenum">
-              <a:rPr lang="en-US" altLang="zh-CN"/>
+              <a:rPr lang="en-US" altLang="zh-CN" smtClean="0"/>
               <a:pPr/>
               <a:t>6</a:t>
             </a:fld>
-            <a:endParaRPr lang="en-CA" altLang="zh-CN">
+            <a:endParaRPr lang="en-CA" altLang="zh-CN" dirty="0">
               <a:ea typeface="宋体" panose="02010600030101010101" pitchFamily="2" charset="-122"/>
             </a:endParaRPr>
           </a:p>
@@ -23578,25 +22958,15 @@
           <a:lstStyle/>
           <a:p>
             <a:r>
-              <a:rPr lang="en-US" altLang="zh-CN"/>
-              <a:t>Slide </a:t>
-            </a:r>
-            <a:r>
-              <a:rPr lang="en-US" altLang="zh-CN">
-                <a:ea typeface="宋体" panose="02010600030101010101" pitchFamily="2" charset="-122"/>
-              </a:rPr>
-              <a:t>7</a:t>
-            </a:r>
-            <a:r>
-              <a:rPr lang="en-US" altLang="zh-CN"/>
-              <a:t>- </a:t>
+              <a:rPr lang="en-US" altLang="zh-CN" dirty="0" smtClean="0"/>
+              <a:t>Slide 10- </a:t>
             </a:r>
             <a:fld id="{39E2876E-FC08-4826-BC74-A424C53AC6BA}" type="slidenum">
-              <a:rPr lang="en-US" altLang="zh-CN"/>
+              <a:rPr lang="en-US" altLang="zh-CN" smtClean="0"/>
               <a:pPr/>
               <a:t>60</a:t>
             </a:fld>
-            <a:endParaRPr lang="en-CA" altLang="zh-CN">
+            <a:endParaRPr lang="en-CA" altLang="zh-CN" dirty="0">
               <a:ea typeface="宋体" panose="02010600030101010101" pitchFamily="2" charset="-122"/>
             </a:endParaRPr>
           </a:p>
@@ -23795,25 +23165,15 @@
           <a:lstStyle/>
           <a:p>
             <a:r>
-              <a:rPr lang="en-US" altLang="zh-CN" smtClean="0"/>
-              <a:t>Slide </a:t>
-            </a:r>
-            <a:r>
-              <a:rPr lang="en-US" altLang="zh-CN" smtClean="0">
-                <a:ea typeface="宋体" panose="02010600030101010101" pitchFamily="2" charset="-122"/>
-              </a:rPr>
-              <a:t>7</a:t>
-            </a:r>
-            <a:r>
-              <a:rPr lang="en-US" altLang="zh-CN" smtClean="0"/>
-              <a:t>- </a:t>
+              <a:rPr lang="en-US" altLang="zh-CN" dirty="0" smtClean="0"/>
+              <a:t>Slide 10- </a:t>
             </a:r>
             <a:fld id="{FA56F4C1-121C-45D7-B65B-0E767F5B5E69}" type="slidenum">
               <a:rPr lang="en-US" altLang="zh-CN" smtClean="0"/>
               <a:pPr/>
               <a:t>61</a:t>
             </a:fld>
-            <a:endParaRPr lang="en-CA" altLang="zh-CN">
+            <a:endParaRPr lang="en-CA" altLang="zh-CN" dirty="0">
               <a:ea typeface="宋体" panose="02010600030101010101" pitchFamily="2" charset="-122"/>
             </a:endParaRPr>
           </a:p>
@@ -23885,25 +23245,15 @@
           <a:lstStyle/>
           <a:p>
             <a:r>
-              <a:rPr lang="en-US" altLang="zh-CN"/>
-              <a:t>Slide </a:t>
-            </a:r>
-            <a:r>
-              <a:rPr lang="en-US" altLang="zh-CN">
-                <a:ea typeface="宋体" panose="02010600030101010101" pitchFamily="2" charset="-122"/>
-              </a:rPr>
-              <a:t>7</a:t>
-            </a:r>
-            <a:r>
-              <a:rPr lang="en-US" altLang="zh-CN"/>
-              <a:t>- </a:t>
+              <a:rPr lang="en-US" altLang="zh-CN" dirty="0" smtClean="0"/>
+              <a:t>Slide 10- </a:t>
             </a:r>
             <a:fld id="{733046A0-1DF1-4FDC-831B-9D17498724D4}" type="slidenum">
-              <a:rPr lang="en-US" altLang="zh-CN"/>
+              <a:rPr lang="en-US" altLang="zh-CN" smtClean="0"/>
               <a:pPr/>
               <a:t>62</a:t>
             </a:fld>
-            <a:endParaRPr lang="en-CA" altLang="zh-CN">
+            <a:endParaRPr lang="en-CA" altLang="zh-CN" dirty="0">
               <a:ea typeface="宋体" panose="02010600030101010101" pitchFamily="2" charset="-122"/>
             </a:endParaRPr>
           </a:p>
@@ -24045,25 +23395,15 @@
           <a:lstStyle/>
           <a:p>
             <a:r>
-              <a:rPr lang="en-US" altLang="zh-CN"/>
-              <a:t>Slide </a:t>
-            </a:r>
-            <a:r>
-              <a:rPr lang="en-US" altLang="zh-CN">
-                <a:ea typeface="宋体" panose="02010600030101010101" pitchFamily="2" charset="-122"/>
-              </a:rPr>
-              <a:t>7</a:t>
-            </a:r>
-            <a:r>
-              <a:rPr lang="en-US" altLang="zh-CN"/>
-              <a:t>- </a:t>
+              <a:rPr lang="en-US" altLang="zh-CN" dirty="0" smtClean="0"/>
+              <a:t>Slide 10- </a:t>
             </a:r>
             <a:fld id="{B9FBCFCE-5267-42FD-ACB4-20F8CB985346}" type="slidenum">
-              <a:rPr lang="en-US" altLang="zh-CN"/>
+              <a:rPr lang="en-US" altLang="zh-CN" smtClean="0"/>
               <a:pPr/>
               <a:t>63</a:t>
             </a:fld>
-            <a:endParaRPr lang="en-CA" altLang="zh-CN">
+            <a:endParaRPr lang="en-CA" altLang="zh-CN" dirty="0">
               <a:ea typeface="宋体" panose="02010600030101010101" pitchFamily="2" charset="-122"/>
             </a:endParaRPr>
           </a:p>
@@ -24220,25 +23560,15 @@
           <a:lstStyle/>
           <a:p>
             <a:r>
-              <a:rPr lang="en-US" altLang="zh-CN"/>
-              <a:t>Slide </a:t>
-            </a:r>
-            <a:r>
-              <a:rPr lang="en-US" altLang="zh-CN">
-                <a:ea typeface="宋体" panose="02010600030101010101" pitchFamily="2" charset="-122"/>
-              </a:rPr>
-              <a:t>7</a:t>
-            </a:r>
-            <a:r>
-              <a:rPr lang="en-US" altLang="zh-CN"/>
-              <a:t>- </a:t>
+              <a:rPr lang="en-US" altLang="zh-CN" dirty="0" smtClean="0"/>
+              <a:t>Slide 10- </a:t>
             </a:r>
             <a:fld id="{2FA7FBD2-026F-464A-B236-E9E53F0BDC9A}" type="slidenum">
-              <a:rPr lang="en-US" altLang="zh-CN"/>
+              <a:rPr lang="en-US" altLang="zh-CN" smtClean="0"/>
               <a:pPr/>
               <a:t>64</a:t>
             </a:fld>
-            <a:endParaRPr lang="en-CA" altLang="zh-CN">
+            <a:endParaRPr lang="en-CA" altLang="zh-CN" dirty="0">
               <a:ea typeface="宋体" panose="02010600030101010101" pitchFamily="2" charset="-122"/>
             </a:endParaRPr>
           </a:p>
@@ -24374,25 +23704,15 @@
           <a:lstStyle/>
           <a:p>
             <a:r>
-              <a:rPr lang="en-US" altLang="zh-CN"/>
-              <a:t>Slide </a:t>
-            </a:r>
-            <a:r>
-              <a:rPr lang="en-US" altLang="zh-CN">
-                <a:ea typeface="宋体" panose="02010600030101010101" pitchFamily="2" charset="-122"/>
-              </a:rPr>
-              <a:t>7</a:t>
-            </a:r>
-            <a:r>
-              <a:rPr lang="en-US" altLang="zh-CN"/>
-              <a:t>- </a:t>
+              <a:rPr lang="en-US" altLang="zh-CN" dirty="0" smtClean="0"/>
+              <a:t>Slide 10- </a:t>
             </a:r>
             <a:fld id="{3447B45E-95A4-4782-B18D-2CEFD2B402B2}" type="slidenum">
-              <a:rPr lang="en-US" altLang="zh-CN"/>
+              <a:rPr lang="en-US" altLang="zh-CN" smtClean="0"/>
               <a:pPr/>
               <a:t>65</a:t>
             </a:fld>
-            <a:endParaRPr lang="en-CA" altLang="zh-CN">
+            <a:endParaRPr lang="en-CA" altLang="zh-CN" dirty="0">
               <a:ea typeface="宋体" panose="02010600030101010101" pitchFamily="2" charset="-122"/>
             </a:endParaRPr>
           </a:p>
@@ -24542,25 +23862,15 @@
           <a:lstStyle/>
           <a:p>
             <a:r>
-              <a:rPr lang="en-US" altLang="zh-CN"/>
-              <a:t>Slide </a:t>
-            </a:r>
-            <a:r>
-              <a:rPr lang="en-US" altLang="zh-CN">
-                <a:ea typeface="宋体" panose="02010600030101010101" pitchFamily="2" charset="-122"/>
-              </a:rPr>
-              <a:t>7</a:t>
-            </a:r>
-            <a:r>
-              <a:rPr lang="en-US" altLang="zh-CN"/>
-              <a:t>- </a:t>
+              <a:rPr lang="en-US" altLang="zh-CN" dirty="0" smtClean="0"/>
+              <a:t>Slide 10- </a:t>
             </a:r>
             <a:fld id="{804684BF-6C1C-4098-9358-76177744B333}" type="slidenum">
-              <a:rPr lang="en-US" altLang="zh-CN"/>
+              <a:rPr lang="en-US" altLang="zh-CN" smtClean="0"/>
               <a:pPr/>
               <a:t>66</a:t>
             </a:fld>
-            <a:endParaRPr lang="en-CA" altLang="zh-CN">
+            <a:endParaRPr lang="en-CA" altLang="zh-CN" dirty="0">
               <a:ea typeface="宋体" panose="02010600030101010101" pitchFamily="2" charset="-122"/>
             </a:endParaRPr>
           </a:p>
@@ -24815,25 +24125,15 @@
           <a:lstStyle/>
           <a:p>
             <a:r>
-              <a:rPr lang="en-US" altLang="zh-CN"/>
-              <a:t>Slide </a:t>
-            </a:r>
-            <a:r>
-              <a:rPr lang="en-US" altLang="zh-CN">
-                <a:ea typeface="宋体" panose="02010600030101010101" pitchFamily="2" charset="-122"/>
-              </a:rPr>
-              <a:t>7</a:t>
-            </a:r>
-            <a:r>
-              <a:rPr lang="en-US" altLang="zh-CN"/>
-              <a:t>- </a:t>
+              <a:rPr lang="en-US" altLang="zh-CN" dirty="0" smtClean="0"/>
+              <a:t>Slide 10- </a:t>
             </a:r>
             <a:fld id="{0E13F93E-AB15-4D60-A5F3-4895D856488A}" type="slidenum">
-              <a:rPr lang="en-US" altLang="zh-CN"/>
+              <a:rPr lang="en-US" altLang="zh-CN" smtClean="0"/>
               <a:pPr/>
               <a:t>67</a:t>
             </a:fld>
-            <a:endParaRPr lang="en-CA" altLang="zh-CN">
+            <a:endParaRPr lang="en-CA" altLang="zh-CN" dirty="0">
               <a:ea typeface="宋体" panose="02010600030101010101" pitchFamily="2" charset="-122"/>
             </a:endParaRPr>
           </a:p>
@@ -25763,25 +25063,15 @@
           <a:lstStyle/>
           <a:p>
             <a:r>
-              <a:rPr lang="en-US" altLang="zh-CN"/>
-              <a:t>Slide </a:t>
-            </a:r>
-            <a:r>
-              <a:rPr lang="en-US" altLang="zh-CN">
-                <a:ea typeface="宋体" panose="02010600030101010101" pitchFamily="2" charset="-122"/>
-              </a:rPr>
-              <a:t>7</a:t>
-            </a:r>
-            <a:r>
-              <a:rPr lang="en-US" altLang="zh-CN"/>
-              <a:t>- </a:t>
+              <a:rPr lang="en-US" altLang="zh-CN" dirty="0" smtClean="0"/>
+              <a:t>Slide 10- </a:t>
             </a:r>
             <a:fld id="{B965AD29-49FA-48E5-8E81-A140940A0D61}" type="slidenum">
-              <a:rPr lang="en-US" altLang="zh-CN"/>
+              <a:rPr lang="en-US" altLang="zh-CN" smtClean="0"/>
               <a:pPr/>
               <a:t>68</a:t>
             </a:fld>
-            <a:endParaRPr lang="en-CA" altLang="zh-CN">
+            <a:endParaRPr lang="en-CA" altLang="zh-CN" dirty="0">
               <a:ea typeface="宋体" panose="02010600030101010101" pitchFamily="2" charset="-122"/>
             </a:endParaRPr>
           </a:p>
@@ -25922,25 +25212,15 @@
           <a:lstStyle/>
           <a:p>
             <a:r>
-              <a:rPr lang="en-US" altLang="zh-CN"/>
-              <a:t>Slide </a:t>
-            </a:r>
-            <a:r>
-              <a:rPr lang="en-US" altLang="zh-CN">
-                <a:ea typeface="宋体" panose="02010600030101010101" pitchFamily="2" charset="-122"/>
-              </a:rPr>
-              <a:t>7</a:t>
-            </a:r>
-            <a:r>
-              <a:rPr lang="en-US" altLang="zh-CN"/>
-              <a:t>- </a:t>
+              <a:rPr lang="en-US" altLang="zh-CN" dirty="0" smtClean="0"/>
+              <a:t>Slide 10- </a:t>
             </a:r>
             <a:fld id="{A3F6EB0B-7324-4880-A082-26A9BF093016}" type="slidenum">
-              <a:rPr lang="en-US" altLang="zh-CN"/>
+              <a:rPr lang="en-US" altLang="zh-CN" smtClean="0"/>
               <a:pPr/>
               <a:t>69</a:t>
             </a:fld>
-            <a:endParaRPr lang="en-CA" altLang="zh-CN">
+            <a:endParaRPr lang="en-CA" altLang="zh-CN" dirty="0">
               <a:ea typeface="宋体" panose="02010600030101010101" pitchFamily="2" charset="-122"/>
             </a:endParaRPr>
           </a:p>
@@ -26096,25 +25376,15 @@
           <a:lstStyle/>
           <a:p>
             <a:r>
-              <a:rPr lang="en-US" altLang="zh-CN"/>
-              <a:t>Slide </a:t>
-            </a:r>
-            <a:r>
-              <a:rPr lang="en-US" altLang="zh-CN">
-                <a:ea typeface="宋体" panose="02010600030101010101" pitchFamily="2" charset="-122"/>
-              </a:rPr>
-              <a:t>7</a:t>
-            </a:r>
-            <a:r>
-              <a:rPr lang="en-US" altLang="zh-CN"/>
-              <a:t>- </a:t>
+              <a:rPr lang="en-US" altLang="zh-CN" dirty="0" smtClean="0"/>
+              <a:t>Slide 10- </a:t>
             </a:r>
             <a:fld id="{4B530A41-D2BE-4311-B74B-5B185BF6B6B7}" type="slidenum">
-              <a:rPr lang="en-US" altLang="zh-CN"/>
+              <a:rPr lang="en-US" altLang="zh-CN" smtClean="0"/>
               <a:pPr/>
               <a:t>7</a:t>
             </a:fld>
-            <a:endParaRPr lang="en-CA" altLang="zh-CN">
+            <a:endParaRPr lang="en-CA" altLang="zh-CN" dirty="0">
               <a:ea typeface="宋体" panose="02010600030101010101" pitchFamily="2" charset="-122"/>
             </a:endParaRPr>
           </a:p>
@@ -26286,25 +25556,15 @@
           <a:lstStyle/>
           <a:p>
             <a:r>
-              <a:rPr lang="en-US" altLang="zh-CN"/>
-              <a:t>Slide </a:t>
-            </a:r>
-            <a:r>
-              <a:rPr lang="en-US" altLang="zh-CN">
-                <a:ea typeface="宋体" panose="02010600030101010101" pitchFamily="2" charset="-122"/>
-              </a:rPr>
-              <a:t>7</a:t>
-            </a:r>
-            <a:r>
-              <a:rPr lang="en-US" altLang="zh-CN"/>
-              <a:t>- </a:t>
+              <a:rPr lang="en-US" altLang="zh-CN" dirty="0" smtClean="0"/>
+              <a:t>Slide 10- </a:t>
             </a:r>
             <a:fld id="{AB17018C-6454-4A71-BC1B-942BD82DF5EB}" type="slidenum">
-              <a:rPr lang="en-US" altLang="zh-CN"/>
+              <a:rPr lang="en-US" altLang="zh-CN" smtClean="0"/>
               <a:pPr/>
               <a:t>70</a:t>
             </a:fld>
-            <a:endParaRPr lang="en-CA" altLang="zh-CN">
+            <a:endParaRPr lang="en-CA" altLang="zh-CN" dirty="0">
               <a:ea typeface="宋体" panose="02010600030101010101" pitchFamily="2" charset="-122"/>
             </a:endParaRPr>
           </a:p>
@@ -26666,7 +25926,6 @@
               <a:rPr lang="en-US" altLang="zh-CN" sz="2700" dirty="0"/>
               <a:t>172.18.5.102</a:t>
             </a:r>
-            <a:endParaRPr lang="en-US" altLang="zh-CN" sz="2700" dirty="0"/>
           </a:p>
           <a:p>
             <a:pPr marL="0" indent="0">
@@ -26775,25 +26034,15 @@
           <a:lstStyle/>
           <a:p>
             <a:r>
-              <a:rPr lang="en-US" altLang="zh-CN"/>
-              <a:t>Slide </a:t>
-            </a:r>
-            <a:r>
-              <a:rPr lang="en-US" altLang="zh-CN">
-                <a:ea typeface="宋体" panose="02010600030101010101" pitchFamily="2" charset="-122"/>
-              </a:rPr>
-              <a:t>7</a:t>
-            </a:r>
-            <a:r>
-              <a:rPr lang="en-US" altLang="zh-CN"/>
-              <a:t>- </a:t>
+              <a:rPr lang="en-US" altLang="zh-CN" dirty="0" smtClean="0"/>
+              <a:t>Slide 10- </a:t>
             </a:r>
             <a:fld id="{FD575487-5C37-439F-BB27-866566065EF2}" type="slidenum">
-              <a:rPr lang="en-US" altLang="zh-CN"/>
+              <a:rPr lang="en-US" altLang="zh-CN" smtClean="0"/>
               <a:pPr/>
               <a:t>73</a:t>
             </a:fld>
-            <a:endParaRPr lang="en-CA" altLang="zh-CN">
+            <a:endParaRPr lang="en-CA" altLang="zh-CN" dirty="0">
               <a:ea typeface="宋体" panose="02010600030101010101" pitchFamily="2" charset="-122"/>
             </a:endParaRPr>
           </a:p>
@@ -26986,25 +26235,15 @@
           <a:lstStyle/>
           <a:p>
             <a:r>
-              <a:rPr lang="en-US" altLang="zh-CN"/>
-              <a:t>Slide </a:t>
-            </a:r>
-            <a:r>
-              <a:rPr lang="en-US" altLang="zh-CN">
-                <a:ea typeface="宋体" panose="02010600030101010101" pitchFamily="2" charset="-122"/>
-              </a:rPr>
-              <a:t>7</a:t>
-            </a:r>
-            <a:r>
-              <a:rPr lang="en-US" altLang="zh-CN"/>
-              <a:t>- </a:t>
+              <a:rPr lang="en-US" altLang="zh-CN" dirty="0" smtClean="0"/>
+              <a:t>Slide 10- </a:t>
             </a:r>
             <a:fld id="{6E15EE0E-E0FC-48DC-AF35-32A4C33431B4}" type="slidenum">
-              <a:rPr lang="en-US" altLang="zh-CN"/>
+              <a:rPr lang="en-US" altLang="zh-CN" smtClean="0"/>
               <a:pPr/>
               <a:t>74</a:t>
             </a:fld>
-            <a:endParaRPr lang="en-CA" altLang="zh-CN">
+            <a:endParaRPr lang="en-CA" altLang="zh-CN" dirty="0">
               <a:ea typeface="宋体" panose="02010600030101010101" pitchFamily="2" charset="-122"/>
             </a:endParaRPr>
           </a:p>
@@ -27343,25 +26582,15 @@
           <a:lstStyle/>
           <a:p>
             <a:r>
-              <a:rPr lang="en-US" altLang="zh-CN"/>
-              <a:t>Slide </a:t>
-            </a:r>
-            <a:r>
-              <a:rPr lang="en-US" altLang="zh-CN">
-                <a:ea typeface="宋体" panose="02010600030101010101" pitchFamily="2" charset="-122"/>
-              </a:rPr>
-              <a:t>7</a:t>
-            </a:r>
-            <a:r>
-              <a:rPr lang="en-US" altLang="zh-CN"/>
-              <a:t>- </a:t>
+              <a:rPr lang="en-US" altLang="zh-CN" dirty="0" smtClean="0"/>
+              <a:t>Slide 10- </a:t>
             </a:r>
             <a:fld id="{19A98547-6B68-4635-86C9-77D5B0322639}" type="slidenum">
-              <a:rPr lang="en-US" altLang="zh-CN"/>
+              <a:rPr lang="en-US" altLang="zh-CN" smtClean="0"/>
               <a:pPr/>
               <a:t>75</a:t>
             </a:fld>
-            <a:endParaRPr lang="en-CA" altLang="zh-CN">
+            <a:endParaRPr lang="en-CA" altLang="zh-CN" dirty="0">
               <a:ea typeface="宋体" panose="02010600030101010101" pitchFamily="2" charset="-122"/>
             </a:endParaRPr>
           </a:p>
@@ -27642,25 +26871,15 @@
           <a:lstStyle/>
           <a:p>
             <a:r>
-              <a:rPr lang="en-US" altLang="zh-CN"/>
-              <a:t>Slide </a:t>
-            </a:r>
-            <a:r>
-              <a:rPr lang="en-US" altLang="zh-CN">
-                <a:ea typeface="宋体" panose="02010600030101010101" pitchFamily="2" charset="-122"/>
-              </a:rPr>
-              <a:t>7</a:t>
-            </a:r>
-            <a:r>
-              <a:rPr lang="en-US" altLang="zh-CN"/>
-              <a:t>- </a:t>
+              <a:rPr lang="en-US" altLang="zh-CN" dirty="0" smtClean="0"/>
+              <a:t>Slide 10- </a:t>
             </a:r>
             <a:fld id="{AAF62C2B-DF1F-4A6C-BA89-5FB36A1CBAE5}" type="slidenum">
-              <a:rPr lang="en-US" altLang="zh-CN"/>
+              <a:rPr lang="en-US" altLang="zh-CN" smtClean="0"/>
               <a:pPr/>
               <a:t>76</a:t>
             </a:fld>
-            <a:endParaRPr lang="en-CA" altLang="zh-CN">
+            <a:endParaRPr lang="en-CA" altLang="zh-CN" dirty="0">
               <a:ea typeface="宋体" panose="02010600030101010101" pitchFamily="2" charset="-122"/>
             </a:endParaRPr>
           </a:p>
@@ -27931,25 +27150,15 @@
           <a:lstStyle/>
           <a:p>
             <a:r>
-              <a:rPr lang="en-US" altLang="zh-CN"/>
-              <a:t>Slide </a:t>
-            </a:r>
-            <a:r>
-              <a:rPr lang="en-US" altLang="zh-CN">
-                <a:ea typeface="宋体" panose="02010600030101010101" pitchFamily="2" charset="-122"/>
-              </a:rPr>
-              <a:t>7</a:t>
-            </a:r>
-            <a:r>
-              <a:rPr lang="en-US" altLang="zh-CN"/>
-              <a:t>- </a:t>
+              <a:rPr lang="en-US" altLang="zh-CN" dirty="0" smtClean="0"/>
+              <a:t>Slide 10- </a:t>
             </a:r>
             <a:fld id="{D2EFFED3-E91C-473E-86CA-77261B5A2BE6}" type="slidenum">
-              <a:rPr lang="en-US" altLang="zh-CN"/>
+              <a:rPr lang="en-US" altLang="zh-CN" smtClean="0"/>
               <a:pPr/>
               <a:t>77</a:t>
             </a:fld>
-            <a:endParaRPr lang="en-CA" altLang="zh-CN">
+            <a:endParaRPr lang="en-CA" altLang="zh-CN" dirty="0">
               <a:ea typeface="宋体" panose="02010600030101010101" pitchFamily="2" charset="-122"/>
             </a:endParaRPr>
           </a:p>
@@ -28285,25 +27494,15 @@
           <a:lstStyle/>
           <a:p>
             <a:r>
-              <a:rPr lang="en-US" altLang="zh-CN"/>
-              <a:t>Slide </a:t>
-            </a:r>
-            <a:r>
-              <a:rPr lang="en-US" altLang="zh-CN">
-                <a:ea typeface="宋体" panose="02010600030101010101" pitchFamily="2" charset="-122"/>
-              </a:rPr>
-              <a:t>7</a:t>
-            </a:r>
-            <a:r>
-              <a:rPr lang="en-US" altLang="zh-CN"/>
-              <a:t>- </a:t>
+              <a:rPr lang="en-US" altLang="zh-CN" dirty="0" smtClean="0"/>
+              <a:t>Slide 10- </a:t>
             </a:r>
             <a:fld id="{5DA49F65-70B1-486F-825B-705CDF762C49}" type="slidenum">
-              <a:rPr lang="en-US" altLang="zh-CN"/>
+              <a:rPr lang="en-US" altLang="zh-CN" smtClean="0"/>
               <a:pPr/>
               <a:t>78</a:t>
             </a:fld>
-            <a:endParaRPr lang="en-CA" altLang="zh-CN">
+            <a:endParaRPr lang="en-CA" altLang="zh-CN" dirty="0">
               <a:ea typeface="宋体" panose="02010600030101010101" pitchFamily="2" charset="-122"/>
             </a:endParaRPr>
           </a:p>
@@ -28584,25 +27783,15 @@
           <a:lstStyle/>
           <a:p>
             <a:r>
-              <a:rPr lang="en-US" altLang="zh-CN"/>
-              <a:t>Slide </a:t>
-            </a:r>
-            <a:r>
-              <a:rPr lang="en-US" altLang="zh-CN">
-                <a:ea typeface="宋体" panose="02010600030101010101" pitchFamily="2" charset="-122"/>
-              </a:rPr>
-              <a:t>7</a:t>
-            </a:r>
-            <a:r>
-              <a:rPr lang="en-US" altLang="zh-CN"/>
-              <a:t>- </a:t>
+              <a:rPr lang="en-US" altLang="zh-CN" dirty="0" smtClean="0"/>
+              <a:t>Slide 10- </a:t>
             </a:r>
             <a:fld id="{908067D8-3977-4C7C-9E6E-F19A954339F6}" type="slidenum">
-              <a:rPr lang="en-US" altLang="zh-CN"/>
+              <a:rPr lang="en-US" altLang="zh-CN" smtClean="0"/>
               <a:pPr/>
               <a:t>79</a:t>
             </a:fld>
-            <a:endParaRPr lang="en-CA" altLang="zh-CN">
+            <a:endParaRPr lang="en-CA" altLang="zh-CN" dirty="0">
               <a:ea typeface="宋体" panose="02010600030101010101" pitchFamily="2" charset="-122"/>
             </a:endParaRPr>
           </a:p>
@@ -28938,25 +28127,15 @@
           <a:lstStyle/>
           <a:p>
             <a:r>
-              <a:rPr lang="en-US" altLang="zh-CN"/>
-              <a:t>Slide </a:t>
-            </a:r>
-            <a:r>
-              <a:rPr lang="en-US" altLang="zh-CN">
-                <a:ea typeface="宋体" panose="02010600030101010101" pitchFamily="2" charset="-122"/>
-              </a:rPr>
-              <a:t>7</a:t>
-            </a:r>
-            <a:r>
-              <a:rPr lang="en-US" altLang="zh-CN"/>
-              <a:t>- </a:t>
+              <a:rPr lang="en-US" altLang="zh-CN" dirty="0" smtClean="0"/>
+              <a:t>Slide 10- </a:t>
             </a:r>
             <a:fld id="{B60A1CD9-7022-410E-8DB3-BD6491F4F2DD}" type="slidenum">
-              <a:rPr lang="en-US" altLang="zh-CN"/>
+              <a:rPr lang="en-US" altLang="zh-CN" smtClean="0"/>
               <a:pPr/>
               <a:t>8</a:t>
             </a:fld>
-            <a:endParaRPr lang="en-CA" altLang="zh-CN">
+            <a:endParaRPr lang="en-CA" altLang="zh-CN" dirty="0">
               <a:ea typeface="宋体" panose="02010600030101010101" pitchFamily="2" charset="-122"/>
             </a:endParaRPr>
           </a:p>
@@ -29403,25 +28582,15 @@
           <a:lstStyle/>
           <a:p>
             <a:r>
-              <a:rPr lang="en-US" altLang="zh-CN"/>
-              <a:t>Slide </a:t>
-            </a:r>
-            <a:r>
-              <a:rPr lang="en-US" altLang="zh-CN">
-                <a:ea typeface="宋体" panose="02010600030101010101" pitchFamily="2" charset="-122"/>
-              </a:rPr>
-              <a:t>7</a:t>
-            </a:r>
-            <a:r>
-              <a:rPr lang="en-US" altLang="zh-CN"/>
-              <a:t>- </a:t>
+              <a:rPr lang="en-US" altLang="zh-CN" dirty="0" smtClean="0"/>
+              <a:t>Slide 10- </a:t>
             </a:r>
             <a:fld id="{CED245AF-96BA-4CD4-9210-34DEB701448D}" type="slidenum">
-              <a:rPr lang="en-US" altLang="zh-CN"/>
+              <a:rPr lang="en-US" altLang="zh-CN" smtClean="0"/>
               <a:pPr/>
               <a:t>80</a:t>
             </a:fld>
-            <a:endParaRPr lang="en-CA" altLang="zh-CN">
+            <a:endParaRPr lang="en-CA" altLang="zh-CN" dirty="0">
               <a:ea typeface="宋体" panose="02010600030101010101" pitchFamily="2" charset="-122"/>
             </a:endParaRPr>
           </a:p>
@@ -29757,25 +28926,15 @@
           <a:lstStyle/>
           <a:p>
             <a:r>
-              <a:rPr lang="en-US" altLang="zh-CN"/>
-              <a:t>Slide </a:t>
-            </a:r>
-            <a:r>
-              <a:rPr lang="en-US" altLang="zh-CN">
-                <a:ea typeface="宋体" panose="02010600030101010101" pitchFamily="2" charset="-122"/>
-              </a:rPr>
-              <a:t>7</a:t>
-            </a:r>
-            <a:r>
-              <a:rPr lang="en-US" altLang="zh-CN"/>
-              <a:t>- </a:t>
+              <a:rPr lang="en-US" altLang="zh-CN" dirty="0" smtClean="0"/>
+              <a:t>Slide 10- </a:t>
             </a:r>
             <a:fld id="{A6EB9660-C7EF-4FF8-B0A2-932DA4CA7B77}" type="slidenum">
-              <a:rPr lang="en-US" altLang="zh-CN"/>
+              <a:rPr lang="en-US" altLang="zh-CN" smtClean="0"/>
               <a:pPr/>
               <a:t>81</a:t>
             </a:fld>
-            <a:endParaRPr lang="en-CA" altLang="zh-CN">
+            <a:endParaRPr lang="en-CA" altLang="zh-CN" dirty="0">
               <a:ea typeface="宋体" panose="02010600030101010101" pitchFamily="2" charset="-122"/>
             </a:endParaRPr>
           </a:p>
@@ -30111,25 +29270,15 @@
           <a:lstStyle/>
           <a:p>
             <a:r>
-              <a:rPr lang="en-US" altLang="zh-CN"/>
-              <a:t>Slide </a:t>
-            </a:r>
-            <a:r>
-              <a:rPr lang="en-US" altLang="zh-CN">
-                <a:ea typeface="宋体" panose="02010600030101010101" pitchFamily="2" charset="-122"/>
-              </a:rPr>
-              <a:t>7</a:t>
-            </a:r>
-            <a:r>
-              <a:rPr lang="en-US" altLang="zh-CN"/>
-              <a:t>- </a:t>
+              <a:rPr lang="en-US" altLang="zh-CN" dirty="0" smtClean="0"/>
+              <a:t>Slide 10- </a:t>
             </a:r>
             <a:fld id="{C76A388D-7163-48C3-9667-D3E865DB5C03}" type="slidenum">
-              <a:rPr lang="en-US" altLang="zh-CN"/>
+              <a:rPr lang="en-US" altLang="zh-CN" smtClean="0"/>
               <a:pPr/>
               <a:t>82</a:t>
             </a:fld>
-            <a:endParaRPr lang="en-CA" altLang="zh-CN">
+            <a:endParaRPr lang="en-CA" altLang="zh-CN" dirty="0">
               <a:ea typeface="宋体" panose="02010600030101010101" pitchFamily="2" charset="-122"/>
             </a:endParaRPr>
           </a:p>
@@ -30465,25 +29614,15 @@
           <a:lstStyle/>
           <a:p>
             <a:r>
-              <a:rPr lang="en-US" altLang="zh-CN"/>
-              <a:t>Slide </a:t>
-            </a:r>
-            <a:r>
-              <a:rPr lang="en-US" altLang="zh-CN">
-                <a:ea typeface="宋体" panose="02010600030101010101" pitchFamily="2" charset="-122"/>
-              </a:rPr>
-              <a:t>7</a:t>
-            </a:r>
-            <a:r>
-              <a:rPr lang="en-US" altLang="zh-CN"/>
-              <a:t>- </a:t>
+              <a:rPr lang="en-US" altLang="zh-CN" dirty="0" smtClean="0"/>
+              <a:t>Slide 10- </a:t>
             </a:r>
             <a:fld id="{FEF4AD88-0493-4328-9DB6-74A6C27EF0DE}" type="slidenum">
-              <a:rPr lang="en-US" altLang="zh-CN"/>
+              <a:rPr lang="en-US" altLang="zh-CN" smtClean="0"/>
               <a:pPr/>
               <a:t>83</a:t>
             </a:fld>
-            <a:endParaRPr lang="en-CA" altLang="zh-CN">
+            <a:endParaRPr lang="en-CA" altLang="zh-CN" dirty="0">
               <a:ea typeface="宋体" panose="02010600030101010101" pitchFamily="2" charset="-122"/>
             </a:endParaRPr>
           </a:p>
@@ -30764,25 +29903,15 @@
           <a:lstStyle/>
           <a:p>
             <a:r>
-              <a:rPr lang="en-US" altLang="zh-CN"/>
-              <a:t>Slide </a:t>
-            </a:r>
-            <a:r>
-              <a:rPr lang="en-US" altLang="zh-CN">
-                <a:ea typeface="宋体" panose="02010600030101010101" pitchFamily="2" charset="-122"/>
-              </a:rPr>
-              <a:t>7</a:t>
-            </a:r>
-            <a:r>
-              <a:rPr lang="en-US" altLang="zh-CN"/>
-              <a:t>- </a:t>
+              <a:rPr lang="en-US" altLang="zh-CN" dirty="0" smtClean="0"/>
+              <a:t>Slide 10- </a:t>
             </a:r>
             <a:fld id="{E2611FB4-0E57-4F43-9489-C5F4ABB011D9}" type="slidenum">
-              <a:rPr lang="en-US" altLang="zh-CN"/>
+              <a:rPr lang="en-US" altLang="zh-CN" smtClean="0"/>
               <a:pPr/>
               <a:t>84</a:t>
             </a:fld>
-            <a:endParaRPr lang="en-CA" altLang="zh-CN">
+            <a:endParaRPr lang="en-CA" altLang="zh-CN" dirty="0">
               <a:ea typeface="宋体" panose="02010600030101010101" pitchFamily="2" charset="-122"/>
             </a:endParaRPr>
           </a:p>
@@ -31063,25 +30192,15 @@
           <a:lstStyle/>
           <a:p>
             <a:r>
-              <a:rPr lang="en-US" altLang="zh-CN"/>
-              <a:t>Slide </a:t>
-            </a:r>
-            <a:r>
-              <a:rPr lang="en-US" altLang="zh-CN">
-                <a:ea typeface="宋体" panose="02010600030101010101" pitchFamily="2" charset="-122"/>
-              </a:rPr>
-              <a:t>7</a:t>
-            </a:r>
-            <a:r>
-              <a:rPr lang="en-US" altLang="zh-CN"/>
-              <a:t>- </a:t>
+              <a:rPr lang="en-US" altLang="zh-CN" dirty="0" smtClean="0"/>
+              <a:t>Slide 10- </a:t>
             </a:r>
             <a:fld id="{54A63EB1-15B4-4A53-92E7-5502A4C34F49}" type="slidenum">
-              <a:rPr lang="en-US" altLang="zh-CN"/>
+              <a:rPr lang="en-US" altLang="zh-CN" smtClean="0"/>
               <a:pPr/>
               <a:t>85</a:t>
             </a:fld>
-            <a:endParaRPr lang="en-CA" altLang="zh-CN">
+            <a:endParaRPr lang="en-CA" altLang="zh-CN" dirty="0">
               <a:ea typeface="宋体" panose="02010600030101010101" pitchFamily="2" charset="-122"/>
             </a:endParaRPr>
           </a:p>
@@ -31362,25 +30481,15 @@
           <a:lstStyle/>
           <a:p>
             <a:r>
-              <a:rPr lang="en-US" altLang="zh-CN"/>
-              <a:t>Slide </a:t>
-            </a:r>
-            <a:r>
-              <a:rPr lang="en-US" altLang="zh-CN">
-                <a:ea typeface="宋体" panose="02010600030101010101" pitchFamily="2" charset="-122"/>
-              </a:rPr>
-              <a:t>7</a:t>
-            </a:r>
-            <a:r>
-              <a:rPr lang="en-US" altLang="zh-CN"/>
-              <a:t>- </a:t>
+              <a:rPr lang="en-US" altLang="zh-CN" dirty="0" smtClean="0"/>
+              <a:t>Slide 10- </a:t>
             </a:r>
             <a:fld id="{FCA17F10-242F-4B77-83D8-0072AECAB3F1}" type="slidenum">
-              <a:rPr lang="en-US" altLang="zh-CN"/>
+              <a:rPr lang="en-US" altLang="zh-CN" smtClean="0"/>
               <a:pPr/>
               <a:t>86</a:t>
             </a:fld>
-            <a:endParaRPr lang="en-CA" altLang="zh-CN">
+            <a:endParaRPr lang="en-CA" altLang="zh-CN" dirty="0">
               <a:ea typeface="宋体" panose="02010600030101010101" pitchFamily="2" charset="-122"/>
             </a:endParaRPr>
           </a:p>
@@ -31716,25 +30825,15 @@
           <a:lstStyle/>
           <a:p>
             <a:r>
-              <a:rPr lang="en-US" altLang="zh-CN"/>
-              <a:t>Slide </a:t>
-            </a:r>
-            <a:r>
-              <a:rPr lang="en-US" altLang="zh-CN">
-                <a:ea typeface="宋体" panose="02010600030101010101" pitchFamily="2" charset="-122"/>
-              </a:rPr>
-              <a:t>7</a:t>
-            </a:r>
-            <a:r>
-              <a:rPr lang="en-US" altLang="zh-CN"/>
-              <a:t>- </a:t>
+              <a:rPr lang="en-US" altLang="zh-CN" dirty="0" smtClean="0"/>
+              <a:t>Slide 10- </a:t>
             </a:r>
             <a:fld id="{ED47F0E4-CB83-43BF-981A-ECF09379458C}" type="slidenum">
-              <a:rPr lang="en-US" altLang="zh-CN"/>
+              <a:rPr lang="en-US" altLang="zh-CN" smtClean="0"/>
               <a:pPr/>
               <a:t>87</a:t>
             </a:fld>
-            <a:endParaRPr lang="en-CA" altLang="zh-CN">
+            <a:endParaRPr lang="en-CA" altLang="zh-CN" dirty="0">
               <a:ea typeface="宋体" panose="02010600030101010101" pitchFamily="2" charset="-122"/>
             </a:endParaRPr>
           </a:p>
@@ -32015,25 +31114,15 @@
           <a:lstStyle/>
           <a:p>
             <a:r>
-              <a:rPr lang="en-US" altLang="zh-CN"/>
-              <a:t>Slide </a:t>
-            </a:r>
-            <a:r>
-              <a:rPr lang="en-US" altLang="zh-CN">
-                <a:ea typeface="宋体" panose="02010600030101010101" pitchFamily="2" charset="-122"/>
-              </a:rPr>
-              <a:t>7</a:t>
-            </a:r>
-            <a:r>
-              <a:rPr lang="en-US" altLang="zh-CN"/>
-              <a:t>- </a:t>
+              <a:rPr lang="en-US" altLang="zh-CN" dirty="0" smtClean="0"/>
+              <a:t>Slide 10- </a:t>
             </a:r>
             <a:fld id="{1A0B85A7-FA98-4ED9-85A8-919DCF3A862B}" type="slidenum">
-              <a:rPr lang="en-US" altLang="zh-CN"/>
+              <a:rPr lang="en-US" altLang="zh-CN" smtClean="0"/>
               <a:pPr/>
               <a:t>88</a:t>
             </a:fld>
-            <a:endParaRPr lang="en-CA" altLang="zh-CN">
+            <a:endParaRPr lang="en-CA" altLang="zh-CN" dirty="0">
               <a:ea typeface="宋体" panose="02010600030101010101" pitchFamily="2" charset="-122"/>
             </a:endParaRPr>
           </a:p>
@@ -32369,25 +31458,15 @@
           <a:lstStyle/>
           <a:p>
             <a:r>
-              <a:rPr lang="en-US" altLang="zh-CN"/>
-              <a:t>Slide </a:t>
-            </a:r>
-            <a:r>
-              <a:rPr lang="en-US" altLang="zh-CN">
-                <a:ea typeface="宋体" panose="02010600030101010101" pitchFamily="2" charset="-122"/>
-              </a:rPr>
-              <a:t>7</a:t>
-            </a:r>
-            <a:r>
-              <a:rPr lang="en-US" altLang="zh-CN"/>
-              <a:t>- </a:t>
+              <a:rPr lang="en-US" altLang="zh-CN" dirty="0" smtClean="0"/>
+              <a:t>Slide 10- </a:t>
             </a:r>
             <a:fld id="{087B555A-E0D9-4D04-9637-0DF93E508481}" type="slidenum">
-              <a:rPr lang="en-US" altLang="zh-CN"/>
+              <a:rPr lang="en-US" altLang="zh-CN" smtClean="0"/>
               <a:pPr/>
               <a:t>89</a:t>
             </a:fld>
-            <a:endParaRPr lang="en-CA" altLang="zh-CN">
+            <a:endParaRPr lang="en-CA" altLang="zh-CN" dirty="0">
               <a:ea typeface="宋体" panose="02010600030101010101" pitchFamily="2" charset="-122"/>
             </a:endParaRPr>
           </a:p>
@@ -32723,25 +31802,15 @@
           <a:lstStyle/>
           <a:p>
             <a:r>
-              <a:rPr lang="en-US" altLang="zh-CN"/>
-              <a:t>Slide </a:t>
-            </a:r>
-            <a:r>
-              <a:rPr lang="en-US" altLang="zh-CN">
-                <a:ea typeface="宋体" panose="02010600030101010101" pitchFamily="2" charset="-122"/>
-              </a:rPr>
-              <a:t>7</a:t>
-            </a:r>
-            <a:r>
-              <a:rPr lang="en-US" altLang="zh-CN"/>
-              <a:t>- </a:t>
+              <a:rPr lang="en-US" altLang="zh-CN" dirty="0" smtClean="0"/>
+              <a:t>Slide 10- </a:t>
             </a:r>
             <a:fld id="{B1FDED95-E7AD-486A-A620-D5F512DC88BB}" type="slidenum">
-              <a:rPr lang="en-US" altLang="zh-CN"/>
+              <a:rPr lang="en-US" altLang="zh-CN" smtClean="0"/>
               <a:pPr/>
               <a:t>9</a:t>
             </a:fld>
-            <a:endParaRPr lang="en-CA" altLang="zh-CN">
+            <a:endParaRPr lang="en-CA" altLang="zh-CN" dirty="0">
               <a:ea typeface="宋体" panose="02010600030101010101" pitchFamily="2" charset="-122"/>
             </a:endParaRPr>
           </a:p>
@@ -32979,25 +32048,15 @@
           <a:lstStyle/>
           <a:p>
             <a:r>
-              <a:rPr lang="en-US" altLang="zh-CN"/>
-              <a:t>Slide </a:t>
-            </a:r>
-            <a:r>
-              <a:rPr lang="en-US" altLang="zh-CN">
-                <a:ea typeface="宋体" panose="02010600030101010101" pitchFamily="2" charset="-122"/>
-              </a:rPr>
-              <a:t>7</a:t>
-            </a:r>
-            <a:r>
-              <a:rPr lang="en-US" altLang="zh-CN"/>
-              <a:t>- </a:t>
+              <a:rPr lang="en-US" altLang="zh-CN" dirty="0" smtClean="0"/>
+              <a:t>Slide 10- </a:t>
             </a:r>
             <a:fld id="{3B64ACF9-7217-4E87-B990-30608E4DEEF0}" type="slidenum">
-              <a:rPr lang="en-US" altLang="zh-CN"/>
+              <a:rPr lang="en-US" altLang="zh-CN" smtClean="0"/>
               <a:pPr/>
               <a:t>90</a:t>
             </a:fld>
-            <a:endParaRPr lang="en-CA" altLang="zh-CN">
+            <a:endParaRPr lang="en-CA" altLang="zh-CN" dirty="0">
               <a:ea typeface="宋体" panose="02010600030101010101" pitchFamily="2" charset="-122"/>
             </a:endParaRPr>
           </a:p>

--- a/ppt/Chapter 10.pptx
+++ b/ppt/Chapter 10.pptx
@@ -1208,6 +1208,91 @@
           <a:bodyPr/>
           <a:lstStyle/>
           <a:p>
+            <a:endParaRPr kumimoji="1" lang="zh-CN" altLang="en-US"/>
+          </a:p>
+        </p:txBody>
+      </p:sp>
+      <p:sp>
+        <p:nvSpPr>
+          <p:cNvPr id="4" name="幻灯片编号占位符 3"/>
+          <p:cNvSpPr>
+            <a:spLocks noGrp="1"/>
+          </p:cNvSpPr>
+          <p:nvPr>
+            <p:ph type="sldNum" sz="quarter" idx="10"/>
+          </p:nvPr>
+        </p:nvSpPr>
+        <p:spPr/>
+        <p:txBody>
+          <a:bodyPr/>
+          <a:lstStyle/>
+          <a:p>
+            <a:fld id="{3B9791D6-9201-4513-8195-CFF81B3F9D59}" type="slidenum">
+              <a:rPr lang="zh-CN" altLang="en-CA" smtClean="0"/>
+              <a:pPr/>
+              <a:t>1</a:t>
+            </a:fld>
+            <a:endParaRPr lang="en-CA" altLang="zh-CN"/>
+          </a:p>
+        </p:txBody>
+      </p:sp>
+    </p:spTree>
+    <p:extLst>
+      <p:ext uri="{BB962C8B-B14F-4D97-AF65-F5344CB8AC3E}">
+        <p14:creationId xmlns:p14="http://schemas.microsoft.com/office/powerpoint/2010/main" val="817082592"/>
+      </p:ext>
+    </p:extLst>
+  </p:cSld>
+  <p:clrMapOvr>
+    <a:masterClrMapping/>
+  </p:clrMapOvr>
+</p:notes>
+</file>
+
+<file path=ppt/notesSlides/notesSlide2.xml><?xml version="1.0" encoding="utf-8"?>
+<p:notes xmlns:a="http://schemas.openxmlformats.org/drawingml/2006/main" xmlns:r="http://schemas.openxmlformats.org/officeDocument/2006/relationships" xmlns:p="http://schemas.openxmlformats.org/presentationml/2006/main">
+  <p:cSld>
+    <p:spTree>
+      <p:nvGrpSpPr>
+        <p:cNvPr id="1" name=""/>
+        <p:cNvGrpSpPr/>
+        <p:nvPr/>
+      </p:nvGrpSpPr>
+      <p:grpSpPr>
+        <a:xfrm>
+          <a:off x="0" y="0"/>
+          <a:ext cx="0" cy="0"/>
+          <a:chOff x="0" y="0"/>
+          <a:chExt cx="0" cy="0"/>
+        </a:xfrm>
+      </p:grpSpPr>
+      <p:sp>
+        <p:nvSpPr>
+          <p:cNvPr id="2" name="幻灯片图像占位符 1"/>
+          <p:cNvSpPr>
+            <a:spLocks noGrp="1" noRot="1" noChangeAspect="1"/>
+          </p:cNvSpPr>
+          <p:nvPr>
+            <p:ph type="sldImg"/>
+          </p:nvPr>
+        </p:nvSpPr>
+        <p:spPr/>
+      </p:sp>
+      <p:sp>
+        <p:nvSpPr>
+          <p:cNvPr id="3" name="备注占位符 2"/>
+          <p:cNvSpPr>
+            <a:spLocks noGrp="1"/>
+          </p:cNvSpPr>
+          <p:nvPr>
+            <p:ph type="body" idx="1"/>
+          </p:nvPr>
+        </p:nvSpPr>
+        <p:spPr/>
+        <p:txBody>
+          <a:bodyPr/>
+          <a:lstStyle/>
+          <a:p>
             <a:endParaRPr lang="zh-CN" altLang="en-US" dirty="0"/>
           </a:p>
         </p:txBody>
@@ -1248,7 +1333,7 @@
 </p:notes>
 </file>
 
-<file path=ppt/notesSlides/notesSlide2.xml><?xml version="1.0" encoding="utf-8"?>
+<file path=ppt/notesSlides/notesSlide3.xml><?xml version="1.0" encoding="utf-8"?>
 <p:notes xmlns:a="http://schemas.openxmlformats.org/drawingml/2006/main" xmlns:r="http://schemas.openxmlformats.org/officeDocument/2006/relationships" xmlns:p="http://schemas.openxmlformats.org/presentationml/2006/main">
   <p:cSld>
     <p:spTree>
@@ -1758,34 +1843,9 @@
             </a:lvl1pPr>
           </a:lstStyle>
           <a:p>
-            <a:r>
-              <a:rPr lang="en-US" altLang="zh-CN"/>
-              <a:t>Copyright © 2008 </a:t>
-            </a:r>
-            <a:r>
-              <a:rPr lang="en-US" altLang="zh-TW">
-                <a:ea typeface="新細明體" pitchFamily="18" charset="-120"/>
-              </a:rPr>
-              <a:t>PEARSON EDUCATION </a:t>
-            </a:r>
-            <a:r>
-              <a:rPr lang="en-US" altLang="zh-CN">
-                <a:ea typeface="宋体" panose="02010600030101010101" pitchFamily="2" charset="-122"/>
-              </a:rPr>
-              <a:t>ASIA </a:t>
-            </a:r>
-            <a:r>
-              <a:rPr lang="en-US" altLang="zh-TW">
-                <a:ea typeface="新細明體" pitchFamily="18" charset="-120"/>
-              </a:rPr>
-              <a:t>LIMITED and Tsinghua University Press</a:t>
-            </a:r>
-            <a:r>
-              <a:rPr lang="en-US" altLang="zh-CN">
-                <a:ea typeface="宋体" panose="02010600030101010101" pitchFamily="2" charset="-122"/>
-              </a:rPr>
-              <a:t> </a:t>
-            </a:r>
+            <a:endParaRPr lang="en-US" altLang="zh-CN">
+              <a:ea typeface="宋体" panose="02010600030101010101" pitchFamily="2" charset="-122"/>
+            </a:endParaRPr>
           </a:p>
         </p:txBody>
       </p:sp>
@@ -4552,6 +4612,36 @@
           </a:p>
         </p:txBody>
       </p:sp>
+      <p:sp>
+        <p:nvSpPr>
+          <p:cNvPr id="2" name="幻灯片编号占位符 1"/>
+          <p:cNvSpPr>
+            <a:spLocks noGrp="1"/>
+          </p:cNvSpPr>
+          <p:nvPr>
+            <p:ph type="sldNum" sz="quarter" idx="10"/>
+          </p:nvPr>
+        </p:nvSpPr>
+        <p:spPr/>
+        <p:txBody>
+          <a:bodyPr/>
+          <a:lstStyle/>
+          <a:p>
+            <a:r>
+              <a:rPr lang="en-US" altLang="zh-CN" smtClean="0"/>
+              <a:t>Slide 10- </a:t>
+            </a:r>
+            <a:fld id="{E2E8EE4A-A1B5-433C-A198-E356DAD791D7}" type="slidenum">
+              <a:rPr lang="en-US" altLang="zh-CN" smtClean="0"/>
+              <a:pPr/>
+              <a:t>1</a:t>
+            </a:fld>
+            <a:endParaRPr lang="en-CA" altLang="zh-CN" dirty="0">
+              <a:ea typeface="宋体" panose="02010600030101010101" pitchFamily="2" charset="-122"/>
+            </a:endParaRPr>
+          </a:p>
+        </p:txBody>
+      </p:sp>
     </p:spTree>
     <p:extLst>
       <p:ext uri="{BB962C8B-B14F-4D97-AF65-F5344CB8AC3E}">
@@ -8841,6 +8931,36 @@
               </a:rPr>
               <a:t>new.</a:t>
             </a:r>
+          </a:p>
+        </p:txBody>
+      </p:sp>
+      <p:sp>
+        <p:nvSpPr>
+          <p:cNvPr id="4" name="幻灯片编号占位符 3"/>
+          <p:cNvSpPr>
+            <a:spLocks noGrp="1"/>
+          </p:cNvSpPr>
+          <p:nvPr>
+            <p:ph type="sldNum" sz="quarter" idx="10"/>
+          </p:nvPr>
+        </p:nvSpPr>
+        <p:spPr/>
+        <p:txBody>
+          <a:bodyPr/>
+          <a:lstStyle/>
+          <a:p>
+            <a:r>
+              <a:rPr lang="en-US" altLang="zh-CN" smtClean="0"/>
+              <a:t>Slide 10- </a:t>
+            </a:r>
+            <a:fld id="{FA56F4C1-121C-45D7-B65B-0E767F5B5E69}" type="slidenum">
+              <a:rPr lang="en-US" altLang="zh-CN" smtClean="0"/>
+              <a:pPr/>
+              <a:t>2</a:t>
+            </a:fld>
+            <a:endParaRPr lang="en-CA" altLang="zh-CN" dirty="0">
+              <a:ea typeface="宋体" panose="02010600030101010101" pitchFamily="2" charset="-122"/>
+            </a:endParaRPr>
           </a:p>
         </p:txBody>
       </p:sp>
@@ -9723,6 +9843,36 @@
           </a:p>
         </p:txBody>
       </p:sp>
+      <p:sp>
+        <p:nvSpPr>
+          <p:cNvPr id="2" name="幻灯片编号占位符 1"/>
+          <p:cNvSpPr>
+            <a:spLocks noGrp="1"/>
+          </p:cNvSpPr>
+          <p:nvPr>
+            <p:ph type="sldNum" sz="quarter" idx="10"/>
+          </p:nvPr>
+        </p:nvSpPr>
+        <p:spPr/>
+        <p:txBody>
+          <a:bodyPr/>
+          <a:lstStyle/>
+          <a:p>
+            <a:r>
+              <a:rPr lang="en-US" altLang="zh-CN" smtClean="0"/>
+              <a:t>Slide 10- </a:t>
+            </a:r>
+            <a:fld id="{FA56F4C1-121C-45D7-B65B-0E767F5B5E69}" type="slidenum">
+              <a:rPr lang="en-US" altLang="zh-CN" smtClean="0"/>
+              <a:pPr/>
+              <a:t>22</a:t>
+            </a:fld>
+            <a:endParaRPr lang="en-CA" altLang="zh-CN" dirty="0">
+              <a:ea typeface="宋体" panose="02010600030101010101" pitchFamily="2" charset="-122"/>
+            </a:endParaRPr>
+          </a:p>
+        </p:txBody>
+      </p:sp>
     </p:spTree>
     <p:extLst>
       <p:ext uri="{BB962C8B-B14F-4D97-AF65-F5344CB8AC3E}">
@@ -11936,6 +12086,36 @@
               <a:solidFill>
                 <a:srgbClr val="0000FF"/>
               </a:solidFill>
+              <a:ea typeface="宋体" panose="02010600030101010101" pitchFamily="2" charset="-122"/>
+            </a:endParaRPr>
+          </a:p>
+        </p:txBody>
+      </p:sp>
+      <p:sp>
+        <p:nvSpPr>
+          <p:cNvPr id="4" name="幻灯片编号占位符 3"/>
+          <p:cNvSpPr>
+            <a:spLocks noGrp="1"/>
+          </p:cNvSpPr>
+          <p:nvPr>
+            <p:ph type="sldNum" sz="quarter" idx="10"/>
+          </p:nvPr>
+        </p:nvSpPr>
+        <p:spPr/>
+        <p:txBody>
+          <a:bodyPr/>
+          <a:lstStyle/>
+          <a:p>
+            <a:r>
+              <a:rPr lang="en-US" altLang="zh-CN" smtClean="0"/>
+              <a:t>Slide 10- </a:t>
+            </a:r>
+            <a:fld id="{FA56F4C1-121C-45D7-B65B-0E767F5B5E69}" type="slidenum">
+              <a:rPr lang="en-US" altLang="zh-CN" smtClean="0"/>
+              <a:pPr/>
+              <a:t>3</a:t>
+            </a:fld>
+            <a:endParaRPr lang="en-CA" altLang="zh-CN" dirty="0">
               <a:ea typeface="宋体" panose="02010600030101010101" pitchFamily="2" charset="-122"/>
             </a:endParaRPr>
           </a:p>
@@ -18394,6 +18574,36 @@
           <a:lstStyle/>
           <a:p>
             <a:endParaRPr lang="zh-CN" altLang="en-US"/>
+          </a:p>
+        </p:txBody>
+      </p:sp>
+      <p:sp>
+        <p:nvSpPr>
+          <p:cNvPr id="2" name="幻灯片编号占位符 1"/>
+          <p:cNvSpPr>
+            <a:spLocks noGrp="1"/>
+          </p:cNvSpPr>
+          <p:nvPr>
+            <p:ph type="sldNum" sz="quarter" idx="10"/>
+          </p:nvPr>
+        </p:nvSpPr>
+        <p:spPr/>
+        <p:txBody>
+          <a:bodyPr/>
+          <a:lstStyle/>
+          <a:p>
+            <a:r>
+              <a:rPr lang="en-US" altLang="zh-CN" smtClean="0"/>
+              <a:t>Slide 10- </a:t>
+            </a:r>
+            <a:fld id="{FA56F4C1-121C-45D7-B65B-0E767F5B5E69}" type="slidenum">
+              <a:rPr lang="en-US" altLang="zh-CN" smtClean="0"/>
+              <a:pPr/>
+              <a:t>5</a:t>
+            </a:fld>
+            <a:endParaRPr lang="en-CA" altLang="zh-CN" dirty="0">
+              <a:ea typeface="宋体" panose="02010600030101010101" pitchFamily="2" charset="-122"/>
+            </a:endParaRPr>
           </a:p>
         </p:txBody>
       </p:sp>
@@ -25843,6 +26053,36 @@
           </a:p>
         </p:txBody>
       </p:sp>
+      <p:sp>
+        <p:nvSpPr>
+          <p:cNvPr id="4" name="幻灯片编号占位符 3"/>
+          <p:cNvSpPr>
+            <a:spLocks noGrp="1"/>
+          </p:cNvSpPr>
+          <p:nvPr>
+            <p:ph type="sldNum" sz="quarter" idx="10"/>
+          </p:nvPr>
+        </p:nvSpPr>
+        <p:spPr/>
+        <p:txBody>
+          <a:bodyPr/>
+          <a:lstStyle/>
+          <a:p>
+            <a:r>
+              <a:rPr lang="en-US" altLang="zh-CN" smtClean="0"/>
+              <a:t>Slide 10- </a:t>
+            </a:r>
+            <a:fld id="{FA56F4C1-121C-45D7-B65B-0E767F5B5E69}" type="slidenum">
+              <a:rPr lang="en-US" altLang="zh-CN" smtClean="0"/>
+              <a:pPr/>
+              <a:t>71</a:t>
+            </a:fld>
+            <a:endParaRPr lang="en-CA" altLang="zh-CN" dirty="0">
+              <a:ea typeface="宋体" panose="02010600030101010101" pitchFamily="2" charset="-122"/>
+            </a:endParaRPr>
+          </a:p>
+        </p:txBody>
+      </p:sp>
     </p:spTree>
     <p:extLst>
       <p:ext uri="{BB962C8B-B14F-4D97-AF65-F5344CB8AC3E}">
@@ -25987,6 +26227,36 @@
           </a:prstGeom>
         </p:spPr>
       </p:pic>
+      <p:sp>
+        <p:nvSpPr>
+          <p:cNvPr id="5" name="幻灯片编号占位符 4"/>
+          <p:cNvSpPr>
+            <a:spLocks noGrp="1"/>
+          </p:cNvSpPr>
+          <p:nvPr>
+            <p:ph type="sldNum" sz="quarter" idx="10"/>
+          </p:nvPr>
+        </p:nvSpPr>
+        <p:spPr/>
+        <p:txBody>
+          <a:bodyPr/>
+          <a:lstStyle/>
+          <a:p>
+            <a:r>
+              <a:rPr lang="en-US" altLang="zh-CN" smtClean="0"/>
+              <a:t>Slide 10- </a:t>
+            </a:r>
+            <a:fld id="{FA56F4C1-121C-45D7-B65B-0E767F5B5E69}" type="slidenum">
+              <a:rPr lang="en-US" altLang="zh-CN" smtClean="0"/>
+              <a:pPr/>
+              <a:t>72</a:t>
+            </a:fld>
+            <a:endParaRPr lang="en-CA" altLang="zh-CN" dirty="0">
+              <a:ea typeface="宋体" panose="02010600030101010101" pitchFamily="2" charset="-122"/>
+            </a:endParaRPr>
+          </a:p>
+        </p:txBody>
+      </p:sp>
     </p:spTree>
     <p:extLst>
       <p:ext uri="{BB962C8B-B14F-4D97-AF65-F5344CB8AC3E}">
